--- a/slides/ML - Module 2 - Regression - Additional Slides.pptx
+++ b/slides/ML - Module 2 - Regression - Additional Slides.pptx
@@ -6,20 +6,22 @@
   </p:sldMasterIdLst>
   <p:sldIdLst>
     <p:sldId id="256" r:id="rId2"/>
-    <p:sldId id="2353" r:id="rId3"/>
-    <p:sldId id="2613" r:id="rId4"/>
-    <p:sldId id="2617" r:id="rId5"/>
-    <p:sldId id="2491" r:id="rId6"/>
-    <p:sldId id="2492" r:id="rId7"/>
-    <p:sldId id="2235" r:id="rId8"/>
-    <p:sldId id="2615" r:id="rId9"/>
-    <p:sldId id="2616" r:id="rId10"/>
-    <p:sldId id="2618" r:id="rId11"/>
-    <p:sldId id="2620" r:id="rId12"/>
-    <p:sldId id="2621" r:id="rId13"/>
-    <p:sldId id="2619" r:id="rId14"/>
-    <p:sldId id="2622" r:id="rId15"/>
-    <p:sldId id="2623" r:id="rId16"/>
+    <p:sldId id="2035" r:id="rId3"/>
+    <p:sldId id="2046" r:id="rId4"/>
+    <p:sldId id="2353" r:id="rId5"/>
+    <p:sldId id="2613" r:id="rId6"/>
+    <p:sldId id="2617" r:id="rId7"/>
+    <p:sldId id="2491" r:id="rId8"/>
+    <p:sldId id="2492" r:id="rId9"/>
+    <p:sldId id="2235" r:id="rId10"/>
+    <p:sldId id="2615" r:id="rId11"/>
+    <p:sldId id="2616" r:id="rId12"/>
+    <p:sldId id="2618" r:id="rId13"/>
+    <p:sldId id="2620" r:id="rId14"/>
+    <p:sldId id="2621" r:id="rId15"/>
+    <p:sldId id="2619" r:id="rId16"/>
+    <p:sldId id="2622" r:id="rId17"/>
+    <p:sldId id="2623" r:id="rId18"/>
   </p:sldIdLst>
   <p:sldSz cx="12192000" cy="6858000"/>
   <p:notesSz cx="6858000" cy="9144000"/>
@@ -118,6 +120,11 @@
       </a:defRPr>
     </a:lvl9pPr>
   </p:defaultTextStyle>
+  <p:extLst>
+    <p:ext uri="{EFAFB233-063F-42B5-8137-9DF3F51BA10A}">
+      <p15:sldGuideLst xmlns:p15="http://schemas.microsoft.com/office/powerpoint/2012/main"/>
+    </p:ext>
+  </p:extLst>
 </p:presentation>
 </file>
 
@@ -3454,6 +3461,4372 @@
           <p:cNvPr id="2" name="Title 1">
             <a:extLst>
               <a:ext uri="{FF2B5EF4-FFF2-40B4-BE49-F238E27FC236}">
+                <a16:creationId xmlns:a16="http://schemas.microsoft.com/office/drawing/2014/main" id="{517A5DBB-97C4-F117-3142-F4BBE8A1FF06}"/>
+              </a:ext>
+            </a:extLst>
+          </p:cNvPr>
+          <p:cNvSpPr>
+            <a:spLocks noGrp="1"/>
+          </p:cNvSpPr>
+          <p:nvPr>
+            <p:ph type="title"/>
+          </p:nvPr>
+        </p:nvSpPr>
+        <p:spPr>
+          <a:xfrm>
+            <a:off x="838200" y="95694"/>
+            <a:ext cx="10515600" cy="616688"/>
+          </a:xfrm>
+        </p:spPr>
+        <p:txBody>
+          <a:bodyPr>
+            <a:normAutofit fontScale="90000"/>
+          </a:bodyPr>
+          <a:lstStyle/>
+          <a:p>
+            <a:r>
+              <a:rPr lang="en-IN" noProof="0" dirty="0"/>
+              <a:t>Regression Metrics Evaluation</a:t>
+            </a:r>
+          </a:p>
+        </p:txBody>
+      </p:sp>
+      <mc:AlternateContent xmlns:mc="http://schemas.openxmlformats.org/markup-compatibility/2006" xmlns:a14="http://schemas.microsoft.com/office/drawing/2010/main">
+        <mc:Choice Requires="a14">
+          <p:graphicFrame>
+            <p:nvGraphicFramePr>
+              <p:cNvPr id="4" name="Content Placeholder 3">
+                <a:extLst>
+                  <a:ext uri="{FF2B5EF4-FFF2-40B4-BE49-F238E27FC236}">
+                    <a16:creationId xmlns:a16="http://schemas.microsoft.com/office/drawing/2014/main" id="{C2CC25F8-6752-E6E6-17A1-B7F8B00E71F5}"/>
+                  </a:ext>
+                </a:extLst>
+              </p:cNvPr>
+              <p:cNvGraphicFramePr>
+                <a:graphicFrameLocks noGrp="1"/>
+              </p:cNvGraphicFramePr>
+              <p:nvPr>
+                <p:ph idx="1"/>
+              </p:nvPr>
+            </p:nvGraphicFramePr>
+            <p:xfrm>
+              <a:off x="393405" y="850606"/>
+              <a:ext cx="11344939" cy="5974411"/>
+            </p:xfrm>
+            <a:graphic>
+              <a:graphicData uri="http://schemas.openxmlformats.org/drawingml/2006/table">
+                <a:tbl>
+                  <a:tblPr>
+                    <a:tableStyleId>{E8B1032C-EA38-4F05-BA0D-38AFFFC7BED3}</a:tableStyleId>
+                  </a:tblPr>
+                  <a:tblGrid>
+                    <a:gridCol w="1022842">
+                      <a:extLst>
+                        <a:ext uri="{9D8B030D-6E8A-4147-A177-3AD203B41FA5}">
+                          <a16:colId xmlns:a16="http://schemas.microsoft.com/office/drawing/2014/main" val="3571068989"/>
+                        </a:ext>
+                      </a:extLst>
+                    </a:gridCol>
+                    <a:gridCol w="2305695">
+                      <a:extLst>
+                        <a:ext uri="{9D8B030D-6E8A-4147-A177-3AD203B41FA5}">
+                          <a16:colId xmlns:a16="http://schemas.microsoft.com/office/drawing/2014/main" val="2841260163"/>
+                        </a:ext>
+                      </a:extLst>
+                    </a:gridCol>
+                    <a:gridCol w="3120145">
+                      <a:extLst>
+                        <a:ext uri="{9D8B030D-6E8A-4147-A177-3AD203B41FA5}">
+                          <a16:colId xmlns:a16="http://schemas.microsoft.com/office/drawing/2014/main" val="4066360817"/>
+                        </a:ext>
+                      </a:extLst>
+                    </a:gridCol>
+                    <a:gridCol w="2145100">
+                      <a:extLst>
+                        <a:ext uri="{9D8B030D-6E8A-4147-A177-3AD203B41FA5}">
+                          <a16:colId xmlns:a16="http://schemas.microsoft.com/office/drawing/2014/main" val="121328166"/>
+                        </a:ext>
+                      </a:extLst>
+                    </a:gridCol>
+                    <a:gridCol w="2751157">
+                      <a:extLst>
+                        <a:ext uri="{9D8B030D-6E8A-4147-A177-3AD203B41FA5}">
+                          <a16:colId xmlns:a16="http://schemas.microsoft.com/office/drawing/2014/main" val="1813311693"/>
+                        </a:ext>
+                      </a:extLst>
+                    </a:gridCol>
+                  </a:tblGrid>
+                  <a:tr h="719673">
+                    <a:tc>
+                      <a:txBody>
+                        <a:bodyPr/>
+                        <a:lstStyle/>
+                        <a:p>
+                          <a:pPr>
+                            <a:buNone/>
+                          </a:pPr>
+                          <a:r>
+                            <a:rPr lang="en-IN" sz="2000" b="1" noProof="0" dirty="0"/>
+                            <a:t>Metric</a:t>
+                          </a:r>
+                          <a:endParaRPr lang="en-IN" sz="2000" noProof="0" dirty="0"/>
+                        </a:p>
+                      </a:txBody>
+                      <a:tcPr anchor="ctr"/>
+                    </a:tc>
+                    <a:tc>
+                      <a:txBody>
+                        <a:bodyPr/>
+                        <a:lstStyle/>
+                        <a:p>
+                          <a:pPr>
+                            <a:buNone/>
+                          </a:pPr>
+                          <a:r>
+                            <a:rPr lang="en-IN" sz="2000" b="1" noProof="0" dirty="0"/>
+                            <a:t>Full Form</a:t>
+                          </a:r>
+                          <a:endParaRPr lang="en-IN" sz="2000" noProof="0" dirty="0"/>
+                        </a:p>
+                      </a:txBody>
+                      <a:tcPr anchor="ctr"/>
+                    </a:tc>
+                    <a:tc>
+                      <a:txBody>
+                        <a:bodyPr/>
+                        <a:lstStyle/>
+                        <a:p>
+                          <a:pPr>
+                            <a:buNone/>
+                          </a:pPr>
+                          <a:r>
+                            <a:rPr lang="en-IN" sz="2000" b="1" noProof="0" dirty="0"/>
+                            <a:t>Formula</a:t>
+                          </a:r>
+                          <a:endParaRPr lang="en-IN" sz="2000" noProof="0" dirty="0"/>
+                        </a:p>
+                      </a:txBody>
+                      <a:tcPr anchor="ctr"/>
+                    </a:tc>
+                    <a:tc>
+                      <a:txBody>
+                        <a:bodyPr/>
+                        <a:lstStyle/>
+                        <a:p>
+                          <a:pPr>
+                            <a:buNone/>
+                          </a:pPr>
+                          <a:r>
+                            <a:rPr lang="en-IN" sz="2000" b="1" noProof="0" dirty="0"/>
+                            <a:t>Range / Ideal Value</a:t>
+                          </a:r>
+                          <a:endParaRPr lang="en-IN" sz="2000" noProof="0" dirty="0"/>
+                        </a:p>
+                      </a:txBody>
+                      <a:tcPr anchor="ctr"/>
+                    </a:tc>
+                    <a:tc>
+                      <a:txBody>
+                        <a:bodyPr/>
+                        <a:lstStyle/>
+                        <a:p>
+                          <a:pPr>
+                            <a:buNone/>
+                          </a:pPr>
+                          <a:r>
+                            <a:rPr lang="en-IN" sz="2000" b="1" noProof="0" dirty="0"/>
+                            <a:t>Intuition (Meaning)</a:t>
+                          </a:r>
+                          <a:endParaRPr lang="en-IN" sz="2000" noProof="0" dirty="0"/>
+                        </a:p>
+                      </a:txBody>
+                      <a:tcPr anchor="ctr"/>
+                    </a:tc>
+                    <a:extLst>
+                      <a:ext uri="{0D108BD9-81ED-4DB2-BD59-A6C34878D82A}">
+                        <a16:rowId xmlns:a16="http://schemas.microsoft.com/office/drawing/2014/main" val="580338717"/>
+                      </a:ext>
+                    </a:extLst>
+                  </a:tr>
+                  <a:tr h="1359383">
+                    <a:tc>
+                      <a:txBody>
+                        <a:bodyPr/>
+                        <a:lstStyle/>
+                        <a:p>
+                          <a:pPr>
+                            <a:buNone/>
+                          </a:pPr>
+                          <a:r>
+                            <a:rPr lang="en-IN" sz="2000" b="1" noProof="0" dirty="0"/>
+                            <a:t>R²</a:t>
+                          </a:r>
+                          <a:endParaRPr lang="en-IN" sz="2000" noProof="0" dirty="0"/>
+                        </a:p>
+                      </a:txBody>
+                      <a:tcPr anchor="ctr"/>
+                    </a:tc>
+                    <a:tc>
+                      <a:txBody>
+                        <a:bodyPr/>
+                        <a:lstStyle/>
+                        <a:p>
+                          <a:pPr>
+                            <a:buNone/>
+                          </a:pPr>
+                          <a:r>
+                            <a:rPr lang="en-IN" sz="2000" noProof="0" dirty="0"/>
+                            <a:t>Coefficient of Determination</a:t>
+                          </a:r>
+                        </a:p>
+                      </a:txBody>
+                      <a:tcPr anchor="ctr"/>
+                    </a:tc>
+                    <a:tc>
+                      <a:txBody>
+                        <a:bodyPr/>
+                        <a:lstStyle/>
+                        <a:p>
+                          <a:pPr>
+                            <a:buNone/>
+                          </a:pPr>
+                          <a14:m>
+                            <m:oMathPara xmlns:m="http://schemas.openxmlformats.org/officeDocument/2006/math">
+                              <m:oMathParaPr>
+                                <m:jc m:val="centerGroup"/>
+                              </m:oMathParaPr>
+                              <m:oMath xmlns:m="http://schemas.openxmlformats.org/officeDocument/2006/math">
+                                <m:r>
+                                  <a:rPr lang="en-IN" sz="2000" b="0" noProof="0" smtClean="0">
+                                    <a:latin typeface="Cambria Math" panose="02040503050406030204" pitchFamily="18" charset="0"/>
+                                  </a:rPr>
+                                  <m:t>1 − </m:t>
+                                </m:r>
+                                <m:f>
+                                  <m:fPr>
+                                    <m:ctrlPr>
+                                      <a:rPr lang="en-IN" sz="2000" b="0" i="1" noProof="0" smtClean="0">
+                                        <a:latin typeface="Cambria Math" panose="02040503050406030204" pitchFamily="18" charset="0"/>
+                                      </a:rPr>
+                                    </m:ctrlPr>
+                                  </m:fPr>
+                                  <m:num>
+                                    <m:r>
+                                      <a:rPr lang="en-IN" sz="2000" b="0" noProof="0" smtClean="0">
+                                        <a:latin typeface="Cambria Math" panose="02040503050406030204" pitchFamily="18" charset="0"/>
+                                      </a:rPr>
+                                      <m:t>𝑆𝑆𝐸</m:t>
+                                    </m:r>
+                                  </m:num>
+                                  <m:den>
+                                    <m:r>
+                                      <a:rPr lang="en-IN" sz="2000" b="0" noProof="0" smtClean="0">
+                                        <a:latin typeface="Cambria Math" panose="02040503050406030204" pitchFamily="18" charset="0"/>
+                                      </a:rPr>
+                                      <m:t>𝑇𝑆𝑆</m:t>
+                                    </m:r>
+                                  </m:den>
+                                </m:f>
+                                <m:r>
+                                  <a:rPr lang="en-IN" sz="2000" b="0" noProof="0" smtClean="0">
+                                    <a:latin typeface="Cambria Math" panose="02040503050406030204" pitchFamily="18" charset="0"/>
+                                  </a:rPr>
+                                  <m:t> </m:t>
+                                </m:r>
+                              </m:oMath>
+                            </m:oMathPara>
+                          </a14:m>
+                          <a:endParaRPr lang="en-IN" sz="2000" noProof="0" dirty="0"/>
+                        </a:p>
+                      </a:txBody>
+                      <a:tcPr anchor="ctr"/>
+                    </a:tc>
+                    <a:tc>
+                      <a:txBody>
+                        <a:bodyPr/>
+                        <a:lstStyle/>
+                        <a:p>
+                          <a:pPr>
+                            <a:buNone/>
+                          </a:pPr>
+                          <a:r>
+                            <a:rPr lang="en-IN" sz="2000" noProof="0" dirty="0"/>
+                            <a:t>0 to 1 </a:t>
+                          </a:r>
+                        </a:p>
+                        <a:p>
+                          <a:pPr>
+                            <a:buNone/>
+                          </a:pPr>
+                          <a:r>
+                            <a:rPr lang="en-IN" sz="2000" noProof="0" dirty="0"/>
+                            <a:t>(higher = better)</a:t>
+                          </a:r>
+                        </a:p>
+                      </a:txBody>
+                      <a:tcPr anchor="ctr"/>
+                    </a:tc>
+                    <a:tc>
+                      <a:txBody>
+                        <a:bodyPr/>
+                        <a:lstStyle/>
+                        <a:p>
+                          <a:pPr>
+                            <a:buNone/>
+                          </a:pPr>
+                          <a:r>
+                            <a:rPr lang="en-IN" sz="2000" noProof="0" dirty="0"/>
+                            <a:t>How well the model explains variation in Y, 1 = perfect prediction</a:t>
+                          </a:r>
+                        </a:p>
+                      </a:txBody>
+                      <a:tcPr anchor="ctr"/>
+                    </a:tc>
+                    <a:extLst>
+                      <a:ext uri="{0D108BD9-81ED-4DB2-BD59-A6C34878D82A}">
+                        <a16:rowId xmlns:a16="http://schemas.microsoft.com/office/drawing/2014/main" val="3721828721"/>
+                      </a:ext>
+                    </a:extLst>
+                  </a:tr>
+                  <a:tr h="971948">
+                    <a:tc>
+                      <a:txBody>
+                        <a:bodyPr/>
+                        <a:lstStyle/>
+                        <a:p>
+                          <a:pPr>
+                            <a:buNone/>
+                          </a:pPr>
+                          <a:r>
+                            <a:rPr lang="en-IN" sz="2000" b="1" noProof="0" dirty="0"/>
+                            <a:t>MAE</a:t>
+                          </a:r>
+                          <a:endParaRPr lang="en-IN" sz="2000" noProof="0" dirty="0"/>
+                        </a:p>
+                      </a:txBody>
+                      <a:tcPr anchor="ctr"/>
+                    </a:tc>
+                    <a:tc>
+                      <a:txBody>
+                        <a:bodyPr/>
+                        <a:lstStyle/>
+                        <a:p>
+                          <a:pPr>
+                            <a:buNone/>
+                          </a:pPr>
+                          <a:r>
+                            <a:rPr lang="en-IN" sz="2000" noProof="0" dirty="0"/>
+                            <a:t>Mean Absolute Error</a:t>
+                          </a:r>
+                        </a:p>
+                      </a:txBody>
+                      <a:tcPr anchor="ctr"/>
+                    </a:tc>
+                    <a:tc>
+                      <a:txBody>
+                        <a:bodyPr/>
+                        <a:lstStyle/>
+                        <a:p>
+                          <a:pPr marL="0" marR="0" lvl="0" indent="0" algn="l" defTabSz="914400" rtl="0" eaLnBrk="1" fontAlgn="auto" latinLnBrk="0" hangingPunct="1">
+                            <a:lnSpc>
+                              <a:spcPct val="100000"/>
+                            </a:lnSpc>
+                            <a:spcBef>
+                              <a:spcPts val="0"/>
+                            </a:spcBef>
+                            <a:spcAft>
+                              <a:spcPts val="0"/>
+                            </a:spcAft>
+                            <a:buClrTx/>
+                            <a:buSzTx/>
+                            <a:buFontTx/>
+                            <a:buNone/>
+                            <a:tabLst/>
+                            <a:defRPr/>
+                          </a:pPr>
+                          <a14:m>
+                            <m:oMathPara xmlns:m="http://schemas.openxmlformats.org/officeDocument/2006/math">
+                              <m:oMathParaPr>
+                                <m:jc m:val="centerGroup"/>
+                              </m:oMathParaPr>
+                              <m:oMath xmlns:m="http://schemas.openxmlformats.org/officeDocument/2006/math">
+                                <m:f>
+                                  <m:fPr>
+                                    <m:ctrlPr>
+                                      <a:rPr lang="en-IN" sz="2000" b="0" i="1" noProof="0" smtClean="0">
+                                        <a:latin typeface="Cambria Math" panose="02040503050406030204" pitchFamily="18" charset="0"/>
+                                      </a:rPr>
+                                    </m:ctrlPr>
+                                  </m:fPr>
+                                  <m:num>
+                                    <m:r>
+                                      <m:rPr>
+                                        <m:nor/>
+                                      </m:rPr>
+                                      <a:rPr lang="en-IN" sz="2000" noProof="0" smtClean="0"/>
+                                      <m:t>Sum</m:t>
+                                    </m:r>
+                                    <m:r>
+                                      <m:rPr>
+                                        <m:nor/>
+                                      </m:rPr>
+                                      <a:rPr lang="en-IN" sz="2000" b="0" i="0" noProof="0" smtClean="0"/>
+                                      <m:t> |</m:t>
+                                    </m:r>
+                                    <m:sSub>
+                                      <m:sSubPr>
+                                        <m:ctrlPr>
+                                          <a:rPr lang="en-IN" sz="2000" i="1" noProof="0" smtClean="0">
+                                            <a:solidFill>
+                                              <a:srgbClr val="836967"/>
+                                            </a:solidFill>
+                                            <a:latin typeface="Cambria Math" panose="02040503050406030204" pitchFamily="18" charset="0"/>
+                                          </a:rPr>
+                                        </m:ctrlPr>
+                                      </m:sSubPr>
+                                      <m:e>
+                                        <m:r>
+                                          <a:rPr lang="en-IN" sz="2000" noProof="0">
+                                            <a:latin typeface="Cambria Math" panose="02040503050406030204" pitchFamily="18" charset="0"/>
+                                          </a:rPr>
+                                          <m:t>𝑦</m:t>
+                                        </m:r>
+                                      </m:e>
+                                      <m:sub>
+                                        <m:r>
+                                          <a:rPr lang="en-IN" sz="2000" noProof="0">
+                                            <a:latin typeface="Cambria Math" panose="02040503050406030204" pitchFamily="18" charset="0"/>
+                                          </a:rPr>
+                                          <m:t>𝑖</m:t>
+                                        </m:r>
+                                      </m:sub>
+                                    </m:sSub>
+                                    <m:r>
+                                      <a:rPr lang="en-IN" sz="2000" noProof="0">
+                                        <a:latin typeface="Cambria Math" panose="02040503050406030204" pitchFamily="18" charset="0"/>
+                                      </a:rPr>
+                                      <m:t>−</m:t>
+                                    </m:r>
+                                    <m:sSub>
+                                      <m:sSubPr>
+                                        <m:ctrlPr>
+                                          <a:rPr lang="en-IN" sz="2000" i="1" noProof="0">
+                                            <a:solidFill>
+                                              <a:srgbClr val="836967"/>
+                                            </a:solidFill>
+                                            <a:latin typeface="Cambria Math" panose="02040503050406030204" pitchFamily="18" charset="0"/>
+                                          </a:rPr>
+                                        </m:ctrlPr>
+                                      </m:sSubPr>
+                                      <m:e>
+                                        <m:acc>
+                                          <m:accPr>
+                                            <m:chr m:val="̂"/>
+                                            <m:ctrlPr>
+                                              <a:rPr lang="en-IN" sz="2000" i="1" noProof="0">
+                                                <a:solidFill>
+                                                  <a:srgbClr val="836967"/>
+                                                </a:solidFill>
+                                                <a:latin typeface="Cambria Math" panose="02040503050406030204" pitchFamily="18" charset="0"/>
+                                              </a:rPr>
+                                            </m:ctrlPr>
+                                          </m:accPr>
+                                          <m:e>
+                                            <m:r>
+                                              <a:rPr lang="en-IN" sz="2000" noProof="0">
+                                                <a:latin typeface="Cambria Math" panose="02040503050406030204" pitchFamily="18" charset="0"/>
+                                              </a:rPr>
+                                              <m:t>𝑦</m:t>
+                                            </m:r>
+                                          </m:e>
+                                        </m:acc>
+                                      </m:e>
+                                      <m:sub>
+                                        <m:r>
+                                          <a:rPr lang="en-IN" sz="2000" noProof="0">
+                                            <a:latin typeface="Cambria Math" panose="02040503050406030204" pitchFamily="18" charset="0"/>
+                                          </a:rPr>
+                                          <m:t>𝑖</m:t>
+                                        </m:r>
+                                      </m:sub>
+                                    </m:sSub>
+                                    <m:r>
+                                      <m:rPr>
+                                        <m:nor/>
+                                      </m:rPr>
+                                      <a:rPr lang="en-IN" sz="2000" b="0" i="0" noProof="0" smtClean="0">
+                                        <a:latin typeface="Cambria Math" panose="02040503050406030204" pitchFamily="18" charset="0"/>
+                                      </a:rPr>
+                                      <m:t>|</m:t>
+                                    </m:r>
+                                  </m:num>
+                                  <m:den>
+                                    <m:r>
+                                      <m:rPr>
+                                        <m:sty m:val="p"/>
+                                      </m:rPr>
+                                      <a:rPr lang="en-IN" sz="2000" b="0" i="0" noProof="0" smtClean="0">
+                                        <a:latin typeface="Cambria Math" panose="02040503050406030204" pitchFamily="18" charset="0"/>
+                                      </a:rPr>
+                                      <m:t>n</m:t>
+                                    </m:r>
+                                  </m:den>
+                                </m:f>
+                                <m:r>
+                                  <a:rPr lang="en-IN" sz="2000" b="0" noProof="0" smtClean="0">
+                                    <a:latin typeface="Cambria Math" panose="02040503050406030204" pitchFamily="18" charset="0"/>
+                                  </a:rPr>
+                                  <m:t> </m:t>
+                                </m:r>
+                              </m:oMath>
+                            </m:oMathPara>
+                          </a14:m>
+                          <a:endParaRPr lang="en-IN" sz="2000" noProof="0" dirty="0"/>
+                        </a:p>
+                        <a:p>
+                          <a:pPr marL="0" marR="0" lvl="0" indent="0" algn="l" defTabSz="914400" rtl="0" eaLnBrk="1" fontAlgn="auto" latinLnBrk="0" hangingPunct="1">
+                            <a:lnSpc>
+                              <a:spcPct val="100000"/>
+                            </a:lnSpc>
+                            <a:spcBef>
+                              <a:spcPts val="0"/>
+                            </a:spcBef>
+                            <a:spcAft>
+                              <a:spcPts val="0"/>
+                            </a:spcAft>
+                            <a:buClrTx/>
+                            <a:buSzTx/>
+                            <a:buFontTx/>
+                            <a:buNone/>
+                            <a:tabLst/>
+                            <a:defRPr/>
+                          </a:pPr>
+                          <a:endParaRPr lang="en-IN" sz="2000" noProof="0" dirty="0"/>
+                        </a:p>
+                        <a:p>
+                          <a:pPr>
+                            <a:buNone/>
+                          </a:pPr>
+                          <a:endParaRPr lang="en-IN" sz="2000" noProof="0" dirty="0"/>
+                        </a:p>
+                      </a:txBody>
+                      <a:tcPr anchor="ctr"/>
+                    </a:tc>
+                    <a:tc>
+                      <a:txBody>
+                        <a:bodyPr/>
+                        <a:lstStyle/>
+                        <a:p>
+                          <a:pPr>
+                            <a:buNone/>
+                          </a:pPr>
+                          <a14:m>
+                            <m:oMathPara xmlns:m="http://schemas.openxmlformats.org/officeDocument/2006/math">
+                              <m:oMathParaPr>
+                                <m:jc m:val="centerGroup"/>
+                              </m:oMathParaPr>
+                              <m:oMath xmlns:m="http://schemas.openxmlformats.org/officeDocument/2006/math">
+                                <m:sSub>
+                                  <m:sSubPr>
+                                    <m:ctrlPr>
+                                      <a:rPr lang="en-IN" sz="2000" i="1" noProof="0" smtClean="0">
+                                        <a:solidFill>
+                                          <a:srgbClr val="836967"/>
+                                        </a:solidFill>
+                                        <a:latin typeface="Cambria Math" panose="02040503050406030204" pitchFamily="18" charset="0"/>
+                                      </a:rPr>
+                                    </m:ctrlPr>
+                                  </m:sSubPr>
+                                  <m:e>
+                                    <m:r>
+                                      <a:rPr lang="en-IN" sz="2000" noProof="0">
+                                        <a:latin typeface="Cambria Math" panose="02040503050406030204" pitchFamily="18" charset="0"/>
+                                      </a:rPr>
+                                      <m:t>𝑦</m:t>
+                                    </m:r>
+                                  </m:e>
+                                  <m:sub>
+                                    <m:r>
+                                      <a:rPr lang="en-IN" sz="2000" noProof="0">
+                                        <a:latin typeface="Cambria Math" panose="02040503050406030204" pitchFamily="18" charset="0"/>
+                                      </a:rPr>
+                                      <m:t>𝑖</m:t>
+                                    </m:r>
+                                  </m:sub>
+                                </m:sSub>
+                                <m:r>
+                                  <a:rPr lang="en-IN" sz="2000" noProof="0">
+                                    <a:latin typeface="Cambria Math" panose="02040503050406030204" pitchFamily="18" charset="0"/>
+                                  </a:rPr>
+                                  <m:t>−</m:t>
+                                </m:r>
+                                <m:sSub>
+                                  <m:sSubPr>
+                                    <m:ctrlPr>
+                                      <a:rPr lang="en-IN" sz="2000" i="1" noProof="0">
+                                        <a:solidFill>
+                                          <a:srgbClr val="836967"/>
+                                        </a:solidFill>
+                                        <a:latin typeface="Cambria Math" panose="02040503050406030204" pitchFamily="18" charset="0"/>
+                                      </a:rPr>
+                                    </m:ctrlPr>
+                                  </m:sSubPr>
+                                  <m:e>
+                                    <m:acc>
+                                      <m:accPr>
+                                        <m:chr m:val="̂"/>
+                                        <m:ctrlPr>
+                                          <a:rPr lang="en-IN" sz="2000" i="1" noProof="0">
+                                            <a:solidFill>
+                                              <a:srgbClr val="836967"/>
+                                            </a:solidFill>
+                                            <a:latin typeface="Cambria Math" panose="02040503050406030204" pitchFamily="18" charset="0"/>
+                                          </a:rPr>
+                                        </m:ctrlPr>
+                                      </m:accPr>
+                                      <m:e>
+                                        <m:r>
+                                          <a:rPr lang="en-IN" sz="2000" noProof="0">
+                                            <a:latin typeface="Cambria Math" panose="02040503050406030204" pitchFamily="18" charset="0"/>
+                                          </a:rPr>
+                                          <m:t>𝑦</m:t>
+                                        </m:r>
+                                      </m:e>
+                                    </m:acc>
+                                  </m:e>
+                                  <m:sub>
+                                    <m:r>
+                                      <a:rPr lang="en-IN" sz="2000" noProof="0">
+                                        <a:latin typeface="Cambria Math" panose="02040503050406030204" pitchFamily="18" charset="0"/>
+                                      </a:rPr>
+                                      <m:t>𝑖</m:t>
+                                    </m:r>
+                                  </m:sub>
+                                </m:sSub>
+                              </m:oMath>
+                            </m:oMathPara>
+                          </a14:m>
+                          <a:endParaRPr lang="en-IN" sz="2000" noProof="0" dirty="0"/>
+                        </a:p>
+                      </a:txBody>
+                      <a:tcPr anchor="ctr"/>
+                    </a:tc>
+                    <a:tc>
+                      <a:txBody>
+                        <a:bodyPr/>
+                        <a:lstStyle/>
+                        <a:p>
+                          <a:pPr>
+                            <a:buNone/>
+                          </a:pPr>
+                          <a:r>
+                            <a:rPr lang="en-IN" sz="2000" noProof="0" dirty="0"/>
+                            <a:t>Average error in predictions</a:t>
+                          </a:r>
+                        </a:p>
+                      </a:txBody>
+                      <a:tcPr anchor="ctr"/>
+                    </a:tc>
+                    <a:extLst>
+                      <a:ext uri="{0D108BD9-81ED-4DB2-BD59-A6C34878D82A}">
+                        <a16:rowId xmlns:a16="http://schemas.microsoft.com/office/drawing/2014/main" val="4026728376"/>
+                      </a:ext>
+                    </a:extLst>
+                  </a:tr>
+                  <a:tr h="1291803">
+                    <a:tc>
+                      <a:txBody>
+                        <a:bodyPr/>
+                        <a:lstStyle/>
+                        <a:p>
+                          <a:pPr>
+                            <a:buNone/>
+                          </a:pPr>
+                          <a:r>
+                            <a:rPr lang="en-IN" sz="2000" b="1" noProof="0" dirty="0"/>
+                            <a:t>MSE</a:t>
+                          </a:r>
+                          <a:endParaRPr lang="en-IN" sz="2000" noProof="0" dirty="0"/>
+                        </a:p>
+                      </a:txBody>
+                      <a:tcPr anchor="ctr"/>
+                    </a:tc>
+                    <a:tc>
+                      <a:txBody>
+                        <a:bodyPr/>
+                        <a:lstStyle/>
+                        <a:p>
+                          <a:pPr>
+                            <a:buNone/>
+                          </a:pPr>
+                          <a:r>
+                            <a:rPr lang="en-IN" sz="2000" noProof="0" dirty="0"/>
+                            <a:t>Mean Squared Error</a:t>
+                          </a:r>
+                        </a:p>
+                      </a:txBody>
+                      <a:tcPr anchor="ctr"/>
+                    </a:tc>
+                    <a:tc>
+                      <a:txBody>
+                        <a:bodyPr/>
+                        <a:lstStyle/>
+                        <a:p>
+                          <a:pPr marL="0" marR="0" lvl="0" indent="0" algn="l" defTabSz="914400" rtl="0" eaLnBrk="1" fontAlgn="auto" latinLnBrk="0" hangingPunct="1">
+                            <a:lnSpc>
+                              <a:spcPct val="100000"/>
+                            </a:lnSpc>
+                            <a:spcBef>
+                              <a:spcPts val="0"/>
+                            </a:spcBef>
+                            <a:spcAft>
+                              <a:spcPts val="0"/>
+                            </a:spcAft>
+                            <a:buClrTx/>
+                            <a:buSzTx/>
+                            <a:buFontTx/>
+                            <a:buNone/>
+                            <a:tabLst/>
+                            <a:defRPr/>
+                          </a:pPr>
+                          <a14:m>
+                            <m:oMathPara xmlns:m="http://schemas.openxmlformats.org/officeDocument/2006/math">
+                              <m:oMathParaPr>
+                                <m:jc m:val="centerGroup"/>
+                              </m:oMathParaPr>
+                              <m:oMath xmlns:m="http://schemas.openxmlformats.org/officeDocument/2006/math">
+                                <m:f>
+                                  <m:fPr>
+                                    <m:ctrlPr>
+                                      <a:rPr lang="en-IN" sz="2000" b="0" i="1" noProof="0" smtClean="0">
+                                        <a:latin typeface="Cambria Math" panose="02040503050406030204" pitchFamily="18" charset="0"/>
+                                      </a:rPr>
+                                    </m:ctrlPr>
+                                  </m:fPr>
+                                  <m:num>
+                                    <m:r>
+                                      <a:rPr lang="en-IN" sz="2000" b="0" noProof="0" smtClean="0">
+                                        <a:latin typeface="Cambria Math" panose="02040503050406030204" pitchFamily="18" charset="0"/>
+                                      </a:rPr>
+                                      <m:t>𝑆𝑆𝐸</m:t>
+                                    </m:r>
+                                  </m:num>
+                                  <m:den>
+                                    <m:r>
+                                      <m:rPr>
+                                        <m:sty m:val="p"/>
+                                      </m:rPr>
+                                      <a:rPr lang="en-IN" sz="2000" b="0" i="0" noProof="0" smtClean="0">
+                                        <a:latin typeface="Cambria Math" panose="02040503050406030204" pitchFamily="18" charset="0"/>
+                                      </a:rPr>
+                                      <m:t>n</m:t>
+                                    </m:r>
+                                  </m:den>
+                                </m:f>
+                              </m:oMath>
+                            </m:oMathPara>
+                          </a14:m>
+                          <a:endParaRPr lang="en-IN" sz="2000" noProof="0" dirty="0"/>
+                        </a:p>
+                      </a:txBody>
+                      <a:tcPr anchor="ctr"/>
+                    </a:tc>
+                    <a:tc>
+                      <a:txBody>
+                        <a:bodyPr/>
+                        <a:lstStyle/>
+                        <a:p>
+                          <a:pPr>
+                            <a:buNone/>
+                          </a:pPr>
+                          <a:r>
+                            <a:rPr lang="en-IN" sz="2000" noProof="0" dirty="0"/>
+                            <a:t>≥ 0</a:t>
+                          </a:r>
+                        </a:p>
+                        <a:p>
+                          <a:pPr>
+                            <a:buNone/>
+                          </a:pPr>
+                          <a:r>
+                            <a:rPr lang="en-IN" sz="2000" noProof="0" dirty="0"/>
+                            <a:t> (lower = better)</a:t>
+                          </a:r>
+                        </a:p>
+                      </a:txBody>
+                      <a:tcPr anchor="ctr"/>
+                    </a:tc>
+                    <a:tc>
+                      <a:txBody>
+                        <a:bodyPr/>
+                        <a:lstStyle/>
+                        <a:p>
+                          <a:pPr>
+                            <a:buNone/>
+                          </a:pPr>
+                          <a:r>
+                            <a:rPr lang="en-IN" sz="2000" noProof="0" dirty="0"/>
+                            <a:t>Penalizes large errors more (since errors are squared)</a:t>
+                          </a:r>
+                        </a:p>
+                      </a:txBody>
+                      <a:tcPr anchor="ctr"/>
+                    </a:tc>
+                    <a:extLst>
+                      <a:ext uri="{0D108BD9-81ED-4DB2-BD59-A6C34878D82A}">
+                        <a16:rowId xmlns:a16="http://schemas.microsoft.com/office/drawing/2014/main" val="684812497"/>
+                      </a:ext>
+                    </a:extLst>
+                  </a:tr>
+                  <a:tr h="1324344">
+                    <a:tc>
+                      <a:txBody>
+                        <a:bodyPr/>
+                        <a:lstStyle/>
+                        <a:p>
+                          <a:pPr>
+                            <a:buNone/>
+                          </a:pPr>
+                          <a:r>
+                            <a:rPr lang="en-IN" sz="2000" b="1" noProof="0" dirty="0"/>
+                            <a:t>RMSE</a:t>
+                          </a:r>
+                          <a:endParaRPr lang="en-IN" sz="2000" noProof="0" dirty="0"/>
+                        </a:p>
+                      </a:txBody>
+                      <a:tcPr anchor="ctr"/>
+                    </a:tc>
+                    <a:tc>
+                      <a:txBody>
+                        <a:bodyPr/>
+                        <a:lstStyle/>
+                        <a:p>
+                          <a:pPr>
+                            <a:buNone/>
+                          </a:pPr>
+                          <a:r>
+                            <a:rPr lang="en-IN" sz="2000" noProof="0" dirty="0"/>
+                            <a:t>Root Mean Squared Error</a:t>
+                          </a:r>
+                        </a:p>
+                      </a:txBody>
+                      <a:tcPr anchor="ctr"/>
+                    </a:tc>
+                    <a:tc>
+                      <a:txBody>
+                        <a:bodyPr/>
+                        <a:lstStyle/>
+                        <a:p>
+                          <a:pPr>
+                            <a:buNone/>
+                          </a:pPr>
+                          <a14:m>
+                            <m:oMathPara xmlns:m="http://schemas.openxmlformats.org/officeDocument/2006/math">
+                              <m:oMathParaPr>
+                                <m:jc m:val="centerGroup"/>
+                              </m:oMathParaPr>
+                              <m:oMath xmlns:m="http://schemas.openxmlformats.org/officeDocument/2006/math">
+                                <m:rad>
+                                  <m:radPr>
+                                    <m:degHide m:val="on"/>
+                                    <m:ctrlPr>
+                                      <a:rPr lang="en-IN" sz="2000" i="1" noProof="0" smtClean="0">
+                                        <a:latin typeface="Cambria Math" panose="02040503050406030204" pitchFamily="18" charset="0"/>
+                                      </a:rPr>
+                                    </m:ctrlPr>
+                                  </m:radPr>
+                                  <m:deg/>
+                                  <m:e>
+                                    <m:r>
+                                      <a:rPr lang="en-IN" sz="2000" i="1" noProof="0">
+                                        <a:latin typeface="Cambria Math" panose="02040503050406030204" pitchFamily="18" charset="0"/>
+                                      </a:rPr>
+                                      <m:t>𝑀𝑆𝐸</m:t>
+                                    </m:r>
+                                  </m:e>
+                                </m:rad>
+                              </m:oMath>
+                            </m:oMathPara>
+                          </a14:m>
+                          <a:endParaRPr lang="en-IN" sz="2000" noProof="0" dirty="0"/>
+                        </a:p>
+                      </a:txBody>
+                      <a:tcPr anchor="ctr"/>
+                    </a:tc>
+                    <a:tc>
+                      <a:txBody>
+                        <a:bodyPr/>
+                        <a:lstStyle/>
+                        <a:p>
+                          <a:pPr>
+                            <a:buNone/>
+                          </a:pPr>
+                          <a:r>
+                            <a:rPr lang="en-IN" sz="2000" noProof="0" dirty="0"/>
+                            <a:t>≥ 0 </a:t>
+                          </a:r>
+                        </a:p>
+                        <a:p>
+                          <a:pPr>
+                            <a:buNone/>
+                          </a:pPr>
+                          <a:r>
+                            <a:rPr lang="en-IN" sz="2000" noProof="0" dirty="0"/>
+                            <a:t>(lower = better)</a:t>
+                          </a:r>
+                        </a:p>
+                      </a:txBody>
+                      <a:tcPr anchor="ctr"/>
+                    </a:tc>
+                    <a:tc>
+                      <a:txBody>
+                        <a:bodyPr/>
+                        <a:lstStyle/>
+                        <a:p>
+                          <a:pPr>
+                            <a:buNone/>
+                          </a:pPr>
+                          <a:r>
+                            <a:rPr lang="en-IN" sz="2000" noProof="0" dirty="0"/>
+                            <a:t>Same as MSE but in original units of Y — easier to interpret</a:t>
+                          </a:r>
+                        </a:p>
+                      </a:txBody>
+                      <a:tcPr anchor="ctr"/>
+                    </a:tc>
+                    <a:extLst>
+                      <a:ext uri="{0D108BD9-81ED-4DB2-BD59-A6C34878D82A}">
+                        <a16:rowId xmlns:a16="http://schemas.microsoft.com/office/drawing/2014/main" val="1445459520"/>
+                      </a:ext>
+                    </a:extLst>
+                  </a:tr>
+                </a:tbl>
+              </a:graphicData>
+            </a:graphic>
+          </p:graphicFrame>
+        </mc:Choice>
+        <mc:Fallback xmlns="">
+          <p:graphicFrame>
+            <p:nvGraphicFramePr>
+              <p:cNvPr id="4" name="Content Placeholder 3">
+                <a:extLst>
+                  <a:ext uri="{FF2B5EF4-FFF2-40B4-BE49-F238E27FC236}">
+                    <a16:creationId xmlns:a16="http://schemas.microsoft.com/office/drawing/2014/main" id="{C2CC25F8-6752-E6E6-17A1-B7F8B00E71F5}"/>
+                  </a:ext>
+                </a:extLst>
+              </p:cNvPr>
+              <p:cNvGraphicFramePr>
+                <a:graphicFrameLocks noGrp="1"/>
+              </p:cNvGraphicFramePr>
+              <p:nvPr>
+                <p:ph idx="1"/>
+                <p:extLst>
+                  <p:ext uri="{D42A27DB-BD31-4B8C-83A1-F6EECF244321}">
+                    <p14:modId xmlns:p14="http://schemas.microsoft.com/office/powerpoint/2010/main" val="3226172289"/>
+                  </p:ext>
+                </p:extLst>
+              </p:nvPr>
+            </p:nvGraphicFramePr>
+            <p:xfrm>
+              <a:off x="393405" y="850606"/>
+              <a:ext cx="11344939" cy="5974411"/>
+            </p:xfrm>
+            <a:graphic>
+              <a:graphicData uri="http://schemas.openxmlformats.org/drawingml/2006/table">
+                <a:tbl>
+                  <a:tblPr>
+                    <a:tableStyleId>{E8B1032C-EA38-4F05-BA0D-38AFFFC7BED3}</a:tableStyleId>
+                  </a:tblPr>
+                  <a:tblGrid>
+                    <a:gridCol w="1022842">
+                      <a:extLst>
+                        <a:ext uri="{9D8B030D-6E8A-4147-A177-3AD203B41FA5}">
+                          <a16:colId xmlns:a16="http://schemas.microsoft.com/office/drawing/2014/main" val="3571068989"/>
+                        </a:ext>
+                      </a:extLst>
+                    </a:gridCol>
+                    <a:gridCol w="2305695">
+                      <a:extLst>
+                        <a:ext uri="{9D8B030D-6E8A-4147-A177-3AD203B41FA5}">
+                          <a16:colId xmlns:a16="http://schemas.microsoft.com/office/drawing/2014/main" val="2841260163"/>
+                        </a:ext>
+                      </a:extLst>
+                    </a:gridCol>
+                    <a:gridCol w="3120145">
+                      <a:extLst>
+                        <a:ext uri="{9D8B030D-6E8A-4147-A177-3AD203B41FA5}">
+                          <a16:colId xmlns:a16="http://schemas.microsoft.com/office/drawing/2014/main" val="4066360817"/>
+                        </a:ext>
+                      </a:extLst>
+                    </a:gridCol>
+                    <a:gridCol w="2145100">
+                      <a:extLst>
+                        <a:ext uri="{9D8B030D-6E8A-4147-A177-3AD203B41FA5}">
+                          <a16:colId xmlns:a16="http://schemas.microsoft.com/office/drawing/2014/main" val="121328166"/>
+                        </a:ext>
+                      </a:extLst>
+                    </a:gridCol>
+                    <a:gridCol w="2751157">
+                      <a:extLst>
+                        <a:ext uri="{9D8B030D-6E8A-4147-A177-3AD203B41FA5}">
+                          <a16:colId xmlns:a16="http://schemas.microsoft.com/office/drawing/2014/main" val="1813311693"/>
+                        </a:ext>
+                      </a:extLst>
+                    </a:gridCol>
+                  </a:tblGrid>
+                  <a:tr h="719673">
+                    <a:tc>
+                      <a:txBody>
+                        <a:bodyPr/>
+                        <a:lstStyle/>
+                        <a:p>
+                          <a:pPr>
+                            <a:buNone/>
+                          </a:pPr>
+                          <a:r>
+                            <a:rPr lang="en-IN" sz="2000" b="1" noProof="0" dirty="0"/>
+                            <a:t>Metric</a:t>
+                          </a:r>
+                          <a:endParaRPr lang="en-IN" sz="2000" noProof="0" dirty="0"/>
+                        </a:p>
+                      </a:txBody>
+                      <a:tcPr anchor="ctr"/>
+                    </a:tc>
+                    <a:tc>
+                      <a:txBody>
+                        <a:bodyPr/>
+                        <a:lstStyle/>
+                        <a:p>
+                          <a:pPr>
+                            <a:buNone/>
+                          </a:pPr>
+                          <a:r>
+                            <a:rPr lang="en-IN" sz="2000" b="1" noProof="0" dirty="0"/>
+                            <a:t>Full Form</a:t>
+                          </a:r>
+                          <a:endParaRPr lang="en-IN" sz="2000" noProof="0" dirty="0"/>
+                        </a:p>
+                      </a:txBody>
+                      <a:tcPr anchor="ctr"/>
+                    </a:tc>
+                    <a:tc>
+                      <a:txBody>
+                        <a:bodyPr/>
+                        <a:lstStyle/>
+                        <a:p>
+                          <a:pPr>
+                            <a:buNone/>
+                          </a:pPr>
+                          <a:r>
+                            <a:rPr lang="en-IN" sz="2000" b="1" noProof="0" dirty="0"/>
+                            <a:t>Formula</a:t>
+                          </a:r>
+                          <a:endParaRPr lang="en-IN" sz="2000" noProof="0" dirty="0"/>
+                        </a:p>
+                      </a:txBody>
+                      <a:tcPr anchor="ctr"/>
+                    </a:tc>
+                    <a:tc>
+                      <a:txBody>
+                        <a:bodyPr/>
+                        <a:lstStyle/>
+                        <a:p>
+                          <a:pPr>
+                            <a:buNone/>
+                          </a:pPr>
+                          <a:r>
+                            <a:rPr lang="en-IN" sz="2000" b="1" noProof="0" dirty="0"/>
+                            <a:t>Range / Ideal Value</a:t>
+                          </a:r>
+                          <a:endParaRPr lang="en-IN" sz="2000" noProof="0" dirty="0"/>
+                        </a:p>
+                      </a:txBody>
+                      <a:tcPr anchor="ctr"/>
+                    </a:tc>
+                    <a:tc>
+                      <a:txBody>
+                        <a:bodyPr/>
+                        <a:lstStyle/>
+                        <a:p>
+                          <a:pPr>
+                            <a:buNone/>
+                          </a:pPr>
+                          <a:r>
+                            <a:rPr lang="en-IN" sz="2000" b="1" noProof="0" dirty="0"/>
+                            <a:t>Intuition (Meaning)</a:t>
+                          </a:r>
+                          <a:endParaRPr lang="en-IN" sz="2000" noProof="0" dirty="0"/>
+                        </a:p>
+                      </a:txBody>
+                      <a:tcPr anchor="ctr"/>
+                    </a:tc>
+                    <a:extLst>
+                      <a:ext uri="{0D108BD9-81ED-4DB2-BD59-A6C34878D82A}">
+                        <a16:rowId xmlns:a16="http://schemas.microsoft.com/office/drawing/2014/main" val="580338717"/>
+                      </a:ext>
+                    </a:extLst>
+                  </a:tr>
+                  <a:tr h="1359383">
+                    <a:tc>
+                      <a:txBody>
+                        <a:bodyPr/>
+                        <a:lstStyle/>
+                        <a:p>
+                          <a:pPr>
+                            <a:buNone/>
+                          </a:pPr>
+                          <a:r>
+                            <a:rPr lang="en-IN" sz="2000" b="1" noProof="0" dirty="0"/>
+                            <a:t>R²</a:t>
+                          </a:r>
+                          <a:endParaRPr lang="en-IN" sz="2000" noProof="0" dirty="0"/>
+                        </a:p>
+                      </a:txBody>
+                      <a:tcPr anchor="ctr"/>
+                    </a:tc>
+                    <a:tc>
+                      <a:txBody>
+                        <a:bodyPr/>
+                        <a:lstStyle/>
+                        <a:p>
+                          <a:pPr>
+                            <a:buNone/>
+                          </a:pPr>
+                          <a:r>
+                            <a:rPr lang="en-IN" sz="2000" noProof="0" dirty="0"/>
+                            <a:t>Coefficient of Determination</a:t>
+                          </a:r>
+                        </a:p>
+                      </a:txBody>
+                      <a:tcPr anchor="ctr"/>
+                    </a:tc>
+                    <a:tc>
+                      <a:txBody>
+                        <a:bodyPr/>
+                        <a:lstStyle/>
+                        <a:p>
+                          <a:endParaRPr lang="en-US"/>
+                        </a:p>
+                      </a:txBody>
+                      <a:tcPr anchor="ctr">
+                        <a:blipFill>
+                          <a:blip r:embed="rId2"/>
+                          <a:stretch>
+                            <a:fillRect l="-106836" t="-54260" r="-157422" b="-287892"/>
+                          </a:stretch>
+                        </a:blipFill>
+                      </a:tcPr>
+                    </a:tc>
+                    <a:tc>
+                      <a:txBody>
+                        <a:bodyPr/>
+                        <a:lstStyle/>
+                        <a:p>
+                          <a:pPr>
+                            <a:buNone/>
+                          </a:pPr>
+                          <a:r>
+                            <a:rPr lang="en-IN" sz="2000" noProof="0" dirty="0"/>
+                            <a:t>0 to 1 </a:t>
+                          </a:r>
+                        </a:p>
+                        <a:p>
+                          <a:pPr>
+                            <a:buNone/>
+                          </a:pPr>
+                          <a:r>
+                            <a:rPr lang="en-IN" sz="2000" noProof="0" dirty="0"/>
+                            <a:t>(higher = better)</a:t>
+                          </a:r>
+                        </a:p>
+                      </a:txBody>
+                      <a:tcPr anchor="ctr"/>
+                    </a:tc>
+                    <a:tc>
+                      <a:txBody>
+                        <a:bodyPr/>
+                        <a:lstStyle/>
+                        <a:p>
+                          <a:pPr>
+                            <a:buNone/>
+                          </a:pPr>
+                          <a:r>
+                            <a:rPr lang="en-IN" sz="2000" noProof="0" dirty="0"/>
+                            <a:t>How well the model explains variation in Y, 1 = perfect prediction</a:t>
+                          </a:r>
+                        </a:p>
+                      </a:txBody>
+                      <a:tcPr anchor="ctr"/>
+                    </a:tc>
+                    <a:extLst>
+                      <a:ext uri="{0D108BD9-81ED-4DB2-BD59-A6C34878D82A}">
+                        <a16:rowId xmlns:a16="http://schemas.microsoft.com/office/drawing/2014/main" val="3721828721"/>
+                      </a:ext>
+                    </a:extLst>
+                  </a:tr>
+                  <a:tr h="1279208">
+                    <a:tc>
+                      <a:txBody>
+                        <a:bodyPr/>
+                        <a:lstStyle/>
+                        <a:p>
+                          <a:pPr>
+                            <a:buNone/>
+                          </a:pPr>
+                          <a:r>
+                            <a:rPr lang="en-IN" sz="2000" b="1" noProof="0" dirty="0"/>
+                            <a:t>MAE</a:t>
+                          </a:r>
+                          <a:endParaRPr lang="en-IN" sz="2000" noProof="0" dirty="0"/>
+                        </a:p>
+                      </a:txBody>
+                      <a:tcPr anchor="ctr"/>
+                    </a:tc>
+                    <a:tc>
+                      <a:txBody>
+                        <a:bodyPr/>
+                        <a:lstStyle/>
+                        <a:p>
+                          <a:pPr>
+                            <a:buNone/>
+                          </a:pPr>
+                          <a:r>
+                            <a:rPr lang="en-IN" sz="2000" noProof="0" dirty="0"/>
+                            <a:t>Mean Absolute Error</a:t>
+                          </a:r>
+                        </a:p>
+                      </a:txBody>
+                      <a:tcPr anchor="ctr"/>
+                    </a:tc>
+                    <a:tc>
+                      <a:txBody>
+                        <a:bodyPr/>
+                        <a:lstStyle/>
+                        <a:p>
+                          <a:endParaRPr lang="en-US"/>
+                        </a:p>
+                      </a:txBody>
+                      <a:tcPr anchor="ctr">
+                        <a:blipFill>
+                          <a:blip r:embed="rId2"/>
+                          <a:stretch>
+                            <a:fillRect l="-106836" t="-163810" r="-157422" b="-205714"/>
+                          </a:stretch>
+                        </a:blipFill>
+                      </a:tcPr>
+                    </a:tc>
+                    <a:tc>
+                      <a:txBody>
+                        <a:bodyPr/>
+                        <a:lstStyle/>
+                        <a:p>
+                          <a:endParaRPr lang="en-US"/>
+                        </a:p>
+                      </a:txBody>
+                      <a:tcPr anchor="ctr">
+                        <a:blipFill>
+                          <a:blip r:embed="rId2"/>
+                          <a:stretch>
+                            <a:fillRect l="-300852" t="-163810" r="-128977" b="-205714"/>
+                          </a:stretch>
+                        </a:blipFill>
+                      </a:tcPr>
+                    </a:tc>
+                    <a:tc>
+                      <a:txBody>
+                        <a:bodyPr/>
+                        <a:lstStyle/>
+                        <a:p>
+                          <a:pPr>
+                            <a:buNone/>
+                          </a:pPr>
+                          <a:r>
+                            <a:rPr lang="en-IN" sz="2000" noProof="0" dirty="0"/>
+                            <a:t>Average error in predictions</a:t>
+                          </a:r>
+                        </a:p>
+                      </a:txBody>
+                      <a:tcPr anchor="ctr"/>
+                    </a:tc>
+                    <a:extLst>
+                      <a:ext uri="{0D108BD9-81ED-4DB2-BD59-A6C34878D82A}">
+                        <a16:rowId xmlns:a16="http://schemas.microsoft.com/office/drawing/2014/main" val="4026728376"/>
+                      </a:ext>
+                    </a:extLst>
+                  </a:tr>
+                  <a:tr h="1291803">
+                    <a:tc>
+                      <a:txBody>
+                        <a:bodyPr/>
+                        <a:lstStyle/>
+                        <a:p>
+                          <a:pPr>
+                            <a:buNone/>
+                          </a:pPr>
+                          <a:r>
+                            <a:rPr lang="en-IN" sz="2000" b="1" noProof="0" dirty="0"/>
+                            <a:t>MSE</a:t>
+                          </a:r>
+                          <a:endParaRPr lang="en-IN" sz="2000" noProof="0" dirty="0"/>
+                        </a:p>
+                      </a:txBody>
+                      <a:tcPr anchor="ctr"/>
+                    </a:tc>
+                    <a:tc>
+                      <a:txBody>
+                        <a:bodyPr/>
+                        <a:lstStyle/>
+                        <a:p>
+                          <a:pPr>
+                            <a:buNone/>
+                          </a:pPr>
+                          <a:r>
+                            <a:rPr lang="en-IN" sz="2000" noProof="0" dirty="0"/>
+                            <a:t>Mean Squared Error</a:t>
+                          </a:r>
+                        </a:p>
+                      </a:txBody>
+                      <a:tcPr anchor="ctr"/>
+                    </a:tc>
+                    <a:tc>
+                      <a:txBody>
+                        <a:bodyPr/>
+                        <a:lstStyle/>
+                        <a:p>
+                          <a:endParaRPr lang="en-US"/>
+                        </a:p>
+                      </a:txBody>
+                      <a:tcPr anchor="ctr">
+                        <a:blipFill>
+                          <a:blip r:embed="rId2"/>
+                          <a:stretch>
+                            <a:fillRect l="-106836" t="-260094" r="-157422" b="-102817"/>
+                          </a:stretch>
+                        </a:blipFill>
+                      </a:tcPr>
+                    </a:tc>
+                    <a:tc>
+                      <a:txBody>
+                        <a:bodyPr/>
+                        <a:lstStyle/>
+                        <a:p>
+                          <a:pPr>
+                            <a:buNone/>
+                          </a:pPr>
+                          <a:r>
+                            <a:rPr lang="en-IN" sz="2000" noProof="0" dirty="0"/>
+                            <a:t>≥ 0</a:t>
+                          </a:r>
+                        </a:p>
+                        <a:p>
+                          <a:pPr>
+                            <a:buNone/>
+                          </a:pPr>
+                          <a:r>
+                            <a:rPr lang="en-IN" sz="2000" noProof="0" dirty="0"/>
+                            <a:t> (lower = better)</a:t>
+                          </a:r>
+                        </a:p>
+                      </a:txBody>
+                      <a:tcPr anchor="ctr"/>
+                    </a:tc>
+                    <a:tc>
+                      <a:txBody>
+                        <a:bodyPr/>
+                        <a:lstStyle/>
+                        <a:p>
+                          <a:pPr>
+                            <a:buNone/>
+                          </a:pPr>
+                          <a:r>
+                            <a:rPr lang="en-IN" sz="2000" noProof="0" dirty="0"/>
+                            <a:t>Penalizes large errors more (since errors are squared)</a:t>
+                          </a:r>
+                        </a:p>
+                      </a:txBody>
+                      <a:tcPr anchor="ctr"/>
+                    </a:tc>
+                    <a:extLst>
+                      <a:ext uri="{0D108BD9-81ED-4DB2-BD59-A6C34878D82A}">
+                        <a16:rowId xmlns:a16="http://schemas.microsoft.com/office/drawing/2014/main" val="684812497"/>
+                      </a:ext>
+                    </a:extLst>
+                  </a:tr>
+                  <a:tr h="1324344">
+                    <a:tc>
+                      <a:txBody>
+                        <a:bodyPr/>
+                        <a:lstStyle/>
+                        <a:p>
+                          <a:pPr>
+                            <a:buNone/>
+                          </a:pPr>
+                          <a:r>
+                            <a:rPr lang="en-IN" sz="2000" b="1" noProof="0" dirty="0"/>
+                            <a:t>RMSE</a:t>
+                          </a:r>
+                          <a:endParaRPr lang="en-IN" sz="2000" noProof="0" dirty="0"/>
+                        </a:p>
+                      </a:txBody>
+                      <a:tcPr anchor="ctr"/>
+                    </a:tc>
+                    <a:tc>
+                      <a:txBody>
+                        <a:bodyPr/>
+                        <a:lstStyle/>
+                        <a:p>
+                          <a:pPr>
+                            <a:buNone/>
+                          </a:pPr>
+                          <a:r>
+                            <a:rPr lang="en-IN" sz="2000" noProof="0" dirty="0"/>
+                            <a:t>Root Mean Squared Error</a:t>
+                          </a:r>
+                        </a:p>
+                      </a:txBody>
+                      <a:tcPr anchor="ctr"/>
+                    </a:tc>
+                    <a:tc>
+                      <a:txBody>
+                        <a:bodyPr/>
+                        <a:lstStyle/>
+                        <a:p>
+                          <a:endParaRPr lang="en-US"/>
+                        </a:p>
+                      </a:txBody>
+                      <a:tcPr anchor="ctr">
+                        <a:blipFill>
+                          <a:blip r:embed="rId2"/>
+                          <a:stretch>
+                            <a:fillRect l="-106836" t="-353456" r="-157422" b="-922"/>
+                          </a:stretch>
+                        </a:blipFill>
+                      </a:tcPr>
+                    </a:tc>
+                    <a:tc>
+                      <a:txBody>
+                        <a:bodyPr/>
+                        <a:lstStyle/>
+                        <a:p>
+                          <a:pPr>
+                            <a:buNone/>
+                          </a:pPr>
+                          <a:r>
+                            <a:rPr lang="en-IN" sz="2000" noProof="0" dirty="0"/>
+                            <a:t>≥ 0 </a:t>
+                          </a:r>
+                        </a:p>
+                        <a:p>
+                          <a:pPr>
+                            <a:buNone/>
+                          </a:pPr>
+                          <a:r>
+                            <a:rPr lang="en-IN" sz="2000" noProof="0" dirty="0"/>
+                            <a:t>(lower = better)</a:t>
+                          </a:r>
+                        </a:p>
+                      </a:txBody>
+                      <a:tcPr anchor="ctr"/>
+                    </a:tc>
+                    <a:tc>
+                      <a:txBody>
+                        <a:bodyPr/>
+                        <a:lstStyle/>
+                        <a:p>
+                          <a:pPr>
+                            <a:buNone/>
+                          </a:pPr>
+                          <a:r>
+                            <a:rPr lang="en-IN" sz="2000" noProof="0" dirty="0"/>
+                            <a:t>Same as MSE but in original units of Y — easier to interpret</a:t>
+                          </a:r>
+                        </a:p>
+                      </a:txBody>
+                      <a:tcPr anchor="ctr"/>
+                    </a:tc>
+                    <a:extLst>
+                      <a:ext uri="{0D108BD9-81ED-4DB2-BD59-A6C34878D82A}">
+                        <a16:rowId xmlns:a16="http://schemas.microsoft.com/office/drawing/2014/main" val="1445459520"/>
+                      </a:ext>
+                    </a:extLst>
+                  </a:tr>
+                </a:tbl>
+              </a:graphicData>
+            </a:graphic>
+          </p:graphicFrame>
+        </mc:Fallback>
+      </mc:AlternateContent>
+    </p:spTree>
+    <p:extLst>
+      <p:ext uri="{BB962C8B-B14F-4D97-AF65-F5344CB8AC3E}">
+        <p14:creationId xmlns:p14="http://schemas.microsoft.com/office/powerpoint/2010/main" val="3764689461"/>
+      </p:ext>
+    </p:extLst>
+  </p:cSld>
+  <p:clrMapOvr>
+    <a:masterClrMapping/>
+  </p:clrMapOvr>
+</p:sld>
+</file>
+
+<file path=ppt/slides/slide11.xml><?xml version="1.0" encoding="utf-8"?>
+<p:sld xmlns:a="http://schemas.openxmlformats.org/drawingml/2006/main" xmlns:r="http://schemas.openxmlformats.org/officeDocument/2006/relationships" xmlns:p="http://schemas.openxmlformats.org/presentationml/2006/main">
+  <p:cSld>
+    <p:spTree>
+      <p:nvGrpSpPr>
+        <p:cNvPr id="1" name=""/>
+        <p:cNvGrpSpPr/>
+        <p:nvPr/>
+      </p:nvGrpSpPr>
+      <p:grpSpPr>
+        <a:xfrm>
+          <a:off x="0" y="0"/>
+          <a:ext cx="0" cy="0"/>
+          <a:chOff x="0" y="0"/>
+          <a:chExt cx="0" cy="0"/>
+        </a:xfrm>
+      </p:grpSpPr>
+      <p:sp>
+        <p:nvSpPr>
+          <p:cNvPr id="2" name="Title 1">
+            <a:extLst>
+              <a:ext uri="{FF2B5EF4-FFF2-40B4-BE49-F238E27FC236}">
+                <a16:creationId xmlns:a16="http://schemas.microsoft.com/office/drawing/2014/main" id="{3785D5AC-0F57-C3CC-9558-E2D2F14F69E3}"/>
+              </a:ext>
+            </a:extLst>
+          </p:cNvPr>
+          <p:cNvSpPr>
+            <a:spLocks noGrp="1"/>
+          </p:cNvSpPr>
+          <p:nvPr>
+            <p:ph type="title"/>
+          </p:nvPr>
+        </p:nvSpPr>
+        <p:spPr/>
+        <p:txBody>
+          <a:bodyPr/>
+          <a:lstStyle/>
+          <a:p>
+            <a:r>
+              <a:rPr lang="en-IN" noProof="0" dirty="0"/>
+              <a:t>Example</a:t>
+            </a:r>
+          </a:p>
+        </p:txBody>
+      </p:sp>
+      <mc:AlternateContent xmlns:mc="http://schemas.openxmlformats.org/markup-compatibility/2006" xmlns:a14="http://schemas.microsoft.com/office/drawing/2010/main">
+        <mc:Choice Requires="a14">
+          <p:sp>
+            <p:nvSpPr>
+              <p:cNvPr id="3" name="Content Placeholder 2">
+                <a:extLst>
+                  <a:ext uri="{FF2B5EF4-FFF2-40B4-BE49-F238E27FC236}">
+                    <a16:creationId xmlns:a16="http://schemas.microsoft.com/office/drawing/2014/main" id="{07E7A4CE-2A86-BB70-0F15-0BC19C6D756D}"/>
+                  </a:ext>
+                </a:extLst>
+              </p:cNvPr>
+              <p:cNvSpPr>
+                <a:spLocks noGrp="1"/>
+              </p:cNvSpPr>
+              <p:nvPr>
+                <p:ph idx="1"/>
+              </p:nvPr>
+            </p:nvSpPr>
+            <p:spPr/>
+            <p:txBody>
+              <a:bodyPr>
+                <a:normAutofit fontScale="85000" lnSpcReduction="20000"/>
+              </a:bodyPr>
+              <a:lstStyle/>
+              <a:p>
+                <a:r>
+                  <a:rPr lang="en-IN" noProof="0" dirty="0"/>
+                  <a:t>R</a:t>
+                </a:r>
+                <a:r>
+                  <a:rPr lang="en-IN" baseline="30000" noProof="0" dirty="0"/>
+                  <a:t>2</a:t>
+                </a:r>
+                <a:r>
+                  <a:rPr lang="en-IN" noProof="0" dirty="0"/>
+                  <a:t> = </a:t>
+                </a:r>
+                <a14:m>
+                  <m:oMath xmlns:m="http://schemas.openxmlformats.org/officeDocument/2006/math">
+                    <m:r>
+                      <a:rPr lang="en-IN" i="1" noProof="0">
+                        <a:latin typeface="Cambria Math" panose="02040503050406030204" pitchFamily="18" charset="0"/>
+                      </a:rPr>
+                      <m:t>1 − </m:t>
+                    </m:r>
+                    <m:f>
+                      <m:fPr>
+                        <m:ctrlPr>
+                          <a:rPr lang="en-IN" i="1" noProof="0">
+                            <a:latin typeface="Cambria Math" panose="02040503050406030204" pitchFamily="18" charset="0"/>
+                          </a:rPr>
+                        </m:ctrlPr>
+                      </m:fPr>
+                      <m:num>
+                        <m:r>
+                          <a:rPr lang="en-IN" i="1" noProof="0">
+                            <a:latin typeface="Cambria Math" panose="02040503050406030204" pitchFamily="18" charset="0"/>
+                          </a:rPr>
+                          <m:t>𝑆𝑆𝐸</m:t>
+                        </m:r>
+                      </m:num>
+                      <m:den>
+                        <m:r>
+                          <a:rPr lang="en-IN" i="1" noProof="0">
+                            <a:latin typeface="Cambria Math" panose="02040503050406030204" pitchFamily="18" charset="0"/>
+                          </a:rPr>
+                          <m:t>𝑇𝑆𝑆</m:t>
+                        </m:r>
+                        <m:r>
+                          <a:rPr lang="en-IN" b="0" i="1" noProof="0" smtClean="0">
+                            <a:latin typeface="Cambria Math" panose="02040503050406030204" pitchFamily="18" charset="0"/>
+                          </a:rPr>
+                          <m:t>∗</m:t>
+                        </m:r>
+                      </m:den>
+                    </m:f>
+                  </m:oMath>
+                </a14:m>
+                <a:endParaRPr lang="en-IN" noProof="0" dirty="0"/>
+              </a:p>
+              <a:p>
+                <a:endParaRPr lang="en-IN" noProof="0" dirty="0"/>
+              </a:p>
+              <a:p>
+                <a14:m>
+                  <m:oMath xmlns:m="http://schemas.openxmlformats.org/officeDocument/2006/math">
+                    <m:r>
+                      <m:rPr>
+                        <m:nor/>
+                      </m:rPr>
+                      <a:rPr lang="en-IN" noProof="0"/>
+                      <m:t>R</m:t>
+                    </m:r>
+                    <m:r>
+                      <m:rPr>
+                        <m:nor/>
+                      </m:rPr>
+                      <a:rPr lang="en-IN" baseline="30000" noProof="0"/>
+                      <m:t>2</m:t>
+                    </m:r>
+                    <m:r>
+                      <m:rPr>
+                        <m:nor/>
+                      </m:rPr>
+                      <a:rPr lang="en-IN" noProof="0"/>
+                      <m:t> =</m:t>
+                    </m:r>
+                    <m:r>
+                      <m:rPr>
+                        <m:nor/>
+                      </m:rPr>
+                      <a:rPr lang="en-IN" b="0" i="0" noProof="0" smtClean="0"/>
+                      <m:t> </m:t>
+                    </m:r>
+                    <m:r>
+                      <a:rPr lang="en-IN" i="1" noProof="0">
+                        <a:latin typeface="Cambria Math" panose="02040503050406030204" pitchFamily="18" charset="0"/>
+                      </a:rPr>
+                      <m:t>1 − </m:t>
+                    </m:r>
+                    <m:f>
+                      <m:fPr>
+                        <m:ctrlPr>
+                          <a:rPr lang="en-IN" i="1" noProof="0">
+                            <a:latin typeface="Cambria Math" panose="02040503050406030204" pitchFamily="18" charset="0"/>
+                          </a:rPr>
+                        </m:ctrlPr>
+                      </m:fPr>
+                      <m:num>
+                        <m:r>
+                          <a:rPr lang="en-IN" i="1" noProof="0">
+                            <a:latin typeface="Cambria Math" panose="02040503050406030204" pitchFamily="18" charset="0"/>
+                          </a:rPr>
+                          <m:t>722</m:t>
+                        </m:r>
+                      </m:num>
+                      <m:den>
+                        <m:r>
+                          <a:rPr lang="en-IN" i="1" noProof="0">
+                            <a:latin typeface="Cambria Math" panose="02040503050406030204" pitchFamily="18" charset="0"/>
+                          </a:rPr>
+                          <m:t>1450</m:t>
+                        </m:r>
+                      </m:den>
+                    </m:f>
+                    <m:r>
+                      <a:rPr lang="en-IN" i="1" noProof="0">
+                        <a:latin typeface="Cambria Math" panose="02040503050406030204" pitchFamily="18" charset="0"/>
+                      </a:rPr>
+                      <m:t> </m:t>
+                    </m:r>
+                  </m:oMath>
+                </a14:m>
+                <a:r>
+                  <a:rPr lang="en-IN" noProof="0" dirty="0"/>
+                  <a:t> = 0.502</a:t>
+                </a:r>
+              </a:p>
+              <a:p>
+                <a:endParaRPr lang="en-IN" noProof="0" dirty="0"/>
+              </a:p>
+              <a:p>
+                <a:r>
+                  <a:rPr lang="en-IN" noProof="0" dirty="0"/>
+                  <a:t>MSE =</a:t>
+                </a:r>
+                <a14:m>
+                  <m:oMath xmlns:m="http://schemas.openxmlformats.org/officeDocument/2006/math">
+                    <m:r>
+                      <a:rPr lang="en-IN" b="0" i="0" noProof="0" smtClean="0">
+                        <a:latin typeface="Cambria Math" panose="02040503050406030204" pitchFamily="18" charset="0"/>
+                      </a:rPr>
+                      <m:t> </m:t>
+                    </m:r>
+                    <m:f>
+                      <m:fPr>
+                        <m:ctrlPr>
+                          <a:rPr lang="en-IN" i="1" noProof="0">
+                            <a:latin typeface="Cambria Math" panose="02040503050406030204" pitchFamily="18" charset="0"/>
+                          </a:rPr>
+                        </m:ctrlPr>
+                      </m:fPr>
+                      <m:num>
+                        <m:r>
+                          <a:rPr lang="en-IN" i="1" noProof="0">
+                            <a:latin typeface="Cambria Math" panose="02040503050406030204" pitchFamily="18" charset="0"/>
+                          </a:rPr>
+                          <m:t>𝑆𝑆𝐸</m:t>
+                        </m:r>
+                      </m:num>
+                      <m:den>
+                        <m:r>
+                          <a:rPr lang="en-IN" b="0" i="1" noProof="0" smtClean="0">
+                            <a:latin typeface="Cambria Math" panose="02040503050406030204" pitchFamily="18" charset="0"/>
+                          </a:rPr>
+                          <m:t>𝑛</m:t>
+                        </m:r>
+                      </m:den>
+                    </m:f>
+                  </m:oMath>
+                </a14:m>
+                <a:r>
+                  <a:rPr lang="en-IN" noProof="0" dirty="0"/>
+                  <a:t> = </a:t>
+                </a:r>
+                <a14:m>
+                  <m:oMath xmlns:m="http://schemas.openxmlformats.org/officeDocument/2006/math">
+                    <m:f>
+                      <m:fPr>
+                        <m:ctrlPr>
+                          <a:rPr lang="en-IN" i="1" noProof="0">
+                            <a:latin typeface="Cambria Math" panose="02040503050406030204" pitchFamily="18" charset="0"/>
+                          </a:rPr>
+                        </m:ctrlPr>
+                      </m:fPr>
+                      <m:num>
+                        <m:r>
+                          <a:rPr lang="en-IN" b="0" i="1" noProof="0" smtClean="0">
+                            <a:latin typeface="Cambria Math" panose="02040503050406030204" pitchFamily="18" charset="0"/>
+                          </a:rPr>
+                          <m:t>722</m:t>
+                        </m:r>
+                      </m:num>
+                      <m:den>
+                        <m:r>
+                          <a:rPr lang="en-IN" b="0" i="1" noProof="0" smtClean="0">
+                            <a:latin typeface="Cambria Math" panose="02040503050406030204" pitchFamily="18" charset="0"/>
+                          </a:rPr>
+                          <m:t>10</m:t>
+                        </m:r>
+                      </m:den>
+                    </m:f>
+                  </m:oMath>
+                </a14:m>
+                <a:r>
+                  <a:rPr lang="en-IN" noProof="0" dirty="0"/>
+                  <a:t> = 72.2</a:t>
+                </a:r>
+              </a:p>
+              <a:p>
+                <a:endParaRPr lang="en-IN" noProof="0" dirty="0"/>
+              </a:p>
+              <a:p>
+                <a:endParaRPr lang="en-IN" noProof="0" dirty="0"/>
+              </a:p>
+              <a:p>
+                <a:r>
+                  <a:rPr lang="en-IN" noProof="0" dirty="0"/>
+                  <a:t>RMSE = </a:t>
+                </a:r>
+                <a14:m>
+                  <m:oMath xmlns:m="http://schemas.openxmlformats.org/officeDocument/2006/math">
+                    <m:rad>
+                      <m:radPr>
+                        <m:degHide m:val="on"/>
+                        <m:ctrlPr>
+                          <a:rPr lang="en-IN" i="1" noProof="0" smtClean="0">
+                            <a:latin typeface="Cambria Math" panose="02040503050406030204" pitchFamily="18" charset="0"/>
+                          </a:rPr>
+                        </m:ctrlPr>
+                      </m:radPr>
+                      <m:deg/>
+                      <m:e>
+                        <m:r>
+                          <a:rPr lang="en-IN" i="1" noProof="0">
+                            <a:latin typeface="Cambria Math" panose="02040503050406030204" pitchFamily="18" charset="0"/>
+                          </a:rPr>
+                          <m:t>𝑀𝑆𝐸</m:t>
+                        </m:r>
+                      </m:e>
+                    </m:rad>
+                  </m:oMath>
+                </a14:m>
+                <a:r>
+                  <a:rPr lang="en-IN" noProof="0" dirty="0"/>
+                  <a:t> = </a:t>
+                </a:r>
+                <a14:m>
+                  <m:oMath xmlns:m="http://schemas.openxmlformats.org/officeDocument/2006/math">
+                    <m:rad>
+                      <m:radPr>
+                        <m:degHide m:val="on"/>
+                        <m:ctrlPr>
+                          <a:rPr lang="en-IN" i="1" noProof="0">
+                            <a:latin typeface="Cambria Math" panose="02040503050406030204" pitchFamily="18" charset="0"/>
+                          </a:rPr>
+                        </m:ctrlPr>
+                      </m:radPr>
+                      <m:deg/>
+                      <m:e>
+                        <m:r>
+                          <a:rPr lang="en-IN" b="0" i="1" noProof="0" smtClean="0">
+                            <a:latin typeface="Cambria Math" panose="02040503050406030204" pitchFamily="18" charset="0"/>
+                          </a:rPr>
+                          <m:t>72.2</m:t>
+                        </m:r>
+                      </m:e>
+                    </m:rad>
+                  </m:oMath>
+                </a14:m>
+                <a:r>
+                  <a:rPr lang="en-IN" noProof="0" dirty="0"/>
+                  <a:t> = 8.49</a:t>
+                </a:r>
+              </a:p>
+              <a:p>
+                <a:endParaRPr lang="en-IN" noProof="0" dirty="0"/>
+              </a:p>
+              <a:p>
+                <a:r>
+                  <a:rPr lang="en-IN" noProof="0" dirty="0"/>
+                  <a:t>MAE = </a:t>
+                </a:r>
+                <a14:m>
+                  <m:oMath xmlns:m="http://schemas.openxmlformats.org/officeDocument/2006/math">
+                    <m:f>
+                      <m:fPr>
+                        <m:ctrlPr>
+                          <a:rPr lang="en-IN" i="1" noProof="0">
+                            <a:latin typeface="Cambria Math" panose="02040503050406030204" pitchFamily="18" charset="0"/>
+                          </a:rPr>
+                        </m:ctrlPr>
+                      </m:fPr>
+                      <m:num>
+                        <m:r>
+                          <m:rPr>
+                            <m:nor/>
+                          </m:rPr>
+                          <a:rPr lang="en-IN" noProof="0"/>
+                          <m:t>Sum</m:t>
+                        </m:r>
+                        <m:r>
+                          <m:rPr>
+                            <m:nor/>
+                          </m:rPr>
+                          <a:rPr lang="en-IN" noProof="0"/>
+                          <m:t> (</m:t>
+                        </m:r>
+                        <m:sSub>
+                          <m:sSubPr>
+                            <m:ctrlPr>
+                              <a:rPr lang="en-IN" i="1" noProof="0">
+                                <a:solidFill>
+                                  <a:srgbClr val="836967"/>
+                                </a:solidFill>
+                                <a:latin typeface="Cambria Math" panose="02040503050406030204" pitchFamily="18" charset="0"/>
+                              </a:rPr>
+                            </m:ctrlPr>
+                          </m:sSubPr>
+                          <m:e>
+                            <m:r>
+                              <a:rPr lang="en-IN" noProof="0">
+                                <a:latin typeface="Cambria Math" panose="02040503050406030204" pitchFamily="18" charset="0"/>
+                              </a:rPr>
+                              <m:t>𝑦</m:t>
+                            </m:r>
+                          </m:e>
+                          <m:sub>
+                            <m:r>
+                              <a:rPr lang="en-IN" noProof="0">
+                                <a:latin typeface="Cambria Math" panose="02040503050406030204" pitchFamily="18" charset="0"/>
+                              </a:rPr>
+                              <m:t>𝑖</m:t>
+                            </m:r>
+                          </m:sub>
+                        </m:sSub>
+                        <m:r>
+                          <a:rPr lang="en-IN" noProof="0">
+                            <a:latin typeface="Cambria Math" panose="02040503050406030204" pitchFamily="18" charset="0"/>
+                          </a:rPr>
+                          <m:t>−</m:t>
+                        </m:r>
+                        <m:sSub>
+                          <m:sSubPr>
+                            <m:ctrlPr>
+                              <a:rPr lang="en-IN" i="1" noProof="0">
+                                <a:solidFill>
+                                  <a:srgbClr val="836967"/>
+                                </a:solidFill>
+                                <a:latin typeface="Cambria Math" panose="02040503050406030204" pitchFamily="18" charset="0"/>
+                              </a:rPr>
+                            </m:ctrlPr>
+                          </m:sSubPr>
+                          <m:e>
+                            <m:acc>
+                              <m:accPr>
+                                <m:chr m:val="̂"/>
+                                <m:ctrlPr>
+                                  <a:rPr lang="en-IN" i="1" noProof="0">
+                                    <a:solidFill>
+                                      <a:srgbClr val="836967"/>
+                                    </a:solidFill>
+                                    <a:latin typeface="Cambria Math" panose="02040503050406030204" pitchFamily="18" charset="0"/>
+                                  </a:rPr>
+                                </m:ctrlPr>
+                              </m:accPr>
+                              <m:e>
+                                <m:r>
+                                  <a:rPr lang="en-IN" noProof="0">
+                                    <a:latin typeface="Cambria Math" panose="02040503050406030204" pitchFamily="18" charset="0"/>
+                                  </a:rPr>
+                                  <m:t>𝑦</m:t>
+                                </m:r>
+                              </m:e>
+                            </m:acc>
+                          </m:e>
+                          <m:sub>
+                            <m:r>
+                              <a:rPr lang="en-IN" noProof="0">
+                                <a:latin typeface="Cambria Math" panose="02040503050406030204" pitchFamily="18" charset="0"/>
+                              </a:rPr>
+                              <m:t>𝑖</m:t>
+                            </m:r>
+                          </m:sub>
+                        </m:sSub>
+                        <m:r>
+                          <m:rPr>
+                            <m:nor/>
+                          </m:rPr>
+                          <a:rPr lang="en-IN" noProof="0" smtClean="0"/>
+                          <m:t>)</m:t>
+                        </m:r>
+                      </m:num>
+                      <m:den>
+                        <m:r>
+                          <m:rPr>
+                            <m:sty m:val="p"/>
+                          </m:rPr>
+                          <a:rPr lang="en-IN" noProof="0">
+                            <a:latin typeface="Cambria Math" panose="02040503050406030204" pitchFamily="18" charset="0"/>
+                          </a:rPr>
+                          <m:t>n</m:t>
+                        </m:r>
+                      </m:den>
+                    </m:f>
+                  </m:oMath>
+                </a14:m>
+                <a:r>
+                  <a:rPr lang="en-IN" noProof="0" dirty="0"/>
+                  <a:t> = </a:t>
+                </a:r>
+                <a14:m>
+                  <m:oMath xmlns:m="http://schemas.openxmlformats.org/officeDocument/2006/math">
+                    <m:f>
+                      <m:fPr>
+                        <m:ctrlPr>
+                          <a:rPr lang="en-IN" i="1" noProof="0">
+                            <a:latin typeface="Cambria Math" panose="02040503050406030204" pitchFamily="18" charset="0"/>
+                          </a:rPr>
+                        </m:ctrlPr>
+                      </m:fPr>
+                      <m:num>
+                        <m:r>
+                          <a:rPr lang="en-IN" i="1" noProof="0">
+                            <a:latin typeface="Cambria Math" panose="02040503050406030204" pitchFamily="18" charset="0"/>
+                          </a:rPr>
+                          <m:t>7</m:t>
+                        </m:r>
+                        <m:r>
+                          <a:rPr lang="en-IN" b="0" i="1" noProof="0" smtClean="0">
+                            <a:latin typeface="Cambria Math" panose="02040503050406030204" pitchFamily="18" charset="0"/>
+                          </a:rPr>
+                          <m:t>4</m:t>
+                        </m:r>
+                      </m:num>
+                      <m:den>
+                        <m:r>
+                          <a:rPr lang="en-IN" i="1" noProof="0">
+                            <a:latin typeface="Cambria Math" panose="02040503050406030204" pitchFamily="18" charset="0"/>
+                          </a:rPr>
+                          <m:t>10</m:t>
+                        </m:r>
+                      </m:den>
+                    </m:f>
+                  </m:oMath>
+                </a14:m>
+                <a:r>
+                  <a:rPr lang="en-IN" noProof="0" dirty="0"/>
+                  <a:t> = 7.4 </a:t>
+                </a:r>
+              </a:p>
+              <a:p>
+                <a:endParaRPr lang="en-IN" noProof="0" dirty="0"/>
+              </a:p>
+            </p:txBody>
+          </p:sp>
+        </mc:Choice>
+        <mc:Fallback xmlns="">
+          <p:sp>
+            <p:nvSpPr>
+              <p:cNvPr id="3" name="Content Placeholder 2">
+                <a:extLst>
+                  <a:ext uri="{FF2B5EF4-FFF2-40B4-BE49-F238E27FC236}">
+                    <a16:creationId xmlns:a16="http://schemas.microsoft.com/office/drawing/2014/main" id="{07E7A4CE-2A86-BB70-0F15-0BC19C6D756D}"/>
+                  </a:ext>
+                </a:extLst>
+              </p:cNvPr>
+              <p:cNvSpPr>
+                <a:spLocks noGrp="1" noRot="1" noChangeAspect="1" noMove="1" noResize="1" noEditPoints="1" noAdjustHandles="1" noChangeArrowheads="1" noChangeShapeType="1" noTextEdit="1"/>
+              </p:cNvSpPr>
+              <p:nvPr>
+                <p:ph idx="1"/>
+              </p:nvPr>
+            </p:nvSpPr>
+            <p:spPr>
+              <a:blipFill>
+                <a:blip r:embed="rId2"/>
+                <a:stretch>
+                  <a:fillRect l="-812" t="-1961" b="-1261"/>
+                </a:stretch>
+              </a:blipFill>
+            </p:spPr>
+            <p:txBody>
+              <a:bodyPr/>
+              <a:lstStyle/>
+              <a:p>
+                <a:r>
+                  <a:rPr lang="en-IN">
+                    <a:noFill/>
+                  </a:rPr>
+                  <a:t> </a:t>
+                </a:r>
+              </a:p>
+            </p:txBody>
+          </p:sp>
+        </mc:Fallback>
+      </mc:AlternateContent>
+      <mc:AlternateContent xmlns:mc="http://schemas.openxmlformats.org/markup-compatibility/2006" xmlns:a14="http://schemas.microsoft.com/office/drawing/2010/main">
+        <mc:Choice Requires="a14">
+          <p:graphicFrame>
+            <p:nvGraphicFramePr>
+              <p:cNvPr id="4" name="Table 3">
+                <a:extLst>
+                  <a:ext uri="{FF2B5EF4-FFF2-40B4-BE49-F238E27FC236}">
+                    <a16:creationId xmlns:a16="http://schemas.microsoft.com/office/drawing/2014/main" id="{9E9E5444-0BE3-3CFD-4F2A-19EFACD76697}"/>
+                  </a:ext>
+                </a:extLst>
+              </p:cNvPr>
+              <p:cNvGraphicFramePr>
+                <a:graphicFrameLocks noGrp="1"/>
+              </p:cNvGraphicFramePr>
+              <p:nvPr/>
+            </p:nvGraphicFramePr>
+            <p:xfrm>
+              <a:off x="5082364" y="96918"/>
+              <a:ext cx="6613452" cy="4467625"/>
+            </p:xfrm>
+            <a:graphic>
+              <a:graphicData uri="http://schemas.openxmlformats.org/drawingml/2006/table">
+                <a:tbl>
+                  <a:tblPr firstRow="1" bandRow="1">
+                    <a:tableStyleId>{21E4AEA4-8DFA-4A89-87EB-49C32662AFE0}</a:tableStyleId>
+                  </a:tblPr>
+                  <a:tblGrid>
+                    <a:gridCol w="877295">
+                      <a:extLst>
+                        <a:ext uri="{9D8B030D-6E8A-4147-A177-3AD203B41FA5}">
+                          <a16:colId xmlns:a16="http://schemas.microsoft.com/office/drawing/2014/main" val="2297429349"/>
+                        </a:ext>
+                      </a:extLst>
+                    </a:gridCol>
+                    <a:gridCol w="1206685">
+                      <a:extLst>
+                        <a:ext uri="{9D8B030D-6E8A-4147-A177-3AD203B41FA5}">
+                          <a16:colId xmlns:a16="http://schemas.microsoft.com/office/drawing/2014/main" val="1337358672"/>
+                        </a:ext>
+                      </a:extLst>
+                    </a:gridCol>
+                    <a:gridCol w="1275907">
+                      <a:extLst>
+                        <a:ext uri="{9D8B030D-6E8A-4147-A177-3AD203B41FA5}">
+                          <a16:colId xmlns:a16="http://schemas.microsoft.com/office/drawing/2014/main" val="1757071119"/>
+                        </a:ext>
+                      </a:extLst>
+                    </a:gridCol>
+                    <a:gridCol w="1402569">
+                      <a:extLst>
+                        <a:ext uri="{9D8B030D-6E8A-4147-A177-3AD203B41FA5}">
+                          <a16:colId xmlns:a16="http://schemas.microsoft.com/office/drawing/2014/main" val="830366366"/>
+                        </a:ext>
+                      </a:extLst>
+                    </a:gridCol>
+                    <a:gridCol w="1850996">
+                      <a:extLst>
+                        <a:ext uri="{9D8B030D-6E8A-4147-A177-3AD203B41FA5}">
+                          <a16:colId xmlns:a16="http://schemas.microsoft.com/office/drawing/2014/main" val="2765552350"/>
+                        </a:ext>
+                      </a:extLst>
+                    </a:gridCol>
+                  </a:tblGrid>
+                  <a:tr h="779545">
+                    <a:tc>
+                      <a:txBody>
+                        <a:bodyPr/>
+                        <a:lstStyle/>
+                        <a:p>
+                          <a:pPr algn="ctr"/>
+                          <a:r>
+                            <a:rPr lang="en-IN" sz="1600" noProof="0" dirty="0"/>
+                            <a:t>x</a:t>
+                          </a:r>
+                        </a:p>
+                      </a:txBody>
+                      <a:tcPr/>
+                    </a:tc>
+                    <a:tc>
+                      <a:txBody>
+                        <a:bodyPr/>
+                        <a:lstStyle/>
+                        <a:p>
+                          <a:pPr algn="ctr"/>
+                          <a:r>
+                            <a:rPr lang="en-IN" sz="1600" noProof="0" dirty="0"/>
+                            <a:t>Y (Actual)</a:t>
+                          </a:r>
+                        </a:p>
+                      </a:txBody>
+                      <a:tcPr/>
+                    </a:tc>
+                    <a:tc>
+                      <a:txBody>
+                        <a:bodyPr/>
+                        <a:lstStyle/>
+                        <a:p>
+                          <a:pPr algn="ctr"/>
+                          <a14:m>
+                            <m:oMath xmlns:m="http://schemas.openxmlformats.org/officeDocument/2006/math">
+                              <m:r>
+                                <m:rPr>
+                                  <m:nor/>
+                                </m:rPr>
+                                <a:rPr lang="en-IN" sz="1600" noProof="0" smtClean="0"/>
+                                <m:t>ẏ</m:t>
+                              </m:r>
+                            </m:oMath>
+                          </a14:m>
+                          <a:r>
+                            <a:rPr lang="en-IN" sz="1600" noProof="0" dirty="0"/>
+                            <a:t> (Predicted)</a:t>
+                          </a:r>
+                        </a:p>
+                      </a:txBody>
+                      <a:tcPr/>
+                    </a:tc>
+                    <a:tc>
+                      <a:txBody>
+                        <a:bodyPr/>
+                        <a:lstStyle/>
+                        <a:p>
+                          <a:pPr algn="ctr"/>
+                          <a:r>
+                            <a:rPr lang="en-IN" sz="1600" noProof="0" dirty="0"/>
+                            <a:t>|y -</a:t>
+                          </a:r>
+                          <a14:m>
+                            <m:oMath xmlns:m="http://schemas.openxmlformats.org/officeDocument/2006/math">
+                              <m:r>
+                                <m:rPr>
+                                  <m:nor/>
+                                </m:rPr>
+                                <a:rPr lang="en-IN" sz="1600" noProof="0" smtClean="0"/>
+                                <m:t>ẏ</m:t>
+                              </m:r>
+                              <m:r>
+                                <m:rPr>
+                                  <m:nor/>
+                                </m:rPr>
+                                <a:rPr lang="en-IN" sz="1600" b="1" i="0" noProof="0" smtClean="0"/>
+                                <m:t>|</m:t>
+                              </m:r>
+                            </m:oMath>
+                          </a14:m>
+                          <a:endParaRPr lang="en-IN" sz="1600" baseline="30000" noProof="0" dirty="0"/>
+                        </a:p>
+                      </a:txBody>
+                      <a:tcPr/>
+                    </a:tc>
+                    <a:tc>
+                      <a:txBody>
+                        <a:bodyPr/>
+                        <a:lstStyle/>
+                        <a:p>
+                          <a:pPr algn="ctr"/>
+                          <a:r>
+                            <a:rPr lang="en-IN" sz="1600" noProof="0" dirty="0"/>
+                            <a:t>(y – </a:t>
+                          </a:r>
+                          <a14:m>
+                            <m:oMath xmlns:m="http://schemas.openxmlformats.org/officeDocument/2006/math">
+                              <m:r>
+                                <m:rPr>
+                                  <m:nor/>
+                                </m:rPr>
+                                <a:rPr lang="en-IN" sz="1600" noProof="0" smtClean="0"/>
+                                <m:t>ẏ</m:t>
+                              </m:r>
+                            </m:oMath>
+                          </a14:m>
+                          <a:r>
+                            <a:rPr lang="en-IN" sz="1600" noProof="0" dirty="0"/>
+                            <a:t> )</a:t>
+                          </a:r>
+                          <a:r>
+                            <a:rPr lang="en-IN" sz="1600" baseline="30000" noProof="0" dirty="0"/>
+                            <a:t>2</a:t>
+                          </a:r>
+                        </a:p>
+                      </a:txBody>
+                      <a:tcPr/>
+                    </a:tc>
+                    <a:extLst>
+                      <a:ext uri="{0D108BD9-81ED-4DB2-BD59-A6C34878D82A}">
+                        <a16:rowId xmlns:a16="http://schemas.microsoft.com/office/drawing/2014/main" val="375836248"/>
+                      </a:ext>
+                    </a:extLst>
+                  </a:tr>
+                  <a:tr h="317593">
+                    <a:tc>
+                      <a:txBody>
+                        <a:bodyPr/>
+                        <a:lstStyle/>
+                        <a:p>
+                          <a:pPr algn="ctr"/>
+                          <a:r>
+                            <a:rPr lang="en-IN" sz="1600" noProof="0" dirty="0"/>
+                            <a:t>10</a:t>
+                          </a:r>
+                        </a:p>
+                      </a:txBody>
+                      <a:tcPr/>
+                    </a:tc>
+                    <a:tc>
+                      <a:txBody>
+                        <a:bodyPr/>
+                        <a:lstStyle/>
+                        <a:p>
+                          <a:pPr algn="ctr"/>
+                          <a:r>
+                            <a:rPr lang="en-IN" sz="1600" noProof="0" dirty="0"/>
+                            <a:t>10</a:t>
+                          </a:r>
+                        </a:p>
+                      </a:txBody>
+                      <a:tcPr/>
+                    </a:tc>
+                    <a:tc>
+                      <a:txBody>
+                        <a:bodyPr/>
+                        <a:lstStyle/>
+                        <a:p>
+                          <a:pPr algn="ctr"/>
+                          <a:r>
+                            <a:rPr lang="en-IN" sz="1600" noProof="0" dirty="0"/>
+                            <a:t>16</a:t>
+                          </a:r>
+                        </a:p>
+                      </a:txBody>
+                      <a:tcPr/>
+                    </a:tc>
+                    <a:tc>
+                      <a:txBody>
+                        <a:bodyPr/>
+                        <a:lstStyle/>
+                        <a:p>
+                          <a:pPr algn="ctr"/>
+                          <a:r>
+                            <a:rPr lang="en-IN" sz="1600" noProof="0" dirty="0"/>
+                            <a:t>6</a:t>
+                          </a:r>
+                        </a:p>
+                      </a:txBody>
+                      <a:tcPr/>
+                    </a:tc>
+                    <a:tc>
+                      <a:txBody>
+                        <a:bodyPr/>
+                        <a:lstStyle/>
+                        <a:p>
+                          <a:pPr algn="ctr"/>
+                          <a:r>
+                            <a:rPr lang="en-IN" sz="1600" noProof="0" dirty="0"/>
+                            <a:t>36</a:t>
+                          </a:r>
+                        </a:p>
+                      </a:txBody>
+                      <a:tcPr/>
+                    </a:tc>
+                    <a:extLst>
+                      <a:ext uri="{0D108BD9-81ED-4DB2-BD59-A6C34878D82A}">
+                        <a16:rowId xmlns:a16="http://schemas.microsoft.com/office/drawing/2014/main" val="330859248"/>
+                      </a:ext>
+                    </a:extLst>
+                  </a:tr>
+                  <a:tr h="317593">
+                    <a:tc>
+                      <a:txBody>
+                        <a:bodyPr/>
+                        <a:lstStyle/>
+                        <a:p>
+                          <a:pPr algn="ctr"/>
+                          <a:r>
+                            <a:rPr lang="en-IN" sz="1600" noProof="0" dirty="0"/>
+                            <a:t>20</a:t>
+                          </a:r>
+                        </a:p>
+                      </a:txBody>
+                      <a:tcPr/>
+                    </a:tc>
+                    <a:tc>
+                      <a:txBody>
+                        <a:bodyPr/>
+                        <a:lstStyle/>
+                        <a:p>
+                          <a:pPr algn="ctr"/>
+                          <a:r>
+                            <a:rPr lang="en-IN" sz="1600" noProof="0" dirty="0"/>
+                            <a:t>25</a:t>
+                          </a:r>
+                        </a:p>
+                      </a:txBody>
+                      <a:tcPr/>
+                    </a:tc>
+                    <a:tc>
+                      <a:txBody>
+                        <a:bodyPr/>
+                        <a:lstStyle/>
+                        <a:p>
+                          <a:pPr algn="ctr"/>
+                          <a:r>
+                            <a:rPr lang="en-IN" sz="1600" noProof="0" dirty="0"/>
+                            <a:t>20</a:t>
+                          </a:r>
+                        </a:p>
+                      </a:txBody>
+                      <a:tcPr/>
+                    </a:tc>
+                    <a:tc>
+                      <a:txBody>
+                        <a:bodyPr/>
+                        <a:lstStyle/>
+                        <a:p>
+                          <a:pPr algn="ctr"/>
+                          <a:r>
+                            <a:rPr lang="en-IN" sz="1600" noProof="0" dirty="0"/>
+                            <a:t>5</a:t>
+                          </a:r>
+                        </a:p>
+                      </a:txBody>
+                      <a:tcPr/>
+                    </a:tc>
+                    <a:tc>
+                      <a:txBody>
+                        <a:bodyPr/>
+                        <a:lstStyle/>
+                        <a:p>
+                          <a:pPr algn="ctr"/>
+                          <a:r>
+                            <a:rPr lang="en-IN" sz="1600" noProof="0" dirty="0"/>
+                            <a:t>25</a:t>
+                          </a:r>
+                        </a:p>
+                      </a:txBody>
+                      <a:tcPr/>
+                    </a:tc>
+                    <a:extLst>
+                      <a:ext uri="{0D108BD9-81ED-4DB2-BD59-A6C34878D82A}">
+                        <a16:rowId xmlns:a16="http://schemas.microsoft.com/office/drawing/2014/main" val="1088471177"/>
+                      </a:ext>
+                    </a:extLst>
+                  </a:tr>
+                  <a:tr h="317593">
+                    <a:tc>
+                      <a:txBody>
+                        <a:bodyPr/>
+                        <a:lstStyle/>
+                        <a:p>
+                          <a:pPr algn="ctr"/>
+                          <a:r>
+                            <a:rPr lang="en-IN" sz="1600" noProof="0" dirty="0"/>
+                            <a:t>30</a:t>
+                          </a:r>
+                        </a:p>
+                      </a:txBody>
+                      <a:tcPr/>
+                    </a:tc>
+                    <a:tc>
+                      <a:txBody>
+                        <a:bodyPr/>
+                        <a:lstStyle/>
+                        <a:p>
+                          <a:pPr algn="ctr"/>
+                          <a:r>
+                            <a:rPr lang="en-IN" sz="1600" noProof="0" dirty="0"/>
+                            <a:t>20</a:t>
+                          </a:r>
+                        </a:p>
+                      </a:txBody>
+                      <a:tcPr/>
+                    </a:tc>
+                    <a:tc>
+                      <a:txBody>
+                        <a:bodyPr/>
+                        <a:lstStyle/>
+                        <a:p>
+                          <a:pPr algn="ctr"/>
+                          <a:r>
+                            <a:rPr lang="en-IN" sz="1600" noProof="0" dirty="0"/>
+                            <a:t>24</a:t>
+                          </a:r>
+                        </a:p>
+                      </a:txBody>
+                      <a:tcPr/>
+                    </a:tc>
+                    <a:tc>
+                      <a:txBody>
+                        <a:bodyPr/>
+                        <a:lstStyle/>
+                        <a:p>
+                          <a:pPr algn="ctr"/>
+                          <a:r>
+                            <a:rPr lang="en-IN" sz="1600" noProof="0" dirty="0"/>
+                            <a:t>4</a:t>
+                          </a:r>
+                        </a:p>
+                      </a:txBody>
+                      <a:tcPr/>
+                    </a:tc>
+                    <a:tc>
+                      <a:txBody>
+                        <a:bodyPr/>
+                        <a:lstStyle/>
+                        <a:p>
+                          <a:pPr algn="ctr"/>
+                          <a:r>
+                            <a:rPr lang="en-IN" sz="1600" noProof="0" dirty="0"/>
+                            <a:t>16</a:t>
+                          </a:r>
+                        </a:p>
+                      </a:txBody>
+                      <a:tcPr/>
+                    </a:tc>
+                    <a:extLst>
+                      <a:ext uri="{0D108BD9-81ED-4DB2-BD59-A6C34878D82A}">
+                        <a16:rowId xmlns:a16="http://schemas.microsoft.com/office/drawing/2014/main" val="1625659414"/>
+                      </a:ext>
+                    </a:extLst>
+                  </a:tr>
+                  <a:tr h="317593">
+                    <a:tc>
+                      <a:txBody>
+                        <a:bodyPr/>
+                        <a:lstStyle/>
+                        <a:p>
+                          <a:pPr algn="ctr"/>
+                          <a:r>
+                            <a:rPr lang="en-IN" sz="1600" noProof="0" dirty="0"/>
+                            <a:t>35</a:t>
+                          </a:r>
+                        </a:p>
+                      </a:txBody>
+                      <a:tcPr/>
+                    </a:tc>
+                    <a:tc>
+                      <a:txBody>
+                        <a:bodyPr/>
+                        <a:lstStyle/>
+                        <a:p>
+                          <a:pPr algn="ctr"/>
+                          <a:r>
+                            <a:rPr lang="en-IN" sz="1600" noProof="0" dirty="0"/>
+                            <a:t>30</a:t>
+                          </a:r>
+                        </a:p>
+                      </a:txBody>
+                      <a:tcPr/>
+                    </a:tc>
+                    <a:tc>
+                      <a:txBody>
+                        <a:bodyPr/>
+                        <a:lstStyle/>
+                        <a:p>
+                          <a:pPr algn="ctr"/>
+                          <a:r>
+                            <a:rPr lang="en-IN" sz="1600" noProof="0" dirty="0"/>
+                            <a:t>26</a:t>
+                          </a:r>
+                        </a:p>
+                      </a:txBody>
+                      <a:tcPr/>
+                    </a:tc>
+                    <a:tc>
+                      <a:txBody>
+                        <a:bodyPr/>
+                        <a:lstStyle/>
+                        <a:p>
+                          <a:pPr algn="ctr"/>
+                          <a:r>
+                            <a:rPr lang="en-IN" sz="1600" noProof="0" dirty="0"/>
+                            <a:t>4</a:t>
+                          </a:r>
+                        </a:p>
+                      </a:txBody>
+                      <a:tcPr/>
+                    </a:tc>
+                    <a:tc>
+                      <a:txBody>
+                        <a:bodyPr/>
+                        <a:lstStyle/>
+                        <a:p>
+                          <a:pPr algn="ctr"/>
+                          <a:r>
+                            <a:rPr lang="en-IN" sz="1600" noProof="0" dirty="0"/>
+                            <a:t>16</a:t>
+                          </a:r>
+                        </a:p>
+                      </a:txBody>
+                      <a:tcPr/>
+                    </a:tc>
+                    <a:extLst>
+                      <a:ext uri="{0D108BD9-81ED-4DB2-BD59-A6C34878D82A}">
+                        <a16:rowId xmlns:a16="http://schemas.microsoft.com/office/drawing/2014/main" val="2191306571"/>
+                      </a:ext>
+                    </a:extLst>
+                  </a:tr>
+                  <a:tr h="317593">
+                    <a:tc>
+                      <a:txBody>
+                        <a:bodyPr/>
+                        <a:lstStyle/>
+                        <a:p>
+                          <a:pPr algn="ctr"/>
+                          <a:r>
+                            <a:rPr lang="en-IN" sz="1600" noProof="0" dirty="0"/>
+                            <a:t>40</a:t>
+                          </a:r>
+                        </a:p>
+                      </a:txBody>
+                      <a:tcPr/>
+                    </a:tc>
+                    <a:tc>
+                      <a:txBody>
+                        <a:bodyPr/>
+                        <a:lstStyle/>
+                        <a:p>
+                          <a:pPr algn="ctr"/>
+                          <a:r>
+                            <a:rPr lang="en-IN" sz="1600" noProof="0" dirty="0"/>
+                            <a:t>40</a:t>
+                          </a:r>
+                        </a:p>
+                      </a:txBody>
+                      <a:tcPr/>
+                    </a:tc>
+                    <a:tc>
+                      <a:txBody>
+                        <a:bodyPr/>
+                        <a:lstStyle/>
+                        <a:p>
+                          <a:pPr algn="ctr"/>
+                          <a:r>
+                            <a:rPr lang="en-IN" sz="1600" noProof="0" dirty="0"/>
+                            <a:t>28</a:t>
+                          </a:r>
+                        </a:p>
+                      </a:txBody>
+                      <a:tcPr/>
+                    </a:tc>
+                    <a:tc>
+                      <a:txBody>
+                        <a:bodyPr/>
+                        <a:lstStyle/>
+                        <a:p>
+                          <a:pPr algn="ctr"/>
+                          <a:r>
+                            <a:rPr lang="en-IN" sz="1600" noProof="0" dirty="0"/>
+                            <a:t>12</a:t>
+                          </a:r>
+                        </a:p>
+                      </a:txBody>
+                      <a:tcPr/>
+                    </a:tc>
+                    <a:tc>
+                      <a:txBody>
+                        <a:bodyPr/>
+                        <a:lstStyle/>
+                        <a:p>
+                          <a:pPr algn="ctr"/>
+                          <a:r>
+                            <a:rPr lang="en-IN" sz="1600" noProof="0" dirty="0"/>
+                            <a:t>144</a:t>
+                          </a:r>
+                        </a:p>
+                      </a:txBody>
+                      <a:tcPr/>
+                    </a:tc>
+                    <a:extLst>
+                      <a:ext uri="{0D108BD9-81ED-4DB2-BD59-A6C34878D82A}">
+                        <a16:rowId xmlns:a16="http://schemas.microsoft.com/office/drawing/2014/main" val="2375024489"/>
+                      </a:ext>
+                    </a:extLst>
+                  </a:tr>
+                  <a:tr h="317593">
+                    <a:tc>
+                      <a:txBody>
+                        <a:bodyPr/>
+                        <a:lstStyle/>
+                        <a:p>
+                          <a:pPr algn="ctr"/>
+                          <a:r>
+                            <a:rPr lang="en-IN" sz="1600" noProof="0" dirty="0"/>
+                            <a:t>50</a:t>
+                          </a:r>
+                        </a:p>
+                      </a:txBody>
+                      <a:tcPr/>
+                    </a:tc>
+                    <a:tc>
+                      <a:txBody>
+                        <a:bodyPr/>
+                        <a:lstStyle/>
+                        <a:p>
+                          <a:pPr algn="ctr"/>
+                          <a:r>
+                            <a:rPr lang="en-IN" sz="1600" noProof="0" dirty="0"/>
+                            <a:t>15</a:t>
+                          </a:r>
+                        </a:p>
+                      </a:txBody>
+                      <a:tcPr/>
+                    </a:tc>
+                    <a:tc>
+                      <a:txBody>
+                        <a:bodyPr/>
+                        <a:lstStyle/>
+                        <a:p>
+                          <a:pPr algn="ctr"/>
+                          <a:r>
+                            <a:rPr lang="en-IN" sz="1600" noProof="0" dirty="0"/>
+                            <a:t>32</a:t>
+                          </a:r>
+                        </a:p>
+                      </a:txBody>
+                      <a:tcPr/>
+                    </a:tc>
+                    <a:tc>
+                      <a:txBody>
+                        <a:bodyPr/>
+                        <a:lstStyle/>
+                        <a:p>
+                          <a:pPr algn="ctr"/>
+                          <a:r>
+                            <a:rPr lang="en-IN" sz="1600" noProof="0" dirty="0"/>
+                            <a:t>17</a:t>
+                          </a:r>
+                        </a:p>
+                      </a:txBody>
+                      <a:tcPr/>
+                    </a:tc>
+                    <a:tc>
+                      <a:txBody>
+                        <a:bodyPr/>
+                        <a:lstStyle/>
+                        <a:p>
+                          <a:pPr algn="ctr"/>
+                          <a:r>
+                            <a:rPr lang="en-IN" sz="1600" noProof="0" dirty="0"/>
+                            <a:t>289</a:t>
+                          </a:r>
+                        </a:p>
+                      </a:txBody>
+                      <a:tcPr/>
+                    </a:tc>
+                    <a:extLst>
+                      <a:ext uri="{0D108BD9-81ED-4DB2-BD59-A6C34878D82A}">
+                        <a16:rowId xmlns:a16="http://schemas.microsoft.com/office/drawing/2014/main" val="2374833442"/>
+                      </a:ext>
+                    </a:extLst>
+                  </a:tr>
+                  <a:tr h="317593">
+                    <a:tc>
+                      <a:txBody>
+                        <a:bodyPr/>
+                        <a:lstStyle/>
+                        <a:p>
+                          <a:pPr algn="ctr"/>
+                          <a:r>
+                            <a:rPr lang="en-IN" sz="1600" noProof="0" dirty="0"/>
+                            <a:t>60</a:t>
+                          </a:r>
+                        </a:p>
+                      </a:txBody>
+                      <a:tcPr/>
+                    </a:tc>
+                    <a:tc>
+                      <a:txBody>
+                        <a:bodyPr/>
+                        <a:lstStyle/>
+                        <a:p>
+                          <a:pPr algn="ctr"/>
+                          <a:r>
+                            <a:rPr lang="en-IN" sz="1600" noProof="0" dirty="0"/>
+                            <a:t>40</a:t>
+                          </a:r>
+                        </a:p>
+                      </a:txBody>
+                      <a:tcPr/>
+                    </a:tc>
+                    <a:tc>
+                      <a:txBody>
+                        <a:bodyPr/>
+                        <a:lstStyle/>
+                        <a:p>
+                          <a:pPr algn="ctr"/>
+                          <a:r>
+                            <a:rPr lang="en-IN" sz="1600" noProof="0" dirty="0"/>
+                            <a:t>36</a:t>
+                          </a:r>
+                        </a:p>
+                      </a:txBody>
+                      <a:tcPr/>
+                    </a:tc>
+                    <a:tc>
+                      <a:txBody>
+                        <a:bodyPr/>
+                        <a:lstStyle/>
+                        <a:p>
+                          <a:pPr algn="ctr"/>
+                          <a:r>
+                            <a:rPr lang="en-IN" sz="1600" noProof="0" dirty="0"/>
+                            <a:t>4</a:t>
+                          </a:r>
+                        </a:p>
+                      </a:txBody>
+                      <a:tcPr/>
+                    </a:tc>
+                    <a:tc>
+                      <a:txBody>
+                        <a:bodyPr/>
+                        <a:lstStyle/>
+                        <a:p>
+                          <a:pPr algn="ctr"/>
+                          <a:r>
+                            <a:rPr lang="en-IN" sz="1600" noProof="0" dirty="0"/>
+                            <a:t>16</a:t>
+                          </a:r>
+                        </a:p>
+                      </a:txBody>
+                      <a:tcPr/>
+                    </a:tc>
+                    <a:extLst>
+                      <a:ext uri="{0D108BD9-81ED-4DB2-BD59-A6C34878D82A}">
+                        <a16:rowId xmlns:a16="http://schemas.microsoft.com/office/drawing/2014/main" val="2662212881"/>
+                      </a:ext>
+                    </a:extLst>
+                  </a:tr>
+                  <a:tr h="317593">
+                    <a:tc>
+                      <a:txBody>
+                        <a:bodyPr/>
+                        <a:lstStyle/>
+                        <a:p>
+                          <a:pPr algn="ctr"/>
+                          <a:r>
+                            <a:rPr lang="en-IN" sz="1600" noProof="0" dirty="0"/>
+                            <a:t>65</a:t>
+                          </a:r>
+                        </a:p>
+                      </a:txBody>
+                      <a:tcPr/>
+                    </a:tc>
+                    <a:tc>
+                      <a:txBody>
+                        <a:bodyPr/>
+                        <a:lstStyle/>
+                        <a:p>
+                          <a:pPr algn="ctr"/>
+                          <a:r>
+                            <a:rPr lang="en-IN" sz="1600" noProof="0" dirty="0"/>
+                            <a:t>30</a:t>
+                          </a:r>
+                        </a:p>
+                      </a:txBody>
+                      <a:tcPr/>
+                    </a:tc>
+                    <a:tc>
+                      <a:txBody>
+                        <a:bodyPr/>
+                        <a:lstStyle/>
+                        <a:p>
+                          <a:pPr algn="ctr"/>
+                          <a:r>
+                            <a:rPr lang="en-IN" sz="1600" noProof="0" dirty="0"/>
+                            <a:t>38</a:t>
+                          </a:r>
+                        </a:p>
+                      </a:txBody>
+                      <a:tcPr/>
+                    </a:tc>
+                    <a:tc>
+                      <a:txBody>
+                        <a:bodyPr/>
+                        <a:lstStyle/>
+                        <a:p>
+                          <a:pPr algn="ctr"/>
+                          <a:r>
+                            <a:rPr lang="en-IN" sz="1600" noProof="0" dirty="0"/>
+                            <a:t>8</a:t>
+                          </a:r>
+                        </a:p>
+                      </a:txBody>
+                      <a:tcPr/>
+                    </a:tc>
+                    <a:tc>
+                      <a:txBody>
+                        <a:bodyPr/>
+                        <a:lstStyle/>
+                        <a:p>
+                          <a:pPr algn="ctr"/>
+                          <a:r>
+                            <a:rPr lang="en-IN" sz="1600" noProof="0" dirty="0"/>
+                            <a:t>64</a:t>
+                          </a:r>
+                        </a:p>
+                      </a:txBody>
+                      <a:tcPr/>
+                    </a:tc>
+                    <a:extLst>
+                      <a:ext uri="{0D108BD9-81ED-4DB2-BD59-A6C34878D82A}">
+                        <a16:rowId xmlns:a16="http://schemas.microsoft.com/office/drawing/2014/main" val="4272864123"/>
+                      </a:ext>
+                    </a:extLst>
+                  </a:tr>
+                  <a:tr h="317593">
+                    <a:tc>
+                      <a:txBody>
+                        <a:bodyPr/>
+                        <a:lstStyle/>
+                        <a:p>
+                          <a:pPr algn="ctr"/>
+                          <a:r>
+                            <a:rPr lang="en-IN" sz="1600" noProof="0" dirty="0"/>
+                            <a:t>70</a:t>
+                          </a:r>
+                        </a:p>
+                      </a:txBody>
+                      <a:tcPr/>
+                    </a:tc>
+                    <a:tc>
+                      <a:txBody>
+                        <a:bodyPr/>
+                        <a:lstStyle/>
+                        <a:p>
+                          <a:pPr algn="ctr"/>
+                          <a:r>
+                            <a:rPr lang="en-IN" sz="1600" noProof="0" dirty="0"/>
+                            <a:t>50</a:t>
+                          </a:r>
+                        </a:p>
+                      </a:txBody>
+                      <a:tcPr/>
+                    </a:tc>
+                    <a:tc>
+                      <a:txBody>
+                        <a:bodyPr/>
+                        <a:lstStyle/>
+                        <a:p>
+                          <a:pPr algn="ctr"/>
+                          <a:r>
+                            <a:rPr lang="en-IN" sz="1600" noProof="0" dirty="0"/>
+                            <a:t>40</a:t>
+                          </a:r>
+                        </a:p>
+                      </a:txBody>
+                      <a:tcPr/>
+                    </a:tc>
+                    <a:tc>
+                      <a:txBody>
+                        <a:bodyPr/>
+                        <a:lstStyle/>
+                        <a:p>
+                          <a:pPr algn="ctr"/>
+                          <a:r>
+                            <a:rPr lang="en-IN" sz="1600" noProof="0" dirty="0"/>
+                            <a:t>10</a:t>
+                          </a:r>
+                        </a:p>
+                      </a:txBody>
+                      <a:tcPr/>
+                    </a:tc>
+                    <a:tc>
+                      <a:txBody>
+                        <a:bodyPr/>
+                        <a:lstStyle/>
+                        <a:p>
+                          <a:pPr algn="ctr"/>
+                          <a:r>
+                            <a:rPr lang="en-IN" sz="1600" noProof="0" dirty="0"/>
+                            <a:t>100</a:t>
+                          </a:r>
+                        </a:p>
+                      </a:txBody>
+                      <a:tcPr/>
+                    </a:tc>
+                    <a:extLst>
+                      <a:ext uri="{0D108BD9-81ED-4DB2-BD59-A6C34878D82A}">
+                        <a16:rowId xmlns:a16="http://schemas.microsoft.com/office/drawing/2014/main" val="778314671"/>
+                      </a:ext>
+                    </a:extLst>
+                  </a:tr>
+                  <a:tr h="317593">
+                    <a:tc>
+                      <a:txBody>
+                        <a:bodyPr/>
+                        <a:lstStyle/>
+                        <a:p>
+                          <a:pPr algn="ctr"/>
+                          <a:r>
+                            <a:rPr lang="en-IN" sz="1600" noProof="0" dirty="0"/>
+                            <a:t>80</a:t>
+                          </a:r>
+                        </a:p>
+                      </a:txBody>
+                      <a:tcPr/>
+                    </a:tc>
+                    <a:tc>
+                      <a:txBody>
+                        <a:bodyPr/>
+                        <a:lstStyle/>
+                        <a:p>
+                          <a:pPr algn="ctr"/>
+                          <a:r>
+                            <a:rPr lang="en-IN" sz="1600" noProof="0" dirty="0"/>
+                            <a:t>40</a:t>
+                          </a:r>
+                        </a:p>
+                      </a:txBody>
+                      <a:tcPr/>
+                    </a:tc>
+                    <a:tc>
+                      <a:txBody>
+                        <a:bodyPr/>
+                        <a:lstStyle/>
+                        <a:p>
+                          <a:pPr algn="ctr"/>
+                          <a:r>
+                            <a:rPr lang="en-IN" sz="1600" noProof="0" dirty="0"/>
+                            <a:t>44</a:t>
+                          </a:r>
+                        </a:p>
+                      </a:txBody>
+                      <a:tcPr/>
+                    </a:tc>
+                    <a:tc>
+                      <a:txBody>
+                        <a:bodyPr/>
+                        <a:lstStyle/>
+                        <a:p>
+                          <a:pPr algn="ctr"/>
+                          <a:r>
+                            <a:rPr lang="en-IN" sz="1600" noProof="0" dirty="0"/>
+                            <a:t>4</a:t>
+                          </a:r>
+                        </a:p>
+                      </a:txBody>
+                      <a:tcPr/>
+                    </a:tc>
+                    <a:tc>
+                      <a:txBody>
+                        <a:bodyPr/>
+                        <a:lstStyle/>
+                        <a:p>
+                          <a:pPr algn="ctr"/>
+                          <a:r>
+                            <a:rPr lang="en-IN" sz="1600" noProof="0" dirty="0"/>
+                            <a:t>16</a:t>
+                          </a:r>
+                        </a:p>
+                      </a:txBody>
+                      <a:tcPr/>
+                    </a:tc>
+                    <a:extLst>
+                      <a:ext uri="{0D108BD9-81ED-4DB2-BD59-A6C34878D82A}">
+                        <a16:rowId xmlns:a16="http://schemas.microsoft.com/office/drawing/2014/main" val="2188934142"/>
+                      </a:ext>
+                    </a:extLst>
+                  </a:tr>
+                  <a:tr h="317593">
+                    <a:tc>
+                      <a:txBody>
+                        <a:bodyPr/>
+                        <a:lstStyle/>
+                        <a:p>
+                          <a:pPr algn="ctr"/>
+                          <a:r>
+                            <a:rPr lang="en-IN" sz="1600" b="1" noProof="0" dirty="0"/>
+                            <a:t>Total</a:t>
+                          </a:r>
+                        </a:p>
+                      </a:txBody>
+                      <a:tcPr/>
+                    </a:tc>
+                    <a:tc>
+                      <a:txBody>
+                        <a:bodyPr/>
+                        <a:lstStyle/>
+                        <a:p>
+                          <a:pPr algn="ctr"/>
+                          <a:r>
+                            <a:rPr lang="en-IN" sz="1600" b="1" noProof="0" dirty="0"/>
+                            <a:t>NA</a:t>
+                          </a:r>
+                        </a:p>
+                      </a:txBody>
+                      <a:tcPr/>
+                    </a:tc>
+                    <a:tc>
+                      <a:txBody>
+                        <a:bodyPr/>
+                        <a:lstStyle/>
+                        <a:p>
+                          <a:pPr algn="ctr"/>
+                          <a:r>
+                            <a:rPr lang="en-IN" sz="1600" b="1" noProof="0" dirty="0"/>
+                            <a:t>NA</a:t>
+                          </a:r>
+                        </a:p>
+                      </a:txBody>
+                      <a:tcPr/>
+                    </a:tc>
+                    <a:tc>
+                      <a:txBody>
+                        <a:bodyPr/>
+                        <a:lstStyle/>
+                        <a:p>
+                          <a:pPr algn="ctr"/>
+                          <a:r>
+                            <a:rPr lang="en-IN" sz="1600" b="1" noProof="0" dirty="0"/>
+                            <a:t>74</a:t>
+                          </a:r>
+                        </a:p>
+                      </a:txBody>
+                      <a:tcPr/>
+                    </a:tc>
+                    <a:tc>
+                      <a:txBody>
+                        <a:bodyPr/>
+                        <a:lstStyle/>
+                        <a:p>
+                          <a:pPr algn="ctr"/>
+                          <a:r>
+                            <a:rPr lang="en-IN" sz="1600" b="1" noProof="0" dirty="0"/>
+                            <a:t>722 (SSE)</a:t>
+                          </a:r>
+                        </a:p>
+                      </a:txBody>
+                      <a:tcPr/>
+                    </a:tc>
+                    <a:extLst>
+                      <a:ext uri="{0D108BD9-81ED-4DB2-BD59-A6C34878D82A}">
+                        <a16:rowId xmlns:a16="http://schemas.microsoft.com/office/drawing/2014/main" val="3293582667"/>
+                      </a:ext>
+                    </a:extLst>
+                  </a:tr>
+                </a:tbl>
+              </a:graphicData>
+            </a:graphic>
+          </p:graphicFrame>
+        </mc:Choice>
+        <mc:Fallback xmlns="">
+          <p:graphicFrame>
+            <p:nvGraphicFramePr>
+              <p:cNvPr id="4" name="Table 3">
+                <a:extLst>
+                  <a:ext uri="{FF2B5EF4-FFF2-40B4-BE49-F238E27FC236}">
+                    <a16:creationId xmlns:a16="http://schemas.microsoft.com/office/drawing/2014/main" id="{9E9E5444-0BE3-3CFD-4F2A-19EFACD76697}"/>
+                  </a:ext>
+                </a:extLst>
+              </p:cNvPr>
+              <p:cNvGraphicFramePr>
+                <a:graphicFrameLocks noGrp="1"/>
+              </p:cNvGraphicFramePr>
+              <p:nvPr>
+                <p:extLst>
+                  <p:ext uri="{D42A27DB-BD31-4B8C-83A1-F6EECF244321}">
+                    <p14:modId xmlns:p14="http://schemas.microsoft.com/office/powerpoint/2010/main" val="2774842288"/>
+                  </p:ext>
+                </p:extLst>
+              </p:nvPr>
+            </p:nvGraphicFramePr>
+            <p:xfrm>
+              <a:off x="5082364" y="96918"/>
+              <a:ext cx="6613452" cy="4467625"/>
+            </p:xfrm>
+            <a:graphic>
+              <a:graphicData uri="http://schemas.openxmlformats.org/drawingml/2006/table">
+                <a:tbl>
+                  <a:tblPr firstRow="1" bandRow="1">
+                    <a:tableStyleId>{21E4AEA4-8DFA-4A89-87EB-49C32662AFE0}</a:tableStyleId>
+                  </a:tblPr>
+                  <a:tblGrid>
+                    <a:gridCol w="877295">
+                      <a:extLst>
+                        <a:ext uri="{9D8B030D-6E8A-4147-A177-3AD203B41FA5}">
+                          <a16:colId xmlns:a16="http://schemas.microsoft.com/office/drawing/2014/main" val="2297429349"/>
+                        </a:ext>
+                      </a:extLst>
+                    </a:gridCol>
+                    <a:gridCol w="1206685">
+                      <a:extLst>
+                        <a:ext uri="{9D8B030D-6E8A-4147-A177-3AD203B41FA5}">
+                          <a16:colId xmlns:a16="http://schemas.microsoft.com/office/drawing/2014/main" val="1337358672"/>
+                        </a:ext>
+                      </a:extLst>
+                    </a:gridCol>
+                    <a:gridCol w="1275907">
+                      <a:extLst>
+                        <a:ext uri="{9D8B030D-6E8A-4147-A177-3AD203B41FA5}">
+                          <a16:colId xmlns:a16="http://schemas.microsoft.com/office/drawing/2014/main" val="1757071119"/>
+                        </a:ext>
+                      </a:extLst>
+                    </a:gridCol>
+                    <a:gridCol w="1402569">
+                      <a:extLst>
+                        <a:ext uri="{9D8B030D-6E8A-4147-A177-3AD203B41FA5}">
+                          <a16:colId xmlns:a16="http://schemas.microsoft.com/office/drawing/2014/main" val="830366366"/>
+                        </a:ext>
+                      </a:extLst>
+                    </a:gridCol>
+                    <a:gridCol w="1850996">
+                      <a:extLst>
+                        <a:ext uri="{9D8B030D-6E8A-4147-A177-3AD203B41FA5}">
+                          <a16:colId xmlns:a16="http://schemas.microsoft.com/office/drawing/2014/main" val="2765552350"/>
+                        </a:ext>
+                      </a:extLst>
+                    </a:gridCol>
+                  </a:tblGrid>
+                  <a:tr h="779545">
+                    <a:tc>
+                      <a:txBody>
+                        <a:bodyPr/>
+                        <a:lstStyle/>
+                        <a:p>
+                          <a:pPr algn="ctr"/>
+                          <a:r>
+                            <a:rPr lang="en-IN" sz="1600" noProof="0" dirty="0"/>
+                            <a:t>x</a:t>
+                          </a:r>
+                        </a:p>
+                      </a:txBody>
+                      <a:tcPr/>
+                    </a:tc>
+                    <a:tc>
+                      <a:txBody>
+                        <a:bodyPr/>
+                        <a:lstStyle/>
+                        <a:p>
+                          <a:pPr algn="ctr"/>
+                          <a:r>
+                            <a:rPr lang="en-IN" sz="1600" noProof="0" dirty="0"/>
+                            <a:t>Y (Actual)</a:t>
+                          </a:r>
+                        </a:p>
+                      </a:txBody>
+                      <a:tcPr/>
+                    </a:tc>
+                    <a:tc>
+                      <a:txBody>
+                        <a:bodyPr/>
+                        <a:lstStyle/>
+                        <a:p>
+                          <a:endParaRPr lang="en-US"/>
+                        </a:p>
+                      </a:txBody>
+                      <a:tcPr>
+                        <a:blipFill>
+                          <a:blip r:embed="rId3"/>
+                          <a:stretch>
+                            <a:fillRect l="-163333" t="-1563" r="-256190" b="-483594"/>
+                          </a:stretch>
+                        </a:blipFill>
+                      </a:tcPr>
+                    </a:tc>
+                    <a:tc>
+                      <a:txBody>
+                        <a:bodyPr/>
+                        <a:lstStyle/>
+                        <a:p>
+                          <a:endParaRPr lang="en-US"/>
+                        </a:p>
+                      </a:txBody>
+                      <a:tcPr>
+                        <a:blipFill>
+                          <a:blip r:embed="rId3"/>
+                          <a:stretch>
+                            <a:fillRect l="-240435" t="-1563" r="-133913" b="-483594"/>
+                          </a:stretch>
+                        </a:blipFill>
+                      </a:tcPr>
+                    </a:tc>
+                    <a:tc>
+                      <a:txBody>
+                        <a:bodyPr/>
+                        <a:lstStyle/>
+                        <a:p>
+                          <a:endParaRPr lang="en-US"/>
+                        </a:p>
+                      </a:txBody>
+                      <a:tcPr>
+                        <a:blipFill>
+                          <a:blip r:embed="rId3"/>
+                          <a:stretch>
+                            <a:fillRect l="-257566" t="-1563" r="-1316" b="-483594"/>
+                          </a:stretch>
+                        </a:blipFill>
+                      </a:tcPr>
+                    </a:tc>
+                    <a:extLst>
+                      <a:ext uri="{0D108BD9-81ED-4DB2-BD59-A6C34878D82A}">
+                        <a16:rowId xmlns:a16="http://schemas.microsoft.com/office/drawing/2014/main" val="375836248"/>
+                      </a:ext>
+                    </a:extLst>
+                  </a:tr>
+                  <a:tr h="335280">
+                    <a:tc>
+                      <a:txBody>
+                        <a:bodyPr/>
+                        <a:lstStyle/>
+                        <a:p>
+                          <a:pPr algn="ctr"/>
+                          <a:r>
+                            <a:rPr lang="en-IN" sz="1600" noProof="0" dirty="0"/>
+                            <a:t>10</a:t>
+                          </a:r>
+                        </a:p>
+                      </a:txBody>
+                      <a:tcPr/>
+                    </a:tc>
+                    <a:tc>
+                      <a:txBody>
+                        <a:bodyPr/>
+                        <a:lstStyle/>
+                        <a:p>
+                          <a:pPr algn="ctr"/>
+                          <a:r>
+                            <a:rPr lang="en-IN" sz="1600" noProof="0" dirty="0"/>
+                            <a:t>10</a:t>
+                          </a:r>
+                        </a:p>
+                      </a:txBody>
+                      <a:tcPr/>
+                    </a:tc>
+                    <a:tc>
+                      <a:txBody>
+                        <a:bodyPr/>
+                        <a:lstStyle/>
+                        <a:p>
+                          <a:pPr algn="ctr"/>
+                          <a:r>
+                            <a:rPr lang="en-IN" sz="1600" noProof="0" dirty="0"/>
+                            <a:t>16</a:t>
+                          </a:r>
+                        </a:p>
+                      </a:txBody>
+                      <a:tcPr/>
+                    </a:tc>
+                    <a:tc>
+                      <a:txBody>
+                        <a:bodyPr/>
+                        <a:lstStyle/>
+                        <a:p>
+                          <a:pPr algn="ctr"/>
+                          <a:r>
+                            <a:rPr lang="en-IN" sz="1600" noProof="0" dirty="0"/>
+                            <a:t>6</a:t>
+                          </a:r>
+                        </a:p>
+                      </a:txBody>
+                      <a:tcPr/>
+                    </a:tc>
+                    <a:tc>
+                      <a:txBody>
+                        <a:bodyPr/>
+                        <a:lstStyle/>
+                        <a:p>
+                          <a:pPr algn="ctr"/>
+                          <a:r>
+                            <a:rPr lang="en-IN" sz="1600" noProof="0" dirty="0"/>
+                            <a:t>36</a:t>
+                          </a:r>
+                        </a:p>
+                      </a:txBody>
+                      <a:tcPr/>
+                    </a:tc>
+                    <a:extLst>
+                      <a:ext uri="{0D108BD9-81ED-4DB2-BD59-A6C34878D82A}">
+                        <a16:rowId xmlns:a16="http://schemas.microsoft.com/office/drawing/2014/main" val="330859248"/>
+                      </a:ext>
+                    </a:extLst>
+                  </a:tr>
+                  <a:tr h="335280">
+                    <a:tc>
+                      <a:txBody>
+                        <a:bodyPr/>
+                        <a:lstStyle/>
+                        <a:p>
+                          <a:pPr algn="ctr"/>
+                          <a:r>
+                            <a:rPr lang="en-IN" sz="1600" noProof="0" dirty="0"/>
+                            <a:t>20</a:t>
+                          </a:r>
+                        </a:p>
+                      </a:txBody>
+                      <a:tcPr/>
+                    </a:tc>
+                    <a:tc>
+                      <a:txBody>
+                        <a:bodyPr/>
+                        <a:lstStyle/>
+                        <a:p>
+                          <a:pPr algn="ctr"/>
+                          <a:r>
+                            <a:rPr lang="en-IN" sz="1600" noProof="0" dirty="0"/>
+                            <a:t>25</a:t>
+                          </a:r>
+                        </a:p>
+                      </a:txBody>
+                      <a:tcPr/>
+                    </a:tc>
+                    <a:tc>
+                      <a:txBody>
+                        <a:bodyPr/>
+                        <a:lstStyle/>
+                        <a:p>
+                          <a:pPr algn="ctr"/>
+                          <a:r>
+                            <a:rPr lang="en-IN" sz="1600" noProof="0" dirty="0"/>
+                            <a:t>20</a:t>
+                          </a:r>
+                        </a:p>
+                      </a:txBody>
+                      <a:tcPr/>
+                    </a:tc>
+                    <a:tc>
+                      <a:txBody>
+                        <a:bodyPr/>
+                        <a:lstStyle/>
+                        <a:p>
+                          <a:pPr algn="ctr"/>
+                          <a:r>
+                            <a:rPr lang="en-IN" sz="1600" noProof="0" dirty="0"/>
+                            <a:t>5</a:t>
+                          </a:r>
+                        </a:p>
+                      </a:txBody>
+                      <a:tcPr/>
+                    </a:tc>
+                    <a:tc>
+                      <a:txBody>
+                        <a:bodyPr/>
+                        <a:lstStyle/>
+                        <a:p>
+                          <a:pPr algn="ctr"/>
+                          <a:r>
+                            <a:rPr lang="en-IN" sz="1600" noProof="0" dirty="0"/>
+                            <a:t>25</a:t>
+                          </a:r>
+                        </a:p>
+                      </a:txBody>
+                      <a:tcPr/>
+                    </a:tc>
+                    <a:extLst>
+                      <a:ext uri="{0D108BD9-81ED-4DB2-BD59-A6C34878D82A}">
+                        <a16:rowId xmlns:a16="http://schemas.microsoft.com/office/drawing/2014/main" val="1088471177"/>
+                      </a:ext>
+                    </a:extLst>
+                  </a:tr>
+                  <a:tr h="335280">
+                    <a:tc>
+                      <a:txBody>
+                        <a:bodyPr/>
+                        <a:lstStyle/>
+                        <a:p>
+                          <a:pPr algn="ctr"/>
+                          <a:r>
+                            <a:rPr lang="en-IN" sz="1600" noProof="0" dirty="0"/>
+                            <a:t>30</a:t>
+                          </a:r>
+                        </a:p>
+                      </a:txBody>
+                      <a:tcPr/>
+                    </a:tc>
+                    <a:tc>
+                      <a:txBody>
+                        <a:bodyPr/>
+                        <a:lstStyle/>
+                        <a:p>
+                          <a:pPr algn="ctr"/>
+                          <a:r>
+                            <a:rPr lang="en-IN" sz="1600" noProof="0" dirty="0"/>
+                            <a:t>20</a:t>
+                          </a:r>
+                        </a:p>
+                      </a:txBody>
+                      <a:tcPr/>
+                    </a:tc>
+                    <a:tc>
+                      <a:txBody>
+                        <a:bodyPr/>
+                        <a:lstStyle/>
+                        <a:p>
+                          <a:pPr algn="ctr"/>
+                          <a:r>
+                            <a:rPr lang="en-IN" sz="1600" noProof="0" dirty="0"/>
+                            <a:t>24</a:t>
+                          </a:r>
+                        </a:p>
+                      </a:txBody>
+                      <a:tcPr/>
+                    </a:tc>
+                    <a:tc>
+                      <a:txBody>
+                        <a:bodyPr/>
+                        <a:lstStyle/>
+                        <a:p>
+                          <a:pPr algn="ctr"/>
+                          <a:r>
+                            <a:rPr lang="en-IN" sz="1600" noProof="0" dirty="0"/>
+                            <a:t>4</a:t>
+                          </a:r>
+                        </a:p>
+                      </a:txBody>
+                      <a:tcPr/>
+                    </a:tc>
+                    <a:tc>
+                      <a:txBody>
+                        <a:bodyPr/>
+                        <a:lstStyle/>
+                        <a:p>
+                          <a:pPr algn="ctr"/>
+                          <a:r>
+                            <a:rPr lang="en-IN" sz="1600" noProof="0" dirty="0"/>
+                            <a:t>16</a:t>
+                          </a:r>
+                        </a:p>
+                      </a:txBody>
+                      <a:tcPr/>
+                    </a:tc>
+                    <a:extLst>
+                      <a:ext uri="{0D108BD9-81ED-4DB2-BD59-A6C34878D82A}">
+                        <a16:rowId xmlns:a16="http://schemas.microsoft.com/office/drawing/2014/main" val="1625659414"/>
+                      </a:ext>
+                    </a:extLst>
+                  </a:tr>
+                  <a:tr h="335280">
+                    <a:tc>
+                      <a:txBody>
+                        <a:bodyPr/>
+                        <a:lstStyle/>
+                        <a:p>
+                          <a:pPr algn="ctr"/>
+                          <a:r>
+                            <a:rPr lang="en-IN" sz="1600" noProof="0" dirty="0"/>
+                            <a:t>35</a:t>
+                          </a:r>
+                        </a:p>
+                      </a:txBody>
+                      <a:tcPr/>
+                    </a:tc>
+                    <a:tc>
+                      <a:txBody>
+                        <a:bodyPr/>
+                        <a:lstStyle/>
+                        <a:p>
+                          <a:pPr algn="ctr"/>
+                          <a:r>
+                            <a:rPr lang="en-IN" sz="1600" noProof="0" dirty="0"/>
+                            <a:t>30</a:t>
+                          </a:r>
+                        </a:p>
+                      </a:txBody>
+                      <a:tcPr/>
+                    </a:tc>
+                    <a:tc>
+                      <a:txBody>
+                        <a:bodyPr/>
+                        <a:lstStyle/>
+                        <a:p>
+                          <a:pPr algn="ctr"/>
+                          <a:r>
+                            <a:rPr lang="en-IN" sz="1600" noProof="0" dirty="0"/>
+                            <a:t>26</a:t>
+                          </a:r>
+                        </a:p>
+                      </a:txBody>
+                      <a:tcPr/>
+                    </a:tc>
+                    <a:tc>
+                      <a:txBody>
+                        <a:bodyPr/>
+                        <a:lstStyle/>
+                        <a:p>
+                          <a:pPr algn="ctr"/>
+                          <a:r>
+                            <a:rPr lang="en-IN" sz="1600" noProof="0" dirty="0"/>
+                            <a:t>4</a:t>
+                          </a:r>
+                        </a:p>
+                      </a:txBody>
+                      <a:tcPr/>
+                    </a:tc>
+                    <a:tc>
+                      <a:txBody>
+                        <a:bodyPr/>
+                        <a:lstStyle/>
+                        <a:p>
+                          <a:pPr algn="ctr"/>
+                          <a:r>
+                            <a:rPr lang="en-IN" sz="1600" noProof="0" dirty="0"/>
+                            <a:t>16</a:t>
+                          </a:r>
+                        </a:p>
+                      </a:txBody>
+                      <a:tcPr/>
+                    </a:tc>
+                    <a:extLst>
+                      <a:ext uri="{0D108BD9-81ED-4DB2-BD59-A6C34878D82A}">
+                        <a16:rowId xmlns:a16="http://schemas.microsoft.com/office/drawing/2014/main" val="2191306571"/>
+                      </a:ext>
+                    </a:extLst>
+                  </a:tr>
+                  <a:tr h="335280">
+                    <a:tc>
+                      <a:txBody>
+                        <a:bodyPr/>
+                        <a:lstStyle/>
+                        <a:p>
+                          <a:pPr algn="ctr"/>
+                          <a:r>
+                            <a:rPr lang="en-IN" sz="1600" noProof="0" dirty="0"/>
+                            <a:t>40</a:t>
+                          </a:r>
+                        </a:p>
+                      </a:txBody>
+                      <a:tcPr/>
+                    </a:tc>
+                    <a:tc>
+                      <a:txBody>
+                        <a:bodyPr/>
+                        <a:lstStyle/>
+                        <a:p>
+                          <a:pPr algn="ctr"/>
+                          <a:r>
+                            <a:rPr lang="en-IN" sz="1600" noProof="0" dirty="0"/>
+                            <a:t>40</a:t>
+                          </a:r>
+                        </a:p>
+                      </a:txBody>
+                      <a:tcPr/>
+                    </a:tc>
+                    <a:tc>
+                      <a:txBody>
+                        <a:bodyPr/>
+                        <a:lstStyle/>
+                        <a:p>
+                          <a:pPr algn="ctr"/>
+                          <a:r>
+                            <a:rPr lang="en-IN" sz="1600" noProof="0" dirty="0"/>
+                            <a:t>28</a:t>
+                          </a:r>
+                        </a:p>
+                      </a:txBody>
+                      <a:tcPr/>
+                    </a:tc>
+                    <a:tc>
+                      <a:txBody>
+                        <a:bodyPr/>
+                        <a:lstStyle/>
+                        <a:p>
+                          <a:pPr algn="ctr"/>
+                          <a:r>
+                            <a:rPr lang="en-IN" sz="1600" noProof="0" dirty="0"/>
+                            <a:t>12</a:t>
+                          </a:r>
+                        </a:p>
+                      </a:txBody>
+                      <a:tcPr/>
+                    </a:tc>
+                    <a:tc>
+                      <a:txBody>
+                        <a:bodyPr/>
+                        <a:lstStyle/>
+                        <a:p>
+                          <a:pPr algn="ctr"/>
+                          <a:r>
+                            <a:rPr lang="en-IN" sz="1600" noProof="0" dirty="0"/>
+                            <a:t>144</a:t>
+                          </a:r>
+                        </a:p>
+                      </a:txBody>
+                      <a:tcPr/>
+                    </a:tc>
+                    <a:extLst>
+                      <a:ext uri="{0D108BD9-81ED-4DB2-BD59-A6C34878D82A}">
+                        <a16:rowId xmlns:a16="http://schemas.microsoft.com/office/drawing/2014/main" val="2375024489"/>
+                      </a:ext>
+                    </a:extLst>
+                  </a:tr>
+                  <a:tr h="335280">
+                    <a:tc>
+                      <a:txBody>
+                        <a:bodyPr/>
+                        <a:lstStyle/>
+                        <a:p>
+                          <a:pPr algn="ctr"/>
+                          <a:r>
+                            <a:rPr lang="en-IN" sz="1600" noProof="0" dirty="0"/>
+                            <a:t>50</a:t>
+                          </a:r>
+                        </a:p>
+                      </a:txBody>
+                      <a:tcPr/>
+                    </a:tc>
+                    <a:tc>
+                      <a:txBody>
+                        <a:bodyPr/>
+                        <a:lstStyle/>
+                        <a:p>
+                          <a:pPr algn="ctr"/>
+                          <a:r>
+                            <a:rPr lang="en-IN" sz="1600" noProof="0" dirty="0"/>
+                            <a:t>15</a:t>
+                          </a:r>
+                        </a:p>
+                      </a:txBody>
+                      <a:tcPr/>
+                    </a:tc>
+                    <a:tc>
+                      <a:txBody>
+                        <a:bodyPr/>
+                        <a:lstStyle/>
+                        <a:p>
+                          <a:pPr algn="ctr"/>
+                          <a:r>
+                            <a:rPr lang="en-IN" sz="1600" noProof="0" dirty="0"/>
+                            <a:t>32</a:t>
+                          </a:r>
+                        </a:p>
+                      </a:txBody>
+                      <a:tcPr/>
+                    </a:tc>
+                    <a:tc>
+                      <a:txBody>
+                        <a:bodyPr/>
+                        <a:lstStyle/>
+                        <a:p>
+                          <a:pPr algn="ctr"/>
+                          <a:r>
+                            <a:rPr lang="en-IN" sz="1600" noProof="0" dirty="0"/>
+                            <a:t>17</a:t>
+                          </a:r>
+                        </a:p>
+                      </a:txBody>
+                      <a:tcPr/>
+                    </a:tc>
+                    <a:tc>
+                      <a:txBody>
+                        <a:bodyPr/>
+                        <a:lstStyle/>
+                        <a:p>
+                          <a:pPr algn="ctr"/>
+                          <a:r>
+                            <a:rPr lang="en-IN" sz="1600" noProof="0" dirty="0"/>
+                            <a:t>289</a:t>
+                          </a:r>
+                        </a:p>
+                      </a:txBody>
+                      <a:tcPr/>
+                    </a:tc>
+                    <a:extLst>
+                      <a:ext uri="{0D108BD9-81ED-4DB2-BD59-A6C34878D82A}">
+                        <a16:rowId xmlns:a16="http://schemas.microsoft.com/office/drawing/2014/main" val="2374833442"/>
+                      </a:ext>
+                    </a:extLst>
+                  </a:tr>
+                  <a:tr h="335280">
+                    <a:tc>
+                      <a:txBody>
+                        <a:bodyPr/>
+                        <a:lstStyle/>
+                        <a:p>
+                          <a:pPr algn="ctr"/>
+                          <a:r>
+                            <a:rPr lang="en-IN" sz="1600" noProof="0" dirty="0"/>
+                            <a:t>60</a:t>
+                          </a:r>
+                        </a:p>
+                      </a:txBody>
+                      <a:tcPr/>
+                    </a:tc>
+                    <a:tc>
+                      <a:txBody>
+                        <a:bodyPr/>
+                        <a:lstStyle/>
+                        <a:p>
+                          <a:pPr algn="ctr"/>
+                          <a:r>
+                            <a:rPr lang="en-IN" sz="1600" noProof="0" dirty="0"/>
+                            <a:t>40</a:t>
+                          </a:r>
+                        </a:p>
+                      </a:txBody>
+                      <a:tcPr/>
+                    </a:tc>
+                    <a:tc>
+                      <a:txBody>
+                        <a:bodyPr/>
+                        <a:lstStyle/>
+                        <a:p>
+                          <a:pPr algn="ctr"/>
+                          <a:r>
+                            <a:rPr lang="en-IN" sz="1600" noProof="0" dirty="0"/>
+                            <a:t>36</a:t>
+                          </a:r>
+                        </a:p>
+                      </a:txBody>
+                      <a:tcPr/>
+                    </a:tc>
+                    <a:tc>
+                      <a:txBody>
+                        <a:bodyPr/>
+                        <a:lstStyle/>
+                        <a:p>
+                          <a:pPr algn="ctr"/>
+                          <a:r>
+                            <a:rPr lang="en-IN" sz="1600" noProof="0" dirty="0"/>
+                            <a:t>4</a:t>
+                          </a:r>
+                        </a:p>
+                      </a:txBody>
+                      <a:tcPr/>
+                    </a:tc>
+                    <a:tc>
+                      <a:txBody>
+                        <a:bodyPr/>
+                        <a:lstStyle/>
+                        <a:p>
+                          <a:pPr algn="ctr"/>
+                          <a:r>
+                            <a:rPr lang="en-IN" sz="1600" noProof="0" dirty="0"/>
+                            <a:t>16</a:t>
+                          </a:r>
+                        </a:p>
+                      </a:txBody>
+                      <a:tcPr/>
+                    </a:tc>
+                    <a:extLst>
+                      <a:ext uri="{0D108BD9-81ED-4DB2-BD59-A6C34878D82A}">
+                        <a16:rowId xmlns:a16="http://schemas.microsoft.com/office/drawing/2014/main" val="2662212881"/>
+                      </a:ext>
+                    </a:extLst>
+                  </a:tr>
+                  <a:tr h="335280">
+                    <a:tc>
+                      <a:txBody>
+                        <a:bodyPr/>
+                        <a:lstStyle/>
+                        <a:p>
+                          <a:pPr algn="ctr"/>
+                          <a:r>
+                            <a:rPr lang="en-IN" sz="1600" noProof="0" dirty="0"/>
+                            <a:t>65</a:t>
+                          </a:r>
+                        </a:p>
+                      </a:txBody>
+                      <a:tcPr/>
+                    </a:tc>
+                    <a:tc>
+                      <a:txBody>
+                        <a:bodyPr/>
+                        <a:lstStyle/>
+                        <a:p>
+                          <a:pPr algn="ctr"/>
+                          <a:r>
+                            <a:rPr lang="en-IN" sz="1600" noProof="0" dirty="0"/>
+                            <a:t>30</a:t>
+                          </a:r>
+                        </a:p>
+                      </a:txBody>
+                      <a:tcPr/>
+                    </a:tc>
+                    <a:tc>
+                      <a:txBody>
+                        <a:bodyPr/>
+                        <a:lstStyle/>
+                        <a:p>
+                          <a:pPr algn="ctr"/>
+                          <a:r>
+                            <a:rPr lang="en-IN" sz="1600" noProof="0" dirty="0"/>
+                            <a:t>38</a:t>
+                          </a:r>
+                        </a:p>
+                      </a:txBody>
+                      <a:tcPr/>
+                    </a:tc>
+                    <a:tc>
+                      <a:txBody>
+                        <a:bodyPr/>
+                        <a:lstStyle/>
+                        <a:p>
+                          <a:pPr algn="ctr"/>
+                          <a:r>
+                            <a:rPr lang="en-IN" sz="1600" noProof="0" dirty="0"/>
+                            <a:t>8</a:t>
+                          </a:r>
+                        </a:p>
+                      </a:txBody>
+                      <a:tcPr/>
+                    </a:tc>
+                    <a:tc>
+                      <a:txBody>
+                        <a:bodyPr/>
+                        <a:lstStyle/>
+                        <a:p>
+                          <a:pPr algn="ctr"/>
+                          <a:r>
+                            <a:rPr lang="en-IN" sz="1600" noProof="0" dirty="0"/>
+                            <a:t>64</a:t>
+                          </a:r>
+                        </a:p>
+                      </a:txBody>
+                      <a:tcPr/>
+                    </a:tc>
+                    <a:extLst>
+                      <a:ext uri="{0D108BD9-81ED-4DB2-BD59-A6C34878D82A}">
+                        <a16:rowId xmlns:a16="http://schemas.microsoft.com/office/drawing/2014/main" val="4272864123"/>
+                      </a:ext>
+                    </a:extLst>
+                  </a:tr>
+                  <a:tr h="335280">
+                    <a:tc>
+                      <a:txBody>
+                        <a:bodyPr/>
+                        <a:lstStyle/>
+                        <a:p>
+                          <a:pPr algn="ctr"/>
+                          <a:r>
+                            <a:rPr lang="en-IN" sz="1600" noProof="0" dirty="0"/>
+                            <a:t>70</a:t>
+                          </a:r>
+                        </a:p>
+                      </a:txBody>
+                      <a:tcPr/>
+                    </a:tc>
+                    <a:tc>
+                      <a:txBody>
+                        <a:bodyPr/>
+                        <a:lstStyle/>
+                        <a:p>
+                          <a:pPr algn="ctr"/>
+                          <a:r>
+                            <a:rPr lang="en-IN" sz="1600" noProof="0" dirty="0"/>
+                            <a:t>50</a:t>
+                          </a:r>
+                        </a:p>
+                      </a:txBody>
+                      <a:tcPr/>
+                    </a:tc>
+                    <a:tc>
+                      <a:txBody>
+                        <a:bodyPr/>
+                        <a:lstStyle/>
+                        <a:p>
+                          <a:pPr algn="ctr"/>
+                          <a:r>
+                            <a:rPr lang="en-IN" sz="1600" noProof="0" dirty="0"/>
+                            <a:t>40</a:t>
+                          </a:r>
+                        </a:p>
+                      </a:txBody>
+                      <a:tcPr/>
+                    </a:tc>
+                    <a:tc>
+                      <a:txBody>
+                        <a:bodyPr/>
+                        <a:lstStyle/>
+                        <a:p>
+                          <a:pPr algn="ctr"/>
+                          <a:r>
+                            <a:rPr lang="en-IN" sz="1600" noProof="0" dirty="0"/>
+                            <a:t>10</a:t>
+                          </a:r>
+                        </a:p>
+                      </a:txBody>
+                      <a:tcPr/>
+                    </a:tc>
+                    <a:tc>
+                      <a:txBody>
+                        <a:bodyPr/>
+                        <a:lstStyle/>
+                        <a:p>
+                          <a:pPr algn="ctr"/>
+                          <a:r>
+                            <a:rPr lang="en-IN" sz="1600" noProof="0" dirty="0"/>
+                            <a:t>100</a:t>
+                          </a:r>
+                        </a:p>
+                      </a:txBody>
+                      <a:tcPr/>
+                    </a:tc>
+                    <a:extLst>
+                      <a:ext uri="{0D108BD9-81ED-4DB2-BD59-A6C34878D82A}">
+                        <a16:rowId xmlns:a16="http://schemas.microsoft.com/office/drawing/2014/main" val="778314671"/>
+                      </a:ext>
+                    </a:extLst>
+                  </a:tr>
+                  <a:tr h="335280">
+                    <a:tc>
+                      <a:txBody>
+                        <a:bodyPr/>
+                        <a:lstStyle/>
+                        <a:p>
+                          <a:pPr algn="ctr"/>
+                          <a:r>
+                            <a:rPr lang="en-IN" sz="1600" noProof="0" dirty="0"/>
+                            <a:t>80</a:t>
+                          </a:r>
+                        </a:p>
+                      </a:txBody>
+                      <a:tcPr/>
+                    </a:tc>
+                    <a:tc>
+                      <a:txBody>
+                        <a:bodyPr/>
+                        <a:lstStyle/>
+                        <a:p>
+                          <a:pPr algn="ctr"/>
+                          <a:r>
+                            <a:rPr lang="en-IN" sz="1600" noProof="0" dirty="0"/>
+                            <a:t>40</a:t>
+                          </a:r>
+                        </a:p>
+                      </a:txBody>
+                      <a:tcPr/>
+                    </a:tc>
+                    <a:tc>
+                      <a:txBody>
+                        <a:bodyPr/>
+                        <a:lstStyle/>
+                        <a:p>
+                          <a:pPr algn="ctr"/>
+                          <a:r>
+                            <a:rPr lang="en-IN" sz="1600" noProof="0" dirty="0"/>
+                            <a:t>44</a:t>
+                          </a:r>
+                        </a:p>
+                      </a:txBody>
+                      <a:tcPr/>
+                    </a:tc>
+                    <a:tc>
+                      <a:txBody>
+                        <a:bodyPr/>
+                        <a:lstStyle/>
+                        <a:p>
+                          <a:pPr algn="ctr"/>
+                          <a:r>
+                            <a:rPr lang="en-IN" sz="1600" noProof="0" dirty="0"/>
+                            <a:t>4</a:t>
+                          </a:r>
+                        </a:p>
+                      </a:txBody>
+                      <a:tcPr/>
+                    </a:tc>
+                    <a:tc>
+                      <a:txBody>
+                        <a:bodyPr/>
+                        <a:lstStyle/>
+                        <a:p>
+                          <a:pPr algn="ctr"/>
+                          <a:r>
+                            <a:rPr lang="en-IN" sz="1600" noProof="0" dirty="0"/>
+                            <a:t>16</a:t>
+                          </a:r>
+                        </a:p>
+                      </a:txBody>
+                      <a:tcPr/>
+                    </a:tc>
+                    <a:extLst>
+                      <a:ext uri="{0D108BD9-81ED-4DB2-BD59-A6C34878D82A}">
+                        <a16:rowId xmlns:a16="http://schemas.microsoft.com/office/drawing/2014/main" val="2188934142"/>
+                      </a:ext>
+                    </a:extLst>
+                  </a:tr>
+                  <a:tr h="335280">
+                    <a:tc>
+                      <a:txBody>
+                        <a:bodyPr/>
+                        <a:lstStyle/>
+                        <a:p>
+                          <a:pPr algn="ctr"/>
+                          <a:r>
+                            <a:rPr lang="en-IN" sz="1600" b="1" noProof="0" dirty="0"/>
+                            <a:t>Total</a:t>
+                          </a:r>
+                        </a:p>
+                      </a:txBody>
+                      <a:tcPr/>
+                    </a:tc>
+                    <a:tc>
+                      <a:txBody>
+                        <a:bodyPr/>
+                        <a:lstStyle/>
+                        <a:p>
+                          <a:pPr algn="ctr"/>
+                          <a:r>
+                            <a:rPr lang="en-IN" sz="1600" b="1" noProof="0" dirty="0"/>
+                            <a:t>NA</a:t>
+                          </a:r>
+                        </a:p>
+                      </a:txBody>
+                      <a:tcPr/>
+                    </a:tc>
+                    <a:tc>
+                      <a:txBody>
+                        <a:bodyPr/>
+                        <a:lstStyle/>
+                        <a:p>
+                          <a:pPr algn="ctr"/>
+                          <a:r>
+                            <a:rPr lang="en-IN" sz="1600" b="1" noProof="0" dirty="0"/>
+                            <a:t>NA</a:t>
+                          </a:r>
+                        </a:p>
+                      </a:txBody>
+                      <a:tcPr/>
+                    </a:tc>
+                    <a:tc>
+                      <a:txBody>
+                        <a:bodyPr/>
+                        <a:lstStyle/>
+                        <a:p>
+                          <a:pPr algn="ctr"/>
+                          <a:r>
+                            <a:rPr lang="en-IN" sz="1600" b="1" noProof="0" dirty="0"/>
+                            <a:t>74</a:t>
+                          </a:r>
+                        </a:p>
+                      </a:txBody>
+                      <a:tcPr/>
+                    </a:tc>
+                    <a:tc>
+                      <a:txBody>
+                        <a:bodyPr/>
+                        <a:lstStyle/>
+                        <a:p>
+                          <a:pPr algn="ctr"/>
+                          <a:r>
+                            <a:rPr lang="en-IN" sz="1600" b="1" noProof="0" dirty="0"/>
+                            <a:t>722 (SSE)</a:t>
+                          </a:r>
+                        </a:p>
+                      </a:txBody>
+                      <a:tcPr/>
+                    </a:tc>
+                    <a:extLst>
+                      <a:ext uri="{0D108BD9-81ED-4DB2-BD59-A6C34878D82A}">
+                        <a16:rowId xmlns:a16="http://schemas.microsoft.com/office/drawing/2014/main" val="3293582667"/>
+                      </a:ext>
+                    </a:extLst>
+                  </a:tr>
+                </a:tbl>
+              </a:graphicData>
+            </a:graphic>
+          </p:graphicFrame>
+        </mc:Fallback>
+      </mc:AlternateContent>
+      <mc:AlternateContent xmlns:mc="http://schemas.openxmlformats.org/markup-compatibility/2006" xmlns:a14="http://schemas.microsoft.com/office/drawing/2010/main">
+        <mc:Choice Requires="a14">
+          <p:sp>
+            <p:nvSpPr>
+              <p:cNvPr id="5" name="TextBox 4">
+                <a:extLst>
+                  <a:ext uri="{FF2B5EF4-FFF2-40B4-BE49-F238E27FC236}">
+                    <a16:creationId xmlns:a16="http://schemas.microsoft.com/office/drawing/2014/main" id="{333DCF0E-2AB0-3085-EC21-F201B741B172}"/>
+                  </a:ext>
+                </a:extLst>
+              </p:cNvPr>
+              <p:cNvSpPr txBox="1"/>
+              <p:nvPr/>
+            </p:nvSpPr>
+            <p:spPr>
+              <a:xfrm>
+                <a:off x="5550195" y="4699480"/>
+                <a:ext cx="6347638" cy="1477649"/>
+              </a:xfrm>
+              <a:prstGeom prst="rect">
+                <a:avLst/>
+              </a:prstGeom>
+              <a:solidFill>
+                <a:schemeClr val="accent4">
+                  <a:lumMod val="20000"/>
+                  <a:lumOff val="80000"/>
+                </a:schemeClr>
+              </a:solidFill>
+            </p:spPr>
+            <p:txBody>
+              <a:bodyPr wrap="square" rtlCol="0">
+                <a:spAutoFit/>
+              </a:bodyPr>
+              <a:lstStyle/>
+              <a:p>
+                <a:r>
+                  <a:rPr lang="en-IN" noProof="0" dirty="0"/>
+                  <a:t>*TSS = Total Sum of Squares </a:t>
+                </a:r>
+              </a:p>
+              <a:p>
+                <a:r>
+                  <a:rPr lang="en-IN" noProof="0" dirty="0"/>
+                  <a:t>Total distance between each y value and mean of y, squared) </a:t>
+                </a:r>
+              </a:p>
+              <a:p>
+                <a:endParaRPr lang="en-IN" noProof="0" dirty="0"/>
+              </a:p>
+              <a:p>
+                <a:r>
+                  <a:rPr lang="en-IN" noProof="0" dirty="0"/>
+                  <a:t>= </a:t>
+                </a:r>
+                <a14:m>
+                  <m:oMath xmlns:m="http://schemas.openxmlformats.org/officeDocument/2006/math">
+                    <m:nary>
+                      <m:naryPr>
+                        <m:chr m:val="∑"/>
+                        <m:supHide m:val="on"/>
+                        <m:ctrlPr>
+                          <a:rPr lang="en-IN" i="1" noProof="0">
+                            <a:latin typeface="Cambria Math" panose="02040503050406030204" pitchFamily="18" charset="0"/>
+                          </a:rPr>
+                        </m:ctrlPr>
+                      </m:naryPr>
+                      <m:sub>
+                        <m:r>
+                          <m:rPr>
+                            <m:brk m:alnAt="7"/>
+                          </m:rPr>
+                          <a:rPr lang="en-IN" i="1" noProof="0">
+                            <a:latin typeface="Cambria Math" panose="02040503050406030204" pitchFamily="18" charset="0"/>
+                          </a:rPr>
+                          <m:t>𝑖</m:t>
+                        </m:r>
+                      </m:sub>
+                      <m:sup/>
+                      <m:e>
+                        <m:d>
+                          <m:dPr>
+                            <m:ctrlPr>
+                              <a:rPr lang="en-IN" i="1" noProof="0">
+                                <a:latin typeface="Cambria Math" panose="02040503050406030204" pitchFamily="18" charset="0"/>
+                              </a:rPr>
+                            </m:ctrlPr>
+                          </m:dPr>
+                          <m:e>
+                            <m:r>
+                              <a:rPr lang="en-IN" i="1" noProof="0">
+                                <a:latin typeface="Cambria Math" panose="02040503050406030204" pitchFamily="18" charset="0"/>
+                              </a:rPr>
+                              <m:t>𝑦</m:t>
+                            </m:r>
+                            <m:r>
+                              <a:rPr lang="en-IN" i="1" baseline="-25000" noProof="0">
+                                <a:latin typeface="Cambria Math" panose="02040503050406030204" pitchFamily="18" charset="0"/>
+                              </a:rPr>
+                              <m:t>𝑖</m:t>
+                            </m:r>
+                            <m:r>
+                              <a:rPr lang="en-IN" i="1" noProof="0">
+                                <a:latin typeface="Cambria Math" panose="02040503050406030204" pitchFamily="18" charset="0"/>
+                              </a:rPr>
+                              <m:t> − </m:t>
+                            </m:r>
+                            <m:acc>
+                              <m:accPr>
+                                <m:chr m:val="̅"/>
+                                <m:ctrlPr>
+                                  <a:rPr lang="en-IN" i="1" noProof="0">
+                                    <a:solidFill>
+                                      <a:srgbClr val="836967"/>
+                                    </a:solidFill>
+                                    <a:latin typeface="Cambria Math" panose="02040503050406030204" pitchFamily="18" charset="0"/>
+                                  </a:rPr>
+                                </m:ctrlPr>
+                              </m:accPr>
+                              <m:e>
+                                <m:r>
+                                  <a:rPr lang="en-IN" i="1" noProof="0">
+                                    <a:latin typeface="Cambria Math" panose="02040503050406030204" pitchFamily="18" charset="0"/>
+                                  </a:rPr>
+                                  <m:t>𝑦</m:t>
+                                </m:r>
+                              </m:e>
+                            </m:acc>
+                          </m:e>
+                        </m:d>
+                        <m:r>
+                          <a:rPr lang="en-IN" i="1" baseline="30000" noProof="0">
+                            <a:latin typeface="Cambria Math" panose="02040503050406030204" pitchFamily="18" charset="0"/>
+                          </a:rPr>
+                          <m:t>2</m:t>
+                        </m:r>
+                      </m:e>
+                    </m:nary>
+                  </m:oMath>
+                </a14:m>
+                <a:endParaRPr lang="en-IN" noProof="0" dirty="0"/>
+              </a:p>
+              <a:p>
+                <a:r>
+                  <a:rPr lang="en-IN" noProof="0" dirty="0"/>
+                  <a:t>= [(10-30) + (25-30) + (20-30) + … (50-30) + (40-30)]</a:t>
+                </a:r>
+                <a:r>
+                  <a:rPr lang="en-IN" baseline="30000" noProof="0" dirty="0"/>
+                  <a:t>2 </a:t>
+                </a:r>
+                <a:r>
+                  <a:rPr lang="en-IN" noProof="0" dirty="0"/>
+                  <a:t>= 1450</a:t>
+                </a:r>
+              </a:p>
+            </p:txBody>
+          </p:sp>
+        </mc:Choice>
+        <mc:Fallback xmlns="">
+          <p:sp>
+            <p:nvSpPr>
+              <p:cNvPr id="5" name="TextBox 4">
+                <a:extLst>
+                  <a:ext uri="{FF2B5EF4-FFF2-40B4-BE49-F238E27FC236}">
+                    <a16:creationId xmlns:a16="http://schemas.microsoft.com/office/drawing/2014/main" id="{333DCF0E-2AB0-3085-EC21-F201B741B172}"/>
+                  </a:ext>
+                </a:extLst>
+              </p:cNvPr>
+              <p:cNvSpPr txBox="1">
+                <a:spLocks noRot="1" noChangeAspect="1" noMove="1" noResize="1" noEditPoints="1" noAdjustHandles="1" noChangeArrowheads="1" noChangeShapeType="1" noTextEdit="1"/>
+              </p:cNvSpPr>
+              <p:nvPr/>
+            </p:nvSpPr>
+            <p:spPr>
+              <a:xfrm>
+                <a:off x="5550195" y="4699480"/>
+                <a:ext cx="6347638" cy="1477649"/>
+              </a:xfrm>
+              <a:prstGeom prst="rect">
+                <a:avLst/>
+              </a:prstGeom>
+              <a:blipFill>
+                <a:blip r:embed="rId4"/>
+                <a:stretch>
+                  <a:fillRect l="-2687" t="-2479" b="-27273"/>
+                </a:stretch>
+              </a:blipFill>
+            </p:spPr>
+            <p:txBody>
+              <a:bodyPr/>
+              <a:lstStyle/>
+              <a:p>
+                <a:r>
+                  <a:rPr lang="en-IN">
+                    <a:noFill/>
+                  </a:rPr>
+                  <a:t> </a:t>
+                </a:r>
+              </a:p>
+            </p:txBody>
+          </p:sp>
+        </mc:Fallback>
+      </mc:AlternateContent>
+    </p:spTree>
+    <p:extLst>
+      <p:ext uri="{BB962C8B-B14F-4D97-AF65-F5344CB8AC3E}">
+        <p14:creationId xmlns:p14="http://schemas.microsoft.com/office/powerpoint/2010/main" val="4185342650"/>
+      </p:ext>
+    </p:extLst>
+  </p:cSld>
+  <p:clrMapOvr>
+    <a:masterClrMapping/>
+  </p:clrMapOvr>
+</p:sld>
+</file>
+
+<file path=ppt/slides/slide12.xml><?xml version="1.0" encoding="utf-8"?>
+<p:sld xmlns:a="http://schemas.openxmlformats.org/drawingml/2006/main" xmlns:r="http://schemas.openxmlformats.org/officeDocument/2006/relationships" xmlns:p="http://schemas.openxmlformats.org/presentationml/2006/main">
+  <p:cSld>
+    <p:spTree>
+      <p:nvGrpSpPr>
+        <p:cNvPr id="1" name=""/>
+        <p:cNvGrpSpPr/>
+        <p:nvPr/>
+      </p:nvGrpSpPr>
+      <p:grpSpPr>
+        <a:xfrm>
+          <a:off x="0" y="0"/>
+          <a:ext cx="0" cy="0"/>
+          <a:chOff x="0" y="0"/>
+          <a:chExt cx="0" cy="0"/>
+        </a:xfrm>
+      </p:grpSpPr>
+      <p:sp>
+        <p:nvSpPr>
+          <p:cNvPr id="2" name="Title 1">
+            <a:extLst>
+              <a:ext uri="{FF2B5EF4-FFF2-40B4-BE49-F238E27FC236}">
                 <a16:creationId xmlns:a16="http://schemas.microsoft.com/office/drawing/2014/main" id="{BD7BCB4A-FAA4-3C78-EB20-8D19497CE27A}"/>
               </a:ext>
             </a:extLst>
@@ -3799,7 +8172,7 @@
 </p:sld>
 </file>
 
-<file path=ppt/slides/slide11.xml><?xml version="1.0" encoding="utf-8"?>
+<file path=ppt/slides/slide13.xml><?xml version="1.0" encoding="utf-8"?>
 <p:sld xmlns:a="http://schemas.openxmlformats.org/drawingml/2006/main" xmlns:r="http://schemas.openxmlformats.org/officeDocument/2006/relationships" xmlns:p="http://schemas.openxmlformats.org/presentationml/2006/main">
   <p:cSld>
     <p:spTree>
@@ -4485,7 +8858,7 @@
 </p:sld>
 </file>
 
-<file path=ppt/slides/slide12.xml><?xml version="1.0" encoding="utf-8"?>
+<file path=ppt/slides/slide14.xml><?xml version="1.0" encoding="utf-8"?>
 <p:sld xmlns:a="http://schemas.openxmlformats.org/drawingml/2006/main" xmlns:r="http://schemas.openxmlformats.org/officeDocument/2006/relationships" xmlns:p="http://schemas.openxmlformats.org/presentationml/2006/main">
   <p:cSld>
     <p:spTree>
@@ -4648,7 +9021,7 @@
 </p:sld>
 </file>
 
-<file path=ppt/slides/slide13.xml><?xml version="1.0" encoding="utf-8"?>
+<file path=ppt/slides/slide15.xml><?xml version="1.0" encoding="utf-8"?>
 <p:sld xmlns:a="http://schemas.openxmlformats.org/drawingml/2006/main" xmlns:r="http://schemas.openxmlformats.org/officeDocument/2006/relationships" xmlns:p="http://schemas.openxmlformats.org/presentationml/2006/main">
   <p:cSld>
     <p:spTree>
@@ -5141,7 +9514,7 @@
 </p:sld>
 </file>
 
-<file path=ppt/slides/slide14.xml><?xml version="1.0" encoding="utf-8"?>
+<file path=ppt/slides/slide16.xml><?xml version="1.0" encoding="utf-8"?>
 <p:sld xmlns:a="http://schemas.openxmlformats.org/drawingml/2006/main" xmlns:r="http://schemas.openxmlformats.org/officeDocument/2006/relationships" xmlns:p="http://schemas.openxmlformats.org/presentationml/2006/main">
   <p:cSld>
     <p:spTree>
@@ -5270,8 +9643,8 @@
           </a:p>
         </p:txBody>
       </p:sp>
-      <mc:AlternateContent xmlns:mc="http://schemas.openxmlformats.org/markup-compatibility/2006">
-        <mc:Choice xmlns:a14="http://schemas.microsoft.com/office/drawing/2010/main" Requires="a14">
+      <mc:AlternateContent xmlns:mc="http://schemas.openxmlformats.org/markup-compatibility/2006" xmlns:a14="http://schemas.microsoft.com/office/drawing/2010/main">
+        <mc:Choice Requires="a14">
           <p:sp>
             <p:nvSpPr>
               <p:cNvPr id="5" name="TextBox 4">
@@ -5364,7 +9737,7 @@
             </p:txBody>
           </p:sp>
         </mc:Choice>
-        <mc:Fallback>
+        <mc:Fallback xmlns="">
           <p:sp>
             <p:nvSpPr>
               <p:cNvPr id="5" name="TextBox 4">
@@ -6216,7 +10589,7 @@
 </p:sld>
 </file>
 
-<file path=ppt/slides/slide15.xml><?xml version="1.0" encoding="utf-8"?>
+<file path=ppt/slides/slide17.xml><?xml version="1.0" encoding="utf-8"?>
 <p:sld xmlns:a="http://schemas.openxmlformats.org/drawingml/2006/main" xmlns:r="http://schemas.openxmlformats.org/officeDocument/2006/relationships" xmlns:p="http://schemas.openxmlformats.org/presentationml/2006/main">
   <p:cSld>
     <p:spTree>
@@ -6331,6 +10704,422 @@
 </file>
 
 <file path=ppt/slides/slide2.xml><?xml version="1.0" encoding="utf-8"?>
+<p:sld xmlns:a="http://schemas.openxmlformats.org/drawingml/2006/main" xmlns:r="http://schemas.openxmlformats.org/officeDocument/2006/relationships" xmlns:p="http://schemas.openxmlformats.org/presentationml/2006/main">
+  <p:cSld>
+    <p:spTree>
+      <p:nvGrpSpPr>
+        <p:cNvPr id="1" name=""/>
+        <p:cNvGrpSpPr/>
+        <p:nvPr/>
+      </p:nvGrpSpPr>
+      <p:grpSpPr>
+        <a:xfrm>
+          <a:off x="0" y="0"/>
+          <a:ext cx="0" cy="0"/>
+          <a:chOff x="0" y="0"/>
+          <a:chExt cx="0" cy="0"/>
+        </a:xfrm>
+      </p:grpSpPr>
+      <p:sp>
+        <p:nvSpPr>
+          <p:cNvPr id="4" name="Title 3">
+            <a:extLst>
+              <a:ext uri="{FF2B5EF4-FFF2-40B4-BE49-F238E27FC236}">
+                <a16:creationId xmlns:a16="http://schemas.microsoft.com/office/drawing/2014/main" id="{573EF37C-93D6-C56F-1B30-C3233BFF2EE4}"/>
+              </a:ext>
+            </a:extLst>
+          </p:cNvPr>
+          <p:cNvSpPr>
+            <a:spLocks noGrp="1"/>
+          </p:cNvSpPr>
+          <p:nvPr>
+            <p:ph type="title"/>
+          </p:nvPr>
+        </p:nvSpPr>
+        <p:spPr/>
+        <p:txBody>
+          <a:bodyPr/>
+          <a:lstStyle/>
+          <a:p>
+            <a:r>
+              <a:rPr lang="en-IN" noProof="0" dirty="0"/>
+              <a:t>Correlation</a:t>
+            </a:r>
+          </a:p>
+        </p:txBody>
+      </p:sp>
+      <mc:AlternateContent xmlns:mc="http://schemas.openxmlformats.org/markup-compatibility/2006">
+        <mc:Choice xmlns:a14="http://schemas.microsoft.com/office/drawing/2010/main" Requires="a14">
+          <p:sp>
+            <p:nvSpPr>
+              <p:cNvPr id="5" name="Content Placeholder 4">
+                <a:extLst>
+                  <a:ext uri="{FF2B5EF4-FFF2-40B4-BE49-F238E27FC236}">
+                    <a16:creationId xmlns:a16="http://schemas.microsoft.com/office/drawing/2014/main" id="{97F6427D-C8FF-550A-8039-DBA83099C15B}"/>
+                  </a:ext>
+                </a:extLst>
+              </p:cNvPr>
+              <p:cNvSpPr>
+                <a:spLocks noGrp="1"/>
+              </p:cNvSpPr>
+              <p:nvPr>
+                <p:ph idx="1"/>
+              </p:nvPr>
+            </p:nvSpPr>
+            <p:spPr/>
+            <p:txBody>
+              <a:bodyPr>
+                <a:normAutofit fontScale="92500" lnSpcReduction="20000"/>
+              </a:bodyPr>
+              <a:lstStyle/>
+              <a:p>
+                <a:r>
+                  <a:rPr lang="en-IN" b="1" noProof="0" dirty="0"/>
+                  <a:t>Correlation</a:t>
+                </a:r>
+                <a:r>
+                  <a:rPr lang="en-IN" noProof="0" dirty="0"/>
+                  <a:t>: Are two </a:t>
+                </a:r>
+                <a:r>
+                  <a:rPr lang="en-IN" u="sng" noProof="0" dirty="0"/>
+                  <a:t>numeric</a:t>
+                </a:r>
+                <a:r>
+                  <a:rPr lang="en-IN" noProof="0" dirty="0"/>
+                  <a:t> variables related?</a:t>
+                </a:r>
+              </a:p>
+              <a:p>
+                <a:r>
+                  <a:rPr lang="en-IN" noProof="0" dirty="0"/>
+                  <a:t>Examples: Exercise and Health, Study and Marks, Experience and Salary</a:t>
+                </a:r>
+              </a:p>
+              <a:p>
+                <a:r>
+                  <a:rPr lang="en-IN" noProof="0" dirty="0"/>
+                  <a:t>Correlation (</a:t>
+                </a:r>
+                <a:r>
+                  <a:rPr lang="en-IN" noProof="0" dirty="0" err="1"/>
+                  <a:t>x,y</a:t>
+                </a:r>
+                <a:r>
+                  <a:rPr lang="en-IN" noProof="0" dirty="0"/>
+                  <a:t>) = </a:t>
+                </a:r>
+                <a14:m>
+                  <m:oMath xmlns:m="http://schemas.openxmlformats.org/officeDocument/2006/math">
+                    <m:f>
+                      <m:fPr>
+                        <m:ctrlPr>
+                          <a:rPr lang="en-IN" i="1" noProof="0" smtClean="0">
+                            <a:latin typeface="Cambria Math" panose="02040503050406030204" pitchFamily="18" charset="0"/>
+                          </a:rPr>
+                        </m:ctrlPr>
+                      </m:fPr>
+                      <m:num>
+                        <m:r>
+                          <a:rPr lang="en-IN" b="0" i="1" noProof="0" smtClean="0">
+                            <a:latin typeface="Cambria Math" panose="02040503050406030204" pitchFamily="18" charset="0"/>
+                          </a:rPr>
+                          <m:t>𝐶𝑜𝑣</m:t>
+                        </m:r>
+                        <m:r>
+                          <a:rPr lang="en-IN" b="0" i="1" noProof="0" smtClean="0">
+                            <a:latin typeface="Cambria Math" panose="02040503050406030204" pitchFamily="18" charset="0"/>
+                          </a:rPr>
+                          <m:t> (</m:t>
+                        </m:r>
+                        <m:r>
+                          <a:rPr lang="en-IN" b="0" i="1" noProof="0" smtClean="0">
+                            <a:latin typeface="Cambria Math" panose="02040503050406030204" pitchFamily="18" charset="0"/>
+                          </a:rPr>
+                          <m:t>𝑥</m:t>
+                        </m:r>
+                        <m:r>
+                          <a:rPr lang="en-IN" b="0" i="1" noProof="0" smtClean="0">
+                            <a:latin typeface="Cambria Math" panose="02040503050406030204" pitchFamily="18" charset="0"/>
+                          </a:rPr>
+                          <m:t>, </m:t>
+                        </m:r>
+                        <m:r>
+                          <a:rPr lang="en-IN" b="0" i="1" noProof="0" smtClean="0">
+                            <a:latin typeface="Cambria Math" panose="02040503050406030204" pitchFamily="18" charset="0"/>
+                          </a:rPr>
+                          <m:t>𝑦</m:t>
+                        </m:r>
+                        <m:r>
+                          <a:rPr lang="en-IN" b="0" i="1" noProof="0" smtClean="0">
+                            <a:latin typeface="Cambria Math" panose="02040503050406030204" pitchFamily="18" charset="0"/>
+                          </a:rPr>
+                          <m:t>)</m:t>
+                        </m:r>
+                      </m:num>
+                      <m:den>
+                        <m:r>
+                          <m:rPr>
+                            <m:sty m:val="p"/>
+                          </m:rPr>
+                          <a:rPr lang="en-IN" i="1" noProof="0" smtClean="0">
+                            <a:latin typeface="Cambria Math" panose="02040503050406030204" pitchFamily="18" charset="0"/>
+                          </a:rPr>
+                          <m:t>σ</m:t>
+                        </m:r>
+                        <m:r>
+                          <a:rPr lang="en-IN" b="0" i="1" baseline="-25000" noProof="0" smtClean="0">
+                            <a:latin typeface="Cambria Math" panose="02040503050406030204" pitchFamily="18" charset="0"/>
+                          </a:rPr>
+                          <m:t>𝑥</m:t>
+                        </m:r>
+                        <m:r>
+                          <m:rPr>
+                            <m:sty m:val="p"/>
+                          </m:rPr>
+                          <a:rPr lang="en-IN" i="1" noProof="0" smtClean="0">
+                            <a:latin typeface="Cambria Math" panose="02040503050406030204" pitchFamily="18" charset="0"/>
+                          </a:rPr>
+                          <m:t>σ</m:t>
+                        </m:r>
+                        <m:r>
+                          <a:rPr lang="en-IN" b="0" i="1" baseline="-25000" noProof="0" smtClean="0">
+                            <a:latin typeface="Cambria Math" panose="02040503050406030204" pitchFamily="18" charset="0"/>
+                          </a:rPr>
+                          <m:t>𝑦</m:t>
+                        </m:r>
+                      </m:den>
+                    </m:f>
+                  </m:oMath>
+                </a14:m>
+                <a:endParaRPr lang="en-IN" b="1" noProof="0" dirty="0"/>
+              </a:p>
+              <a:p>
+                <a:r>
+                  <a:rPr lang="en-IN" noProof="0" dirty="0"/>
+                  <a:t>Measured using </a:t>
+                </a:r>
+                <a:r>
+                  <a:rPr lang="en-IN" b="1" noProof="0" dirty="0"/>
+                  <a:t>correlation coefficient (r)</a:t>
+                </a:r>
+              </a:p>
+              <a:p>
+                <a:r>
+                  <a:rPr lang="en-IN" dirty="0"/>
+                  <a:t>Range: -1 to +1</a:t>
+                </a:r>
+              </a:p>
+              <a:p>
+                <a:r>
+                  <a:rPr lang="en-IN" dirty="0"/>
+                  <a:t>Positive correlation: Variables move up together</a:t>
+                </a:r>
+              </a:p>
+              <a:p>
+                <a:pPr lvl="1"/>
+                <a:r>
+                  <a:rPr lang="en-IN" dirty="0"/>
+                  <a:t>Example: Correlation of 0.80 between Hours spent studying and test scores</a:t>
+                </a:r>
+              </a:p>
+              <a:p>
+                <a:r>
+                  <a:rPr lang="en-IN" dirty="0"/>
+                  <a:t>Negative correlation: As one variable moves up, the other moves down</a:t>
+                </a:r>
+              </a:p>
+              <a:p>
+                <a:pPr lvl="1"/>
+                <a:r>
+                  <a:rPr lang="en-IN" dirty="0"/>
+                  <a:t>Example: Correlation of -0.70 between Hours spent watching TV and physical fitness</a:t>
+                </a:r>
+              </a:p>
+              <a:p>
+                <a:r>
+                  <a:rPr lang="en-IN" dirty="0"/>
+                  <a:t>Zero correlation: Variables are unrelated</a:t>
+                </a:r>
+              </a:p>
+              <a:p>
+                <a:pPr lvl="1"/>
+                <a:r>
+                  <a:rPr lang="en-IN" dirty="0"/>
+                  <a:t>Example: Correlation of 0.02 between Shoe size and IQ score</a:t>
+                </a:r>
+                <a:endParaRPr lang="en-IN" noProof="0" dirty="0"/>
+              </a:p>
+            </p:txBody>
+          </p:sp>
+        </mc:Choice>
+        <mc:Fallback>
+          <p:sp>
+            <p:nvSpPr>
+              <p:cNvPr id="5" name="Content Placeholder 4">
+                <a:extLst>
+                  <a:ext uri="{FF2B5EF4-FFF2-40B4-BE49-F238E27FC236}">
+                    <a16:creationId xmlns:a16="http://schemas.microsoft.com/office/drawing/2014/main" id="{97F6427D-C8FF-550A-8039-DBA83099C15B}"/>
+                  </a:ext>
+                </a:extLst>
+              </p:cNvPr>
+              <p:cNvSpPr>
+                <a:spLocks noGrp="1" noRot="1" noChangeAspect="1" noMove="1" noResize="1" noEditPoints="1" noAdjustHandles="1" noChangeArrowheads="1" noChangeShapeType="1" noTextEdit="1"/>
+              </p:cNvSpPr>
+              <p:nvPr>
+                <p:ph idx="1"/>
+              </p:nvPr>
+            </p:nvSpPr>
+            <p:spPr>
+              <a:blipFill>
+                <a:blip r:embed="rId2"/>
+                <a:stretch>
+                  <a:fillRect l="-928" t="-3501" b="-700"/>
+                </a:stretch>
+              </a:blipFill>
+            </p:spPr>
+            <p:txBody>
+              <a:bodyPr/>
+              <a:lstStyle/>
+              <a:p>
+                <a:r>
+                  <a:rPr lang="en-GB">
+                    <a:noFill/>
+                  </a:rPr>
+                  <a:t> </a:t>
+                </a:r>
+              </a:p>
+            </p:txBody>
+          </p:sp>
+        </mc:Fallback>
+      </mc:AlternateContent>
+    </p:spTree>
+    <p:extLst>
+      <p:ext uri="{BB962C8B-B14F-4D97-AF65-F5344CB8AC3E}">
+        <p14:creationId xmlns:p14="http://schemas.microsoft.com/office/powerpoint/2010/main" val="1395806043"/>
+      </p:ext>
+    </p:extLst>
+  </p:cSld>
+  <p:clrMapOvr>
+    <a:masterClrMapping/>
+  </p:clrMapOvr>
+</p:sld>
+</file>
+
+<file path=ppt/slides/slide3.xml><?xml version="1.0" encoding="utf-8"?>
+<p:sld xmlns:a="http://schemas.openxmlformats.org/drawingml/2006/main" xmlns:r="http://schemas.openxmlformats.org/officeDocument/2006/relationships" xmlns:p="http://schemas.openxmlformats.org/presentationml/2006/main">
+  <p:cSld>
+    <p:spTree>
+      <p:nvGrpSpPr>
+        <p:cNvPr id="1" name=""/>
+        <p:cNvGrpSpPr/>
+        <p:nvPr/>
+      </p:nvGrpSpPr>
+      <p:grpSpPr>
+        <a:xfrm>
+          <a:off x="0" y="0"/>
+          <a:ext cx="0" cy="0"/>
+          <a:chOff x="0" y="0"/>
+          <a:chExt cx="0" cy="0"/>
+        </a:xfrm>
+      </p:grpSpPr>
+      <p:sp>
+        <p:nvSpPr>
+          <p:cNvPr id="2" name="Title 1">
+            <a:extLst>
+              <a:ext uri="{FF2B5EF4-FFF2-40B4-BE49-F238E27FC236}">
+                <a16:creationId xmlns:a16="http://schemas.microsoft.com/office/drawing/2014/main" id="{CCF7C80C-1172-B754-588E-6B9066449C6A}"/>
+              </a:ext>
+            </a:extLst>
+          </p:cNvPr>
+          <p:cNvSpPr>
+            <a:spLocks noGrp="1"/>
+          </p:cNvSpPr>
+          <p:nvPr>
+            <p:ph type="title"/>
+          </p:nvPr>
+        </p:nvSpPr>
+        <p:spPr/>
+        <p:txBody>
+          <a:bodyPr/>
+          <a:lstStyle/>
+          <a:p>
+            <a:r>
+              <a:rPr lang="en-IN" noProof="0" dirty="0"/>
+              <a:t>Positive, Negative, No Correlation</a:t>
+            </a:r>
+          </a:p>
+        </p:txBody>
+      </p:sp>
+      <p:sp>
+        <p:nvSpPr>
+          <p:cNvPr id="3" name="Content Placeholder 2">
+            <a:extLst>
+              <a:ext uri="{FF2B5EF4-FFF2-40B4-BE49-F238E27FC236}">
+                <a16:creationId xmlns:a16="http://schemas.microsoft.com/office/drawing/2014/main" id="{2B38D242-1619-4190-98A3-90FF360489DC}"/>
+              </a:ext>
+            </a:extLst>
+          </p:cNvPr>
+          <p:cNvSpPr>
+            <a:spLocks noGrp="1"/>
+          </p:cNvSpPr>
+          <p:nvPr>
+            <p:ph idx="1"/>
+          </p:nvPr>
+        </p:nvSpPr>
+        <p:spPr/>
+        <p:txBody>
+          <a:bodyPr/>
+          <a:lstStyle/>
+          <a:p>
+            <a:endParaRPr lang="en-IN" noProof="0" dirty="0"/>
+          </a:p>
+        </p:txBody>
+      </p:sp>
+      <p:pic>
+        <p:nvPicPr>
+          <p:cNvPr id="5" name="Picture 4">
+            <a:extLst>
+              <a:ext uri="{FF2B5EF4-FFF2-40B4-BE49-F238E27FC236}">
+                <a16:creationId xmlns:a16="http://schemas.microsoft.com/office/drawing/2014/main" id="{825E315F-B3A1-E330-C2BF-74E0D56808F8}"/>
+              </a:ext>
+            </a:extLst>
+          </p:cNvPr>
+          <p:cNvPicPr>
+            <a:picLocks noChangeAspect="1"/>
+          </p:cNvPicPr>
+          <p:nvPr/>
+        </p:nvPicPr>
+        <p:blipFill>
+          <a:blip r:embed="rId2"/>
+          <a:stretch>
+            <a:fillRect/>
+          </a:stretch>
+        </p:blipFill>
+        <p:spPr>
+          <a:xfrm>
+            <a:off x="1372407" y="1939641"/>
+            <a:ext cx="8860653" cy="3953499"/>
+          </a:xfrm>
+          <a:prstGeom prst="rect">
+            <a:avLst/>
+          </a:prstGeom>
+        </p:spPr>
+      </p:pic>
+    </p:spTree>
+    <p:extLst>
+      <p:ext uri="{BB962C8B-B14F-4D97-AF65-F5344CB8AC3E}">
+        <p14:creationId xmlns:p14="http://schemas.microsoft.com/office/powerpoint/2010/main" val="1272108783"/>
+      </p:ext>
+    </p:extLst>
+  </p:cSld>
+  <p:clrMapOvr>
+    <a:masterClrMapping/>
+  </p:clrMapOvr>
+</p:sld>
+</file>
+
+<file path=ppt/slides/slide4.xml><?xml version="1.0" encoding="utf-8"?>
 <p:sld xmlns:a="http://schemas.openxmlformats.org/drawingml/2006/main" xmlns:r="http://schemas.openxmlformats.org/officeDocument/2006/relationships" xmlns:p="http://schemas.openxmlformats.org/presentationml/2006/main">
   <p:cSld>
     <p:spTree>
@@ -7159,7 +11948,7 @@
 </p:sld>
 </file>
 
-<file path=ppt/slides/slide3.xml><?xml version="1.0" encoding="utf-8"?>
+<file path=ppt/slides/slide5.xml><?xml version="1.0" encoding="utf-8"?>
 <p:sld xmlns:a="http://schemas.openxmlformats.org/drawingml/2006/main" xmlns:r="http://schemas.openxmlformats.org/officeDocument/2006/relationships" xmlns:p="http://schemas.openxmlformats.org/presentationml/2006/main">
   <p:cSld>
     <p:spTree>
@@ -7384,7 +12173,7 @@
 </p:sld>
 </file>
 
-<file path=ppt/slides/slide4.xml><?xml version="1.0" encoding="utf-8"?>
+<file path=ppt/slides/slide6.xml><?xml version="1.0" encoding="utf-8"?>
 <p:sld xmlns:a="http://schemas.openxmlformats.org/drawingml/2006/main" xmlns:r="http://schemas.openxmlformats.org/officeDocument/2006/relationships" xmlns:p="http://schemas.openxmlformats.org/presentationml/2006/main">
   <p:cSld>
     <p:spTree>
@@ -7570,7 +12359,7 @@
 </p:sld>
 </file>
 
-<file path=ppt/slides/slide5.xml><?xml version="1.0" encoding="utf-8"?>
+<file path=ppt/slides/slide7.xml><?xml version="1.0" encoding="utf-8"?>
 <p:sld xmlns:a="http://schemas.openxmlformats.org/drawingml/2006/main" xmlns:r="http://schemas.openxmlformats.org/officeDocument/2006/relationships" xmlns:p="http://schemas.openxmlformats.org/presentationml/2006/main">
   <p:cSld>
     <p:spTree>
@@ -8715,7 +13504,7 @@
 </p:sld>
 </file>
 
-<file path=ppt/slides/slide6.xml><?xml version="1.0" encoding="utf-8"?>
+<file path=ppt/slides/slide8.xml><?xml version="1.0" encoding="utf-8"?>
 <p:sld xmlns:a="http://schemas.openxmlformats.org/drawingml/2006/main" xmlns:r="http://schemas.openxmlformats.org/officeDocument/2006/relationships" xmlns:p="http://schemas.openxmlformats.org/presentationml/2006/main">
   <p:cSld>
     <p:spTree>
@@ -9113,7 +13902,7 @@
 </p:sld>
 </file>
 
-<file path=ppt/slides/slide7.xml><?xml version="1.0" encoding="utf-8"?>
+<file path=ppt/slides/slide9.xml><?xml version="1.0" encoding="utf-8"?>
 <p:sld xmlns:a="http://schemas.openxmlformats.org/drawingml/2006/main" xmlns:r="http://schemas.openxmlformats.org/officeDocument/2006/relationships" xmlns:p="http://schemas.openxmlformats.org/presentationml/2006/main">
   <p:cSld>
     <p:spTree>
@@ -10044,4372 +14833,6 @@
 </p:sld>
 </file>
 
-<file path=ppt/slides/slide8.xml><?xml version="1.0" encoding="utf-8"?>
-<p:sld xmlns:a="http://schemas.openxmlformats.org/drawingml/2006/main" xmlns:r="http://schemas.openxmlformats.org/officeDocument/2006/relationships" xmlns:p="http://schemas.openxmlformats.org/presentationml/2006/main">
-  <p:cSld>
-    <p:spTree>
-      <p:nvGrpSpPr>
-        <p:cNvPr id="1" name=""/>
-        <p:cNvGrpSpPr/>
-        <p:nvPr/>
-      </p:nvGrpSpPr>
-      <p:grpSpPr>
-        <a:xfrm>
-          <a:off x="0" y="0"/>
-          <a:ext cx="0" cy="0"/>
-          <a:chOff x="0" y="0"/>
-          <a:chExt cx="0" cy="0"/>
-        </a:xfrm>
-      </p:grpSpPr>
-      <p:sp>
-        <p:nvSpPr>
-          <p:cNvPr id="2" name="Title 1">
-            <a:extLst>
-              <a:ext uri="{FF2B5EF4-FFF2-40B4-BE49-F238E27FC236}">
-                <a16:creationId xmlns:a16="http://schemas.microsoft.com/office/drawing/2014/main" id="{517A5DBB-97C4-F117-3142-F4BBE8A1FF06}"/>
-              </a:ext>
-            </a:extLst>
-          </p:cNvPr>
-          <p:cNvSpPr>
-            <a:spLocks noGrp="1"/>
-          </p:cNvSpPr>
-          <p:nvPr>
-            <p:ph type="title"/>
-          </p:nvPr>
-        </p:nvSpPr>
-        <p:spPr>
-          <a:xfrm>
-            <a:off x="838200" y="95694"/>
-            <a:ext cx="10515600" cy="616688"/>
-          </a:xfrm>
-        </p:spPr>
-        <p:txBody>
-          <a:bodyPr>
-            <a:normAutofit fontScale="90000"/>
-          </a:bodyPr>
-          <a:lstStyle/>
-          <a:p>
-            <a:r>
-              <a:rPr lang="en-IN" noProof="0" dirty="0"/>
-              <a:t>Regression Metrics Evaluation</a:t>
-            </a:r>
-          </a:p>
-        </p:txBody>
-      </p:sp>
-      <mc:AlternateContent xmlns:mc="http://schemas.openxmlformats.org/markup-compatibility/2006" xmlns:a14="http://schemas.microsoft.com/office/drawing/2010/main">
-        <mc:Choice Requires="a14">
-          <p:graphicFrame>
-            <p:nvGraphicFramePr>
-              <p:cNvPr id="4" name="Content Placeholder 3">
-                <a:extLst>
-                  <a:ext uri="{FF2B5EF4-FFF2-40B4-BE49-F238E27FC236}">
-                    <a16:creationId xmlns:a16="http://schemas.microsoft.com/office/drawing/2014/main" id="{C2CC25F8-6752-E6E6-17A1-B7F8B00E71F5}"/>
-                  </a:ext>
-                </a:extLst>
-              </p:cNvPr>
-              <p:cNvGraphicFramePr>
-                <a:graphicFrameLocks noGrp="1"/>
-              </p:cNvGraphicFramePr>
-              <p:nvPr>
-                <p:ph idx="1"/>
-              </p:nvPr>
-            </p:nvGraphicFramePr>
-            <p:xfrm>
-              <a:off x="393405" y="850606"/>
-              <a:ext cx="11344939" cy="5974411"/>
-            </p:xfrm>
-            <a:graphic>
-              <a:graphicData uri="http://schemas.openxmlformats.org/drawingml/2006/table">
-                <a:tbl>
-                  <a:tblPr>
-                    <a:tableStyleId>{E8B1032C-EA38-4F05-BA0D-38AFFFC7BED3}</a:tableStyleId>
-                  </a:tblPr>
-                  <a:tblGrid>
-                    <a:gridCol w="1022842">
-                      <a:extLst>
-                        <a:ext uri="{9D8B030D-6E8A-4147-A177-3AD203B41FA5}">
-                          <a16:colId xmlns:a16="http://schemas.microsoft.com/office/drawing/2014/main" val="3571068989"/>
-                        </a:ext>
-                      </a:extLst>
-                    </a:gridCol>
-                    <a:gridCol w="2305695">
-                      <a:extLst>
-                        <a:ext uri="{9D8B030D-6E8A-4147-A177-3AD203B41FA5}">
-                          <a16:colId xmlns:a16="http://schemas.microsoft.com/office/drawing/2014/main" val="2841260163"/>
-                        </a:ext>
-                      </a:extLst>
-                    </a:gridCol>
-                    <a:gridCol w="3120145">
-                      <a:extLst>
-                        <a:ext uri="{9D8B030D-6E8A-4147-A177-3AD203B41FA5}">
-                          <a16:colId xmlns:a16="http://schemas.microsoft.com/office/drawing/2014/main" val="4066360817"/>
-                        </a:ext>
-                      </a:extLst>
-                    </a:gridCol>
-                    <a:gridCol w="2145100">
-                      <a:extLst>
-                        <a:ext uri="{9D8B030D-6E8A-4147-A177-3AD203B41FA5}">
-                          <a16:colId xmlns:a16="http://schemas.microsoft.com/office/drawing/2014/main" val="121328166"/>
-                        </a:ext>
-                      </a:extLst>
-                    </a:gridCol>
-                    <a:gridCol w="2751157">
-                      <a:extLst>
-                        <a:ext uri="{9D8B030D-6E8A-4147-A177-3AD203B41FA5}">
-                          <a16:colId xmlns:a16="http://schemas.microsoft.com/office/drawing/2014/main" val="1813311693"/>
-                        </a:ext>
-                      </a:extLst>
-                    </a:gridCol>
-                  </a:tblGrid>
-                  <a:tr h="719673">
-                    <a:tc>
-                      <a:txBody>
-                        <a:bodyPr/>
-                        <a:lstStyle/>
-                        <a:p>
-                          <a:pPr>
-                            <a:buNone/>
-                          </a:pPr>
-                          <a:r>
-                            <a:rPr lang="en-IN" sz="2000" b="1" noProof="0" dirty="0"/>
-                            <a:t>Metric</a:t>
-                          </a:r>
-                          <a:endParaRPr lang="en-IN" sz="2000" noProof="0" dirty="0"/>
-                        </a:p>
-                      </a:txBody>
-                      <a:tcPr anchor="ctr"/>
-                    </a:tc>
-                    <a:tc>
-                      <a:txBody>
-                        <a:bodyPr/>
-                        <a:lstStyle/>
-                        <a:p>
-                          <a:pPr>
-                            <a:buNone/>
-                          </a:pPr>
-                          <a:r>
-                            <a:rPr lang="en-IN" sz="2000" b="1" noProof="0" dirty="0"/>
-                            <a:t>Full Form</a:t>
-                          </a:r>
-                          <a:endParaRPr lang="en-IN" sz="2000" noProof="0" dirty="0"/>
-                        </a:p>
-                      </a:txBody>
-                      <a:tcPr anchor="ctr"/>
-                    </a:tc>
-                    <a:tc>
-                      <a:txBody>
-                        <a:bodyPr/>
-                        <a:lstStyle/>
-                        <a:p>
-                          <a:pPr>
-                            <a:buNone/>
-                          </a:pPr>
-                          <a:r>
-                            <a:rPr lang="en-IN" sz="2000" b="1" noProof="0" dirty="0"/>
-                            <a:t>Formula</a:t>
-                          </a:r>
-                          <a:endParaRPr lang="en-IN" sz="2000" noProof="0" dirty="0"/>
-                        </a:p>
-                      </a:txBody>
-                      <a:tcPr anchor="ctr"/>
-                    </a:tc>
-                    <a:tc>
-                      <a:txBody>
-                        <a:bodyPr/>
-                        <a:lstStyle/>
-                        <a:p>
-                          <a:pPr>
-                            <a:buNone/>
-                          </a:pPr>
-                          <a:r>
-                            <a:rPr lang="en-IN" sz="2000" b="1" noProof="0" dirty="0"/>
-                            <a:t>Range / Ideal Value</a:t>
-                          </a:r>
-                          <a:endParaRPr lang="en-IN" sz="2000" noProof="0" dirty="0"/>
-                        </a:p>
-                      </a:txBody>
-                      <a:tcPr anchor="ctr"/>
-                    </a:tc>
-                    <a:tc>
-                      <a:txBody>
-                        <a:bodyPr/>
-                        <a:lstStyle/>
-                        <a:p>
-                          <a:pPr>
-                            <a:buNone/>
-                          </a:pPr>
-                          <a:r>
-                            <a:rPr lang="en-IN" sz="2000" b="1" noProof="0" dirty="0"/>
-                            <a:t>Intuition (Meaning)</a:t>
-                          </a:r>
-                          <a:endParaRPr lang="en-IN" sz="2000" noProof="0" dirty="0"/>
-                        </a:p>
-                      </a:txBody>
-                      <a:tcPr anchor="ctr"/>
-                    </a:tc>
-                    <a:extLst>
-                      <a:ext uri="{0D108BD9-81ED-4DB2-BD59-A6C34878D82A}">
-                        <a16:rowId xmlns:a16="http://schemas.microsoft.com/office/drawing/2014/main" val="580338717"/>
-                      </a:ext>
-                    </a:extLst>
-                  </a:tr>
-                  <a:tr h="1359383">
-                    <a:tc>
-                      <a:txBody>
-                        <a:bodyPr/>
-                        <a:lstStyle/>
-                        <a:p>
-                          <a:pPr>
-                            <a:buNone/>
-                          </a:pPr>
-                          <a:r>
-                            <a:rPr lang="en-IN" sz="2000" b="1" noProof="0" dirty="0"/>
-                            <a:t>R²</a:t>
-                          </a:r>
-                          <a:endParaRPr lang="en-IN" sz="2000" noProof="0" dirty="0"/>
-                        </a:p>
-                      </a:txBody>
-                      <a:tcPr anchor="ctr"/>
-                    </a:tc>
-                    <a:tc>
-                      <a:txBody>
-                        <a:bodyPr/>
-                        <a:lstStyle/>
-                        <a:p>
-                          <a:pPr>
-                            <a:buNone/>
-                          </a:pPr>
-                          <a:r>
-                            <a:rPr lang="en-IN" sz="2000" noProof="0" dirty="0"/>
-                            <a:t>Coefficient of Determination</a:t>
-                          </a:r>
-                        </a:p>
-                      </a:txBody>
-                      <a:tcPr anchor="ctr"/>
-                    </a:tc>
-                    <a:tc>
-                      <a:txBody>
-                        <a:bodyPr/>
-                        <a:lstStyle/>
-                        <a:p>
-                          <a:pPr>
-                            <a:buNone/>
-                          </a:pPr>
-                          <a14:m>
-                            <m:oMathPara xmlns:m="http://schemas.openxmlformats.org/officeDocument/2006/math">
-                              <m:oMathParaPr>
-                                <m:jc m:val="centerGroup"/>
-                              </m:oMathParaPr>
-                              <m:oMath xmlns:m="http://schemas.openxmlformats.org/officeDocument/2006/math">
-                                <m:r>
-                                  <a:rPr lang="en-IN" sz="2000" b="0" noProof="0" smtClean="0">
-                                    <a:latin typeface="Cambria Math" panose="02040503050406030204" pitchFamily="18" charset="0"/>
-                                  </a:rPr>
-                                  <m:t>1 − </m:t>
-                                </m:r>
-                                <m:f>
-                                  <m:fPr>
-                                    <m:ctrlPr>
-                                      <a:rPr lang="en-IN" sz="2000" b="0" i="1" noProof="0" smtClean="0">
-                                        <a:latin typeface="Cambria Math" panose="02040503050406030204" pitchFamily="18" charset="0"/>
-                                      </a:rPr>
-                                    </m:ctrlPr>
-                                  </m:fPr>
-                                  <m:num>
-                                    <m:r>
-                                      <a:rPr lang="en-IN" sz="2000" b="0" noProof="0" smtClean="0">
-                                        <a:latin typeface="Cambria Math" panose="02040503050406030204" pitchFamily="18" charset="0"/>
-                                      </a:rPr>
-                                      <m:t>𝑆𝑆𝐸</m:t>
-                                    </m:r>
-                                  </m:num>
-                                  <m:den>
-                                    <m:r>
-                                      <a:rPr lang="en-IN" sz="2000" b="0" noProof="0" smtClean="0">
-                                        <a:latin typeface="Cambria Math" panose="02040503050406030204" pitchFamily="18" charset="0"/>
-                                      </a:rPr>
-                                      <m:t>𝑇𝑆𝑆</m:t>
-                                    </m:r>
-                                  </m:den>
-                                </m:f>
-                                <m:r>
-                                  <a:rPr lang="en-IN" sz="2000" b="0" noProof="0" smtClean="0">
-                                    <a:latin typeface="Cambria Math" panose="02040503050406030204" pitchFamily="18" charset="0"/>
-                                  </a:rPr>
-                                  <m:t> </m:t>
-                                </m:r>
-                              </m:oMath>
-                            </m:oMathPara>
-                          </a14:m>
-                          <a:endParaRPr lang="en-IN" sz="2000" noProof="0" dirty="0"/>
-                        </a:p>
-                      </a:txBody>
-                      <a:tcPr anchor="ctr"/>
-                    </a:tc>
-                    <a:tc>
-                      <a:txBody>
-                        <a:bodyPr/>
-                        <a:lstStyle/>
-                        <a:p>
-                          <a:pPr>
-                            <a:buNone/>
-                          </a:pPr>
-                          <a:r>
-                            <a:rPr lang="en-IN" sz="2000" noProof="0" dirty="0"/>
-                            <a:t>0 to 1 </a:t>
-                          </a:r>
-                        </a:p>
-                        <a:p>
-                          <a:pPr>
-                            <a:buNone/>
-                          </a:pPr>
-                          <a:r>
-                            <a:rPr lang="en-IN" sz="2000" noProof="0" dirty="0"/>
-                            <a:t>(higher = better)</a:t>
-                          </a:r>
-                        </a:p>
-                      </a:txBody>
-                      <a:tcPr anchor="ctr"/>
-                    </a:tc>
-                    <a:tc>
-                      <a:txBody>
-                        <a:bodyPr/>
-                        <a:lstStyle/>
-                        <a:p>
-                          <a:pPr>
-                            <a:buNone/>
-                          </a:pPr>
-                          <a:r>
-                            <a:rPr lang="en-IN" sz="2000" noProof="0" dirty="0"/>
-                            <a:t>How well the model explains variation in Y, 1 = perfect prediction</a:t>
-                          </a:r>
-                        </a:p>
-                      </a:txBody>
-                      <a:tcPr anchor="ctr"/>
-                    </a:tc>
-                    <a:extLst>
-                      <a:ext uri="{0D108BD9-81ED-4DB2-BD59-A6C34878D82A}">
-                        <a16:rowId xmlns:a16="http://schemas.microsoft.com/office/drawing/2014/main" val="3721828721"/>
-                      </a:ext>
-                    </a:extLst>
-                  </a:tr>
-                  <a:tr h="971948">
-                    <a:tc>
-                      <a:txBody>
-                        <a:bodyPr/>
-                        <a:lstStyle/>
-                        <a:p>
-                          <a:pPr>
-                            <a:buNone/>
-                          </a:pPr>
-                          <a:r>
-                            <a:rPr lang="en-IN" sz="2000" b="1" noProof="0" dirty="0"/>
-                            <a:t>MAE</a:t>
-                          </a:r>
-                          <a:endParaRPr lang="en-IN" sz="2000" noProof="0" dirty="0"/>
-                        </a:p>
-                      </a:txBody>
-                      <a:tcPr anchor="ctr"/>
-                    </a:tc>
-                    <a:tc>
-                      <a:txBody>
-                        <a:bodyPr/>
-                        <a:lstStyle/>
-                        <a:p>
-                          <a:pPr>
-                            <a:buNone/>
-                          </a:pPr>
-                          <a:r>
-                            <a:rPr lang="en-IN" sz="2000" noProof="0" dirty="0"/>
-                            <a:t>Mean Absolute Error</a:t>
-                          </a:r>
-                        </a:p>
-                      </a:txBody>
-                      <a:tcPr anchor="ctr"/>
-                    </a:tc>
-                    <a:tc>
-                      <a:txBody>
-                        <a:bodyPr/>
-                        <a:lstStyle/>
-                        <a:p>
-                          <a:pPr marL="0" marR="0" lvl="0" indent="0" algn="l" defTabSz="914400" rtl="0" eaLnBrk="1" fontAlgn="auto" latinLnBrk="0" hangingPunct="1">
-                            <a:lnSpc>
-                              <a:spcPct val="100000"/>
-                            </a:lnSpc>
-                            <a:spcBef>
-                              <a:spcPts val="0"/>
-                            </a:spcBef>
-                            <a:spcAft>
-                              <a:spcPts val="0"/>
-                            </a:spcAft>
-                            <a:buClrTx/>
-                            <a:buSzTx/>
-                            <a:buFontTx/>
-                            <a:buNone/>
-                            <a:tabLst/>
-                            <a:defRPr/>
-                          </a:pPr>
-                          <a14:m>
-                            <m:oMathPara xmlns:m="http://schemas.openxmlformats.org/officeDocument/2006/math">
-                              <m:oMathParaPr>
-                                <m:jc m:val="centerGroup"/>
-                              </m:oMathParaPr>
-                              <m:oMath xmlns:m="http://schemas.openxmlformats.org/officeDocument/2006/math">
-                                <m:f>
-                                  <m:fPr>
-                                    <m:ctrlPr>
-                                      <a:rPr lang="en-IN" sz="2000" b="0" i="1" noProof="0" smtClean="0">
-                                        <a:latin typeface="Cambria Math" panose="02040503050406030204" pitchFamily="18" charset="0"/>
-                                      </a:rPr>
-                                    </m:ctrlPr>
-                                  </m:fPr>
-                                  <m:num>
-                                    <m:r>
-                                      <m:rPr>
-                                        <m:nor/>
-                                      </m:rPr>
-                                      <a:rPr lang="en-IN" sz="2000" noProof="0" smtClean="0"/>
-                                      <m:t>Sum</m:t>
-                                    </m:r>
-                                    <m:r>
-                                      <m:rPr>
-                                        <m:nor/>
-                                      </m:rPr>
-                                      <a:rPr lang="en-IN" sz="2000" b="0" i="0" noProof="0" smtClean="0"/>
-                                      <m:t> |</m:t>
-                                    </m:r>
-                                    <m:sSub>
-                                      <m:sSubPr>
-                                        <m:ctrlPr>
-                                          <a:rPr lang="en-IN" sz="2000" i="1" noProof="0" smtClean="0">
-                                            <a:solidFill>
-                                              <a:srgbClr val="836967"/>
-                                            </a:solidFill>
-                                            <a:latin typeface="Cambria Math" panose="02040503050406030204" pitchFamily="18" charset="0"/>
-                                          </a:rPr>
-                                        </m:ctrlPr>
-                                      </m:sSubPr>
-                                      <m:e>
-                                        <m:r>
-                                          <a:rPr lang="en-IN" sz="2000" noProof="0">
-                                            <a:latin typeface="Cambria Math" panose="02040503050406030204" pitchFamily="18" charset="0"/>
-                                          </a:rPr>
-                                          <m:t>𝑦</m:t>
-                                        </m:r>
-                                      </m:e>
-                                      <m:sub>
-                                        <m:r>
-                                          <a:rPr lang="en-IN" sz="2000" noProof="0">
-                                            <a:latin typeface="Cambria Math" panose="02040503050406030204" pitchFamily="18" charset="0"/>
-                                          </a:rPr>
-                                          <m:t>𝑖</m:t>
-                                        </m:r>
-                                      </m:sub>
-                                    </m:sSub>
-                                    <m:r>
-                                      <a:rPr lang="en-IN" sz="2000" noProof="0">
-                                        <a:latin typeface="Cambria Math" panose="02040503050406030204" pitchFamily="18" charset="0"/>
-                                      </a:rPr>
-                                      <m:t>−</m:t>
-                                    </m:r>
-                                    <m:sSub>
-                                      <m:sSubPr>
-                                        <m:ctrlPr>
-                                          <a:rPr lang="en-IN" sz="2000" i="1" noProof="0">
-                                            <a:solidFill>
-                                              <a:srgbClr val="836967"/>
-                                            </a:solidFill>
-                                            <a:latin typeface="Cambria Math" panose="02040503050406030204" pitchFamily="18" charset="0"/>
-                                          </a:rPr>
-                                        </m:ctrlPr>
-                                      </m:sSubPr>
-                                      <m:e>
-                                        <m:acc>
-                                          <m:accPr>
-                                            <m:chr m:val="̂"/>
-                                            <m:ctrlPr>
-                                              <a:rPr lang="en-IN" sz="2000" i="1" noProof="0">
-                                                <a:solidFill>
-                                                  <a:srgbClr val="836967"/>
-                                                </a:solidFill>
-                                                <a:latin typeface="Cambria Math" panose="02040503050406030204" pitchFamily="18" charset="0"/>
-                                              </a:rPr>
-                                            </m:ctrlPr>
-                                          </m:accPr>
-                                          <m:e>
-                                            <m:r>
-                                              <a:rPr lang="en-IN" sz="2000" noProof="0">
-                                                <a:latin typeface="Cambria Math" panose="02040503050406030204" pitchFamily="18" charset="0"/>
-                                              </a:rPr>
-                                              <m:t>𝑦</m:t>
-                                            </m:r>
-                                          </m:e>
-                                        </m:acc>
-                                      </m:e>
-                                      <m:sub>
-                                        <m:r>
-                                          <a:rPr lang="en-IN" sz="2000" noProof="0">
-                                            <a:latin typeface="Cambria Math" panose="02040503050406030204" pitchFamily="18" charset="0"/>
-                                          </a:rPr>
-                                          <m:t>𝑖</m:t>
-                                        </m:r>
-                                      </m:sub>
-                                    </m:sSub>
-                                    <m:r>
-                                      <m:rPr>
-                                        <m:nor/>
-                                      </m:rPr>
-                                      <a:rPr lang="en-IN" sz="2000" b="0" i="0" noProof="0" smtClean="0">
-                                        <a:latin typeface="Cambria Math" panose="02040503050406030204" pitchFamily="18" charset="0"/>
-                                      </a:rPr>
-                                      <m:t>|</m:t>
-                                    </m:r>
-                                  </m:num>
-                                  <m:den>
-                                    <m:r>
-                                      <m:rPr>
-                                        <m:sty m:val="p"/>
-                                      </m:rPr>
-                                      <a:rPr lang="en-IN" sz="2000" b="0" i="0" noProof="0" smtClean="0">
-                                        <a:latin typeface="Cambria Math" panose="02040503050406030204" pitchFamily="18" charset="0"/>
-                                      </a:rPr>
-                                      <m:t>n</m:t>
-                                    </m:r>
-                                  </m:den>
-                                </m:f>
-                                <m:r>
-                                  <a:rPr lang="en-IN" sz="2000" b="0" noProof="0" smtClean="0">
-                                    <a:latin typeface="Cambria Math" panose="02040503050406030204" pitchFamily="18" charset="0"/>
-                                  </a:rPr>
-                                  <m:t> </m:t>
-                                </m:r>
-                              </m:oMath>
-                            </m:oMathPara>
-                          </a14:m>
-                          <a:endParaRPr lang="en-IN" sz="2000" noProof="0" dirty="0"/>
-                        </a:p>
-                        <a:p>
-                          <a:pPr marL="0" marR="0" lvl="0" indent="0" algn="l" defTabSz="914400" rtl="0" eaLnBrk="1" fontAlgn="auto" latinLnBrk="0" hangingPunct="1">
-                            <a:lnSpc>
-                              <a:spcPct val="100000"/>
-                            </a:lnSpc>
-                            <a:spcBef>
-                              <a:spcPts val="0"/>
-                            </a:spcBef>
-                            <a:spcAft>
-                              <a:spcPts val="0"/>
-                            </a:spcAft>
-                            <a:buClrTx/>
-                            <a:buSzTx/>
-                            <a:buFontTx/>
-                            <a:buNone/>
-                            <a:tabLst/>
-                            <a:defRPr/>
-                          </a:pPr>
-                          <a:endParaRPr lang="en-IN" sz="2000" noProof="0" dirty="0"/>
-                        </a:p>
-                        <a:p>
-                          <a:pPr>
-                            <a:buNone/>
-                          </a:pPr>
-                          <a:endParaRPr lang="en-IN" sz="2000" noProof="0" dirty="0"/>
-                        </a:p>
-                      </a:txBody>
-                      <a:tcPr anchor="ctr"/>
-                    </a:tc>
-                    <a:tc>
-                      <a:txBody>
-                        <a:bodyPr/>
-                        <a:lstStyle/>
-                        <a:p>
-                          <a:pPr>
-                            <a:buNone/>
-                          </a:pPr>
-                          <a14:m>
-                            <m:oMathPara xmlns:m="http://schemas.openxmlformats.org/officeDocument/2006/math">
-                              <m:oMathParaPr>
-                                <m:jc m:val="centerGroup"/>
-                              </m:oMathParaPr>
-                              <m:oMath xmlns:m="http://schemas.openxmlformats.org/officeDocument/2006/math">
-                                <m:sSub>
-                                  <m:sSubPr>
-                                    <m:ctrlPr>
-                                      <a:rPr lang="en-IN" sz="2000" i="1" noProof="0" smtClean="0">
-                                        <a:solidFill>
-                                          <a:srgbClr val="836967"/>
-                                        </a:solidFill>
-                                        <a:latin typeface="Cambria Math" panose="02040503050406030204" pitchFamily="18" charset="0"/>
-                                      </a:rPr>
-                                    </m:ctrlPr>
-                                  </m:sSubPr>
-                                  <m:e>
-                                    <m:r>
-                                      <a:rPr lang="en-IN" sz="2000" noProof="0">
-                                        <a:latin typeface="Cambria Math" panose="02040503050406030204" pitchFamily="18" charset="0"/>
-                                      </a:rPr>
-                                      <m:t>𝑦</m:t>
-                                    </m:r>
-                                  </m:e>
-                                  <m:sub>
-                                    <m:r>
-                                      <a:rPr lang="en-IN" sz="2000" noProof="0">
-                                        <a:latin typeface="Cambria Math" panose="02040503050406030204" pitchFamily="18" charset="0"/>
-                                      </a:rPr>
-                                      <m:t>𝑖</m:t>
-                                    </m:r>
-                                  </m:sub>
-                                </m:sSub>
-                                <m:r>
-                                  <a:rPr lang="en-IN" sz="2000" noProof="0">
-                                    <a:latin typeface="Cambria Math" panose="02040503050406030204" pitchFamily="18" charset="0"/>
-                                  </a:rPr>
-                                  <m:t>−</m:t>
-                                </m:r>
-                                <m:sSub>
-                                  <m:sSubPr>
-                                    <m:ctrlPr>
-                                      <a:rPr lang="en-IN" sz="2000" i="1" noProof="0">
-                                        <a:solidFill>
-                                          <a:srgbClr val="836967"/>
-                                        </a:solidFill>
-                                        <a:latin typeface="Cambria Math" panose="02040503050406030204" pitchFamily="18" charset="0"/>
-                                      </a:rPr>
-                                    </m:ctrlPr>
-                                  </m:sSubPr>
-                                  <m:e>
-                                    <m:acc>
-                                      <m:accPr>
-                                        <m:chr m:val="̂"/>
-                                        <m:ctrlPr>
-                                          <a:rPr lang="en-IN" sz="2000" i="1" noProof="0">
-                                            <a:solidFill>
-                                              <a:srgbClr val="836967"/>
-                                            </a:solidFill>
-                                            <a:latin typeface="Cambria Math" panose="02040503050406030204" pitchFamily="18" charset="0"/>
-                                          </a:rPr>
-                                        </m:ctrlPr>
-                                      </m:accPr>
-                                      <m:e>
-                                        <m:r>
-                                          <a:rPr lang="en-IN" sz="2000" noProof="0">
-                                            <a:latin typeface="Cambria Math" panose="02040503050406030204" pitchFamily="18" charset="0"/>
-                                          </a:rPr>
-                                          <m:t>𝑦</m:t>
-                                        </m:r>
-                                      </m:e>
-                                    </m:acc>
-                                  </m:e>
-                                  <m:sub>
-                                    <m:r>
-                                      <a:rPr lang="en-IN" sz="2000" noProof="0">
-                                        <a:latin typeface="Cambria Math" panose="02040503050406030204" pitchFamily="18" charset="0"/>
-                                      </a:rPr>
-                                      <m:t>𝑖</m:t>
-                                    </m:r>
-                                  </m:sub>
-                                </m:sSub>
-                              </m:oMath>
-                            </m:oMathPara>
-                          </a14:m>
-                          <a:endParaRPr lang="en-IN" sz="2000" noProof="0" dirty="0"/>
-                        </a:p>
-                      </a:txBody>
-                      <a:tcPr anchor="ctr"/>
-                    </a:tc>
-                    <a:tc>
-                      <a:txBody>
-                        <a:bodyPr/>
-                        <a:lstStyle/>
-                        <a:p>
-                          <a:pPr>
-                            <a:buNone/>
-                          </a:pPr>
-                          <a:r>
-                            <a:rPr lang="en-IN" sz="2000" noProof="0" dirty="0"/>
-                            <a:t>Average error in predictions</a:t>
-                          </a:r>
-                        </a:p>
-                      </a:txBody>
-                      <a:tcPr anchor="ctr"/>
-                    </a:tc>
-                    <a:extLst>
-                      <a:ext uri="{0D108BD9-81ED-4DB2-BD59-A6C34878D82A}">
-                        <a16:rowId xmlns:a16="http://schemas.microsoft.com/office/drawing/2014/main" val="4026728376"/>
-                      </a:ext>
-                    </a:extLst>
-                  </a:tr>
-                  <a:tr h="1291803">
-                    <a:tc>
-                      <a:txBody>
-                        <a:bodyPr/>
-                        <a:lstStyle/>
-                        <a:p>
-                          <a:pPr>
-                            <a:buNone/>
-                          </a:pPr>
-                          <a:r>
-                            <a:rPr lang="en-IN" sz="2000" b="1" noProof="0" dirty="0"/>
-                            <a:t>MSE</a:t>
-                          </a:r>
-                          <a:endParaRPr lang="en-IN" sz="2000" noProof="0" dirty="0"/>
-                        </a:p>
-                      </a:txBody>
-                      <a:tcPr anchor="ctr"/>
-                    </a:tc>
-                    <a:tc>
-                      <a:txBody>
-                        <a:bodyPr/>
-                        <a:lstStyle/>
-                        <a:p>
-                          <a:pPr>
-                            <a:buNone/>
-                          </a:pPr>
-                          <a:r>
-                            <a:rPr lang="en-IN" sz="2000" noProof="0" dirty="0"/>
-                            <a:t>Mean Squared Error</a:t>
-                          </a:r>
-                        </a:p>
-                      </a:txBody>
-                      <a:tcPr anchor="ctr"/>
-                    </a:tc>
-                    <a:tc>
-                      <a:txBody>
-                        <a:bodyPr/>
-                        <a:lstStyle/>
-                        <a:p>
-                          <a:pPr marL="0" marR="0" lvl="0" indent="0" algn="l" defTabSz="914400" rtl="0" eaLnBrk="1" fontAlgn="auto" latinLnBrk="0" hangingPunct="1">
-                            <a:lnSpc>
-                              <a:spcPct val="100000"/>
-                            </a:lnSpc>
-                            <a:spcBef>
-                              <a:spcPts val="0"/>
-                            </a:spcBef>
-                            <a:spcAft>
-                              <a:spcPts val="0"/>
-                            </a:spcAft>
-                            <a:buClrTx/>
-                            <a:buSzTx/>
-                            <a:buFontTx/>
-                            <a:buNone/>
-                            <a:tabLst/>
-                            <a:defRPr/>
-                          </a:pPr>
-                          <a14:m>
-                            <m:oMathPara xmlns:m="http://schemas.openxmlformats.org/officeDocument/2006/math">
-                              <m:oMathParaPr>
-                                <m:jc m:val="centerGroup"/>
-                              </m:oMathParaPr>
-                              <m:oMath xmlns:m="http://schemas.openxmlformats.org/officeDocument/2006/math">
-                                <m:f>
-                                  <m:fPr>
-                                    <m:ctrlPr>
-                                      <a:rPr lang="en-IN" sz="2000" b="0" i="1" noProof="0" smtClean="0">
-                                        <a:latin typeface="Cambria Math" panose="02040503050406030204" pitchFamily="18" charset="0"/>
-                                      </a:rPr>
-                                    </m:ctrlPr>
-                                  </m:fPr>
-                                  <m:num>
-                                    <m:r>
-                                      <a:rPr lang="en-IN" sz="2000" b="0" noProof="0" smtClean="0">
-                                        <a:latin typeface="Cambria Math" panose="02040503050406030204" pitchFamily="18" charset="0"/>
-                                      </a:rPr>
-                                      <m:t>𝑆𝑆𝐸</m:t>
-                                    </m:r>
-                                  </m:num>
-                                  <m:den>
-                                    <m:r>
-                                      <m:rPr>
-                                        <m:sty m:val="p"/>
-                                      </m:rPr>
-                                      <a:rPr lang="en-IN" sz="2000" b="0" i="0" noProof="0" smtClean="0">
-                                        <a:latin typeface="Cambria Math" panose="02040503050406030204" pitchFamily="18" charset="0"/>
-                                      </a:rPr>
-                                      <m:t>n</m:t>
-                                    </m:r>
-                                  </m:den>
-                                </m:f>
-                              </m:oMath>
-                            </m:oMathPara>
-                          </a14:m>
-                          <a:endParaRPr lang="en-IN" sz="2000" noProof="0" dirty="0"/>
-                        </a:p>
-                      </a:txBody>
-                      <a:tcPr anchor="ctr"/>
-                    </a:tc>
-                    <a:tc>
-                      <a:txBody>
-                        <a:bodyPr/>
-                        <a:lstStyle/>
-                        <a:p>
-                          <a:pPr>
-                            <a:buNone/>
-                          </a:pPr>
-                          <a:r>
-                            <a:rPr lang="en-IN" sz="2000" noProof="0" dirty="0"/>
-                            <a:t>≥ 0</a:t>
-                          </a:r>
-                        </a:p>
-                        <a:p>
-                          <a:pPr>
-                            <a:buNone/>
-                          </a:pPr>
-                          <a:r>
-                            <a:rPr lang="en-IN" sz="2000" noProof="0" dirty="0"/>
-                            <a:t> (lower = better)</a:t>
-                          </a:r>
-                        </a:p>
-                      </a:txBody>
-                      <a:tcPr anchor="ctr"/>
-                    </a:tc>
-                    <a:tc>
-                      <a:txBody>
-                        <a:bodyPr/>
-                        <a:lstStyle/>
-                        <a:p>
-                          <a:pPr>
-                            <a:buNone/>
-                          </a:pPr>
-                          <a:r>
-                            <a:rPr lang="en-IN" sz="2000" noProof="0" dirty="0"/>
-                            <a:t>Penalizes large errors more (since errors are squared)</a:t>
-                          </a:r>
-                        </a:p>
-                      </a:txBody>
-                      <a:tcPr anchor="ctr"/>
-                    </a:tc>
-                    <a:extLst>
-                      <a:ext uri="{0D108BD9-81ED-4DB2-BD59-A6C34878D82A}">
-                        <a16:rowId xmlns:a16="http://schemas.microsoft.com/office/drawing/2014/main" val="684812497"/>
-                      </a:ext>
-                    </a:extLst>
-                  </a:tr>
-                  <a:tr h="1324344">
-                    <a:tc>
-                      <a:txBody>
-                        <a:bodyPr/>
-                        <a:lstStyle/>
-                        <a:p>
-                          <a:pPr>
-                            <a:buNone/>
-                          </a:pPr>
-                          <a:r>
-                            <a:rPr lang="en-IN" sz="2000" b="1" noProof="0" dirty="0"/>
-                            <a:t>RMSE</a:t>
-                          </a:r>
-                          <a:endParaRPr lang="en-IN" sz="2000" noProof="0" dirty="0"/>
-                        </a:p>
-                      </a:txBody>
-                      <a:tcPr anchor="ctr"/>
-                    </a:tc>
-                    <a:tc>
-                      <a:txBody>
-                        <a:bodyPr/>
-                        <a:lstStyle/>
-                        <a:p>
-                          <a:pPr>
-                            <a:buNone/>
-                          </a:pPr>
-                          <a:r>
-                            <a:rPr lang="en-IN" sz="2000" noProof="0" dirty="0"/>
-                            <a:t>Root Mean Squared Error</a:t>
-                          </a:r>
-                        </a:p>
-                      </a:txBody>
-                      <a:tcPr anchor="ctr"/>
-                    </a:tc>
-                    <a:tc>
-                      <a:txBody>
-                        <a:bodyPr/>
-                        <a:lstStyle/>
-                        <a:p>
-                          <a:pPr>
-                            <a:buNone/>
-                          </a:pPr>
-                          <a14:m>
-                            <m:oMathPara xmlns:m="http://schemas.openxmlformats.org/officeDocument/2006/math">
-                              <m:oMathParaPr>
-                                <m:jc m:val="centerGroup"/>
-                              </m:oMathParaPr>
-                              <m:oMath xmlns:m="http://schemas.openxmlformats.org/officeDocument/2006/math">
-                                <m:rad>
-                                  <m:radPr>
-                                    <m:degHide m:val="on"/>
-                                    <m:ctrlPr>
-                                      <a:rPr lang="en-IN" sz="2000" i="1" noProof="0" smtClean="0">
-                                        <a:latin typeface="Cambria Math" panose="02040503050406030204" pitchFamily="18" charset="0"/>
-                                      </a:rPr>
-                                    </m:ctrlPr>
-                                  </m:radPr>
-                                  <m:deg/>
-                                  <m:e>
-                                    <m:r>
-                                      <a:rPr lang="en-IN" sz="2000" i="1" noProof="0">
-                                        <a:latin typeface="Cambria Math" panose="02040503050406030204" pitchFamily="18" charset="0"/>
-                                      </a:rPr>
-                                      <m:t>𝑀𝑆𝐸</m:t>
-                                    </m:r>
-                                  </m:e>
-                                </m:rad>
-                              </m:oMath>
-                            </m:oMathPara>
-                          </a14:m>
-                          <a:endParaRPr lang="en-IN" sz="2000" noProof="0" dirty="0"/>
-                        </a:p>
-                      </a:txBody>
-                      <a:tcPr anchor="ctr"/>
-                    </a:tc>
-                    <a:tc>
-                      <a:txBody>
-                        <a:bodyPr/>
-                        <a:lstStyle/>
-                        <a:p>
-                          <a:pPr>
-                            <a:buNone/>
-                          </a:pPr>
-                          <a:r>
-                            <a:rPr lang="en-IN" sz="2000" noProof="0" dirty="0"/>
-                            <a:t>≥ 0 </a:t>
-                          </a:r>
-                        </a:p>
-                        <a:p>
-                          <a:pPr>
-                            <a:buNone/>
-                          </a:pPr>
-                          <a:r>
-                            <a:rPr lang="en-IN" sz="2000" noProof="0" dirty="0"/>
-                            <a:t>(lower = better)</a:t>
-                          </a:r>
-                        </a:p>
-                      </a:txBody>
-                      <a:tcPr anchor="ctr"/>
-                    </a:tc>
-                    <a:tc>
-                      <a:txBody>
-                        <a:bodyPr/>
-                        <a:lstStyle/>
-                        <a:p>
-                          <a:pPr>
-                            <a:buNone/>
-                          </a:pPr>
-                          <a:r>
-                            <a:rPr lang="en-IN" sz="2000" noProof="0" dirty="0"/>
-                            <a:t>Same as MSE but in original units of Y — easier to interpret</a:t>
-                          </a:r>
-                        </a:p>
-                      </a:txBody>
-                      <a:tcPr anchor="ctr"/>
-                    </a:tc>
-                    <a:extLst>
-                      <a:ext uri="{0D108BD9-81ED-4DB2-BD59-A6C34878D82A}">
-                        <a16:rowId xmlns:a16="http://schemas.microsoft.com/office/drawing/2014/main" val="1445459520"/>
-                      </a:ext>
-                    </a:extLst>
-                  </a:tr>
-                </a:tbl>
-              </a:graphicData>
-            </a:graphic>
-          </p:graphicFrame>
-        </mc:Choice>
-        <mc:Fallback xmlns="">
-          <p:graphicFrame>
-            <p:nvGraphicFramePr>
-              <p:cNvPr id="4" name="Content Placeholder 3">
-                <a:extLst>
-                  <a:ext uri="{FF2B5EF4-FFF2-40B4-BE49-F238E27FC236}">
-                    <a16:creationId xmlns:a16="http://schemas.microsoft.com/office/drawing/2014/main" id="{C2CC25F8-6752-E6E6-17A1-B7F8B00E71F5}"/>
-                  </a:ext>
-                </a:extLst>
-              </p:cNvPr>
-              <p:cNvGraphicFramePr>
-                <a:graphicFrameLocks noGrp="1"/>
-              </p:cNvGraphicFramePr>
-              <p:nvPr>
-                <p:ph idx="1"/>
-                <p:extLst>
-                  <p:ext uri="{D42A27DB-BD31-4B8C-83A1-F6EECF244321}">
-                    <p14:modId xmlns:p14="http://schemas.microsoft.com/office/powerpoint/2010/main" val="3226172289"/>
-                  </p:ext>
-                </p:extLst>
-              </p:nvPr>
-            </p:nvGraphicFramePr>
-            <p:xfrm>
-              <a:off x="393405" y="850606"/>
-              <a:ext cx="11344939" cy="5974411"/>
-            </p:xfrm>
-            <a:graphic>
-              <a:graphicData uri="http://schemas.openxmlformats.org/drawingml/2006/table">
-                <a:tbl>
-                  <a:tblPr>
-                    <a:tableStyleId>{E8B1032C-EA38-4F05-BA0D-38AFFFC7BED3}</a:tableStyleId>
-                  </a:tblPr>
-                  <a:tblGrid>
-                    <a:gridCol w="1022842">
-                      <a:extLst>
-                        <a:ext uri="{9D8B030D-6E8A-4147-A177-3AD203B41FA5}">
-                          <a16:colId xmlns:a16="http://schemas.microsoft.com/office/drawing/2014/main" val="3571068989"/>
-                        </a:ext>
-                      </a:extLst>
-                    </a:gridCol>
-                    <a:gridCol w="2305695">
-                      <a:extLst>
-                        <a:ext uri="{9D8B030D-6E8A-4147-A177-3AD203B41FA5}">
-                          <a16:colId xmlns:a16="http://schemas.microsoft.com/office/drawing/2014/main" val="2841260163"/>
-                        </a:ext>
-                      </a:extLst>
-                    </a:gridCol>
-                    <a:gridCol w="3120145">
-                      <a:extLst>
-                        <a:ext uri="{9D8B030D-6E8A-4147-A177-3AD203B41FA5}">
-                          <a16:colId xmlns:a16="http://schemas.microsoft.com/office/drawing/2014/main" val="4066360817"/>
-                        </a:ext>
-                      </a:extLst>
-                    </a:gridCol>
-                    <a:gridCol w="2145100">
-                      <a:extLst>
-                        <a:ext uri="{9D8B030D-6E8A-4147-A177-3AD203B41FA5}">
-                          <a16:colId xmlns:a16="http://schemas.microsoft.com/office/drawing/2014/main" val="121328166"/>
-                        </a:ext>
-                      </a:extLst>
-                    </a:gridCol>
-                    <a:gridCol w="2751157">
-                      <a:extLst>
-                        <a:ext uri="{9D8B030D-6E8A-4147-A177-3AD203B41FA5}">
-                          <a16:colId xmlns:a16="http://schemas.microsoft.com/office/drawing/2014/main" val="1813311693"/>
-                        </a:ext>
-                      </a:extLst>
-                    </a:gridCol>
-                  </a:tblGrid>
-                  <a:tr h="719673">
-                    <a:tc>
-                      <a:txBody>
-                        <a:bodyPr/>
-                        <a:lstStyle/>
-                        <a:p>
-                          <a:pPr>
-                            <a:buNone/>
-                          </a:pPr>
-                          <a:r>
-                            <a:rPr lang="en-IN" sz="2000" b="1" noProof="0" dirty="0"/>
-                            <a:t>Metric</a:t>
-                          </a:r>
-                          <a:endParaRPr lang="en-IN" sz="2000" noProof="0" dirty="0"/>
-                        </a:p>
-                      </a:txBody>
-                      <a:tcPr anchor="ctr"/>
-                    </a:tc>
-                    <a:tc>
-                      <a:txBody>
-                        <a:bodyPr/>
-                        <a:lstStyle/>
-                        <a:p>
-                          <a:pPr>
-                            <a:buNone/>
-                          </a:pPr>
-                          <a:r>
-                            <a:rPr lang="en-IN" sz="2000" b="1" noProof="0" dirty="0"/>
-                            <a:t>Full Form</a:t>
-                          </a:r>
-                          <a:endParaRPr lang="en-IN" sz="2000" noProof="0" dirty="0"/>
-                        </a:p>
-                      </a:txBody>
-                      <a:tcPr anchor="ctr"/>
-                    </a:tc>
-                    <a:tc>
-                      <a:txBody>
-                        <a:bodyPr/>
-                        <a:lstStyle/>
-                        <a:p>
-                          <a:pPr>
-                            <a:buNone/>
-                          </a:pPr>
-                          <a:r>
-                            <a:rPr lang="en-IN" sz="2000" b="1" noProof="0" dirty="0"/>
-                            <a:t>Formula</a:t>
-                          </a:r>
-                          <a:endParaRPr lang="en-IN" sz="2000" noProof="0" dirty="0"/>
-                        </a:p>
-                      </a:txBody>
-                      <a:tcPr anchor="ctr"/>
-                    </a:tc>
-                    <a:tc>
-                      <a:txBody>
-                        <a:bodyPr/>
-                        <a:lstStyle/>
-                        <a:p>
-                          <a:pPr>
-                            <a:buNone/>
-                          </a:pPr>
-                          <a:r>
-                            <a:rPr lang="en-IN" sz="2000" b="1" noProof="0" dirty="0"/>
-                            <a:t>Range / Ideal Value</a:t>
-                          </a:r>
-                          <a:endParaRPr lang="en-IN" sz="2000" noProof="0" dirty="0"/>
-                        </a:p>
-                      </a:txBody>
-                      <a:tcPr anchor="ctr"/>
-                    </a:tc>
-                    <a:tc>
-                      <a:txBody>
-                        <a:bodyPr/>
-                        <a:lstStyle/>
-                        <a:p>
-                          <a:pPr>
-                            <a:buNone/>
-                          </a:pPr>
-                          <a:r>
-                            <a:rPr lang="en-IN" sz="2000" b="1" noProof="0" dirty="0"/>
-                            <a:t>Intuition (Meaning)</a:t>
-                          </a:r>
-                          <a:endParaRPr lang="en-IN" sz="2000" noProof="0" dirty="0"/>
-                        </a:p>
-                      </a:txBody>
-                      <a:tcPr anchor="ctr"/>
-                    </a:tc>
-                    <a:extLst>
-                      <a:ext uri="{0D108BD9-81ED-4DB2-BD59-A6C34878D82A}">
-                        <a16:rowId xmlns:a16="http://schemas.microsoft.com/office/drawing/2014/main" val="580338717"/>
-                      </a:ext>
-                    </a:extLst>
-                  </a:tr>
-                  <a:tr h="1359383">
-                    <a:tc>
-                      <a:txBody>
-                        <a:bodyPr/>
-                        <a:lstStyle/>
-                        <a:p>
-                          <a:pPr>
-                            <a:buNone/>
-                          </a:pPr>
-                          <a:r>
-                            <a:rPr lang="en-IN" sz="2000" b="1" noProof="0" dirty="0"/>
-                            <a:t>R²</a:t>
-                          </a:r>
-                          <a:endParaRPr lang="en-IN" sz="2000" noProof="0" dirty="0"/>
-                        </a:p>
-                      </a:txBody>
-                      <a:tcPr anchor="ctr"/>
-                    </a:tc>
-                    <a:tc>
-                      <a:txBody>
-                        <a:bodyPr/>
-                        <a:lstStyle/>
-                        <a:p>
-                          <a:pPr>
-                            <a:buNone/>
-                          </a:pPr>
-                          <a:r>
-                            <a:rPr lang="en-IN" sz="2000" noProof="0" dirty="0"/>
-                            <a:t>Coefficient of Determination</a:t>
-                          </a:r>
-                        </a:p>
-                      </a:txBody>
-                      <a:tcPr anchor="ctr"/>
-                    </a:tc>
-                    <a:tc>
-                      <a:txBody>
-                        <a:bodyPr/>
-                        <a:lstStyle/>
-                        <a:p>
-                          <a:endParaRPr lang="en-US"/>
-                        </a:p>
-                      </a:txBody>
-                      <a:tcPr anchor="ctr">
-                        <a:blipFill>
-                          <a:blip r:embed="rId2"/>
-                          <a:stretch>
-                            <a:fillRect l="-106836" t="-54260" r="-157422" b="-287892"/>
-                          </a:stretch>
-                        </a:blipFill>
-                      </a:tcPr>
-                    </a:tc>
-                    <a:tc>
-                      <a:txBody>
-                        <a:bodyPr/>
-                        <a:lstStyle/>
-                        <a:p>
-                          <a:pPr>
-                            <a:buNone/>
-                          </a:pPr>
-                          <a:r>
-                            <a:rPr lang="en-IN" sz="2000" noProof="0" dirty="0"/>
-                            <a:t>0 to 1 </a:t>
-                          </a:r>
-                        </a:p>
-                        <a:p>
-                          <a:pPr>
-                            <a:buNone/>
-                          </a:pPr>
-                          <a:r>
-                            <a:rPr lang="en-IN" sz="2000" noProof="0" dirty="0"/>
-                            <a:t>(higher = better)</a:t>
-                          </a:r>
-                        </a:p>
-                      </a:txBody>
-                      <a:tcPr anchor="ctr"/>
-                    </a:tc>
-                    <a:tc>
-                      <a:txBody>
-                        <a:bodyPr/>
-                        <a:lstStyle/>
-                        <a:p>
-                          <a:pPr>
-                            <a:buNone/>
-                          </a:pPr>
-                          <a:r>
-                            <a:rPr lang="en-IN" sz="2000" noProof="0" dirty="0"/>
-                            <a:t>How well the model explains variation in Y, 1 = perfect prediction</a:t>
-                          </a:r>
-                        </a:p>
-                      </a:txBody>
-                      <a:tcPr anchor="ctr"/>
-                    </a:tc>
-                    <a:extLst>
-                      <a:ext uri="{0D108BD9-81ED-4DB2-BD59-A6C34878D82A}">
-                        <a16:rowId xmlns:a16="http://schemas.microsoft.com/office/drawing/2014/main" val="3721828721"/>
-                      </a:ext>
-                    </a:extLst>
-                  </a:tr>
-                  <a:tr h="1279208">
-                    <a:tc>
-                      <a:txBody>
-                        <a:bodyPr/>
-                        <a:lstStyle/>
-                        <a:p>
-                          <a:pPr>
-                            <a:buNone/>
-                          </a:pPr>
-                          <a:r>
-                            <a:rPr lang="en-IN" sz="2000" b="1" noProof="0" dirty="0"/>
-                            <a:t>MAE</a:t>
-                          </a:r>
-                          <a:endParaRPr lang="en-IN" sz="2000" noProof="0" dirty="0"/>
-                        </a:p>
-                      </a:txBody>
-                      <a:tcPr anchor="ctr"/>
-                    </a:tc>
-                    <a:tc>
-                      <a:txBody>
-                        <a:bodyPr/>
-                        <a:lstStyle/>
-                        <a:p>
-                          <a:pPr>
-                            <a:buNone/>
-                          </a:pPr>
-                          <a:r>
-                            <a:rPr lang="en-IN" sz="2000" noProof="0" dirty="0"/>
-                            <a:t>Mean Absolute Error</a:t>
-                          </a:r>
-                        </a:p>
-                      </a:txBody>
-                      <a:tcPr anchor="ctr"/>
-                    </a:tc>
-                    <a:tc>
-                      <a:txBody>
-                        <a:bodyPr/>
-                        <a:lstStyle/>
-                        <a:p>
-                          <a:endParaRPr lang="en-US"/>
-                        </a:p>
-                      </a:txBody>
-                      <a:tcPr anchor="ctr">
-                        <a:blipFill>
-                          <a:blip r:embed="rId2"/>
-                          <a:stretch>
-                            <a:fillRect l="-106836" t="-163810" r="-157422" b="-205714"/>
-                          </a:stretch>
-                        </a:blipFill>
-                      </a:tcPr>
-                    </a:tc>
-                    <a:tc>
-                      <a:txBody>
-                        <a:bodyPr/>
-                        <a:lstStyle/>
-                        <a:p>
-                          <a:endParaRPr lang="en-US"/>
-                        </a:p>
-                      </a:txBody>
-                      <a:tcPr anchor="ctr">
-                        <a:blipFill>
-                          <a:blip r:embed="rId2"/>
-                          <a:stretch>
-                            <a:fillRect l="-300852" t="-163810" r="-128977" b="-205714"/>
-                          </a:stretch>
-                        </a:blipFill>
-                      </a:tcPr>
-                    </a:tc>
-                    <a:tc>
-                      <a:txBody>
-                        <a:bodyPr/>
-                        <a:lstStyle/>
-                        <a:p>
-                          <a:pPr>
-                            <a:buNone/>
-                          </a:pPr>
-                          <a:r>
-                            <a:rPr lang="en-IN" sz="2000" noProof="0" dirty="0"/>
-                            <a:t>Average error in predictions</a:t>
-                          </a:r>
-                        </a:p>
-                      </a:txBody>
-                      <a:tcPr anchor="ctr"/>
-                    </a:tc>
-                    <a:extLst>
-                      <a:ext uri="{0D108BD9-81ED-4DB2-BD59-A6C34878D82A}">
-                        <a16:rowId xmlns:a16="http://schemas.microsoft.com/office/drawing/2014/main" val="4026728376"/>
-                      </a:ext>
-                    </a:extLst>
-                  </a:tr>
-                  <a:tr h="1291803">
-                    <a:tc>
-                      <a:txBody>
-                        <a:bodyPr/>
-                        <a:lstStyle/>
-                        <a:p>
-                          <a:pPr>
-                            <a:buNone/>
-                          </a:pPr>
-                          <a:r>
-                            <a:rPr lang="en-IN" sz="2000" b="1" noProof="0" dirty="0"/>
-                            <a:t>MSE</a:t>
-                          </a:r>
-                          <a:endParaRPr lang="en-IN" sz="2000" noProof="0" dirty="0"/>
-                        </a:p>
-                      </a:txBody>
-                      <a:tcPr anchor="ctr"/>
-                    </a:tc>
-                    <a:tc>
-                      <a:txBody>
-                        <a:bodyPr/>
-                        <a:lstStyle/>
-                        <a:p>
-                          <a:pPr>
-                            <a:buNone/>
-                          </a:pPr>
-                          <a:r>
-                            <a:rPr lang="en-IN" sz="2000" noProof="0" dirty="0"/>
-                            <a:t>Mean Squared Error</a:t>
-                          </a:r>
-                        </a:p>
-                      </a:txBody>
-                      <a:tcPr anchor="ctr"/>
-                    </a:tc>
-                    <a:tc>
-                      <a:txBody>
-                        <a:bodyPr/>
-                        <a:lstStyle/>
-                        <a:p>
-                          <a:endParaRPr lang="en-US"/>
-                        </a:p>
-                      </a:txBody>
-                      <a:tcPr anchor="ctr">
-                        <a:blipFill>
-                          <a:blip r:embed="rId2"/>
-                          <a:stretch>
-                            <a:fillRect l="-106836" t="-260094" r="-157422" b="-102817"/>
-                          </a:stretch>
-                        </a:blipFill>
-                      </a:tcPr>
-                    </a:tc>
-                    <a:tc>
-                      <a:txBody>
-                        <a:bodyPr/>
-                        <a:lstStyle/>
-                        <a:p>
-                          <a:pPr>
-                            <a:buNone/>
-                          </a:pPr>
-                          <a:r>
-                            <a:rPr lang="en-IN" sz="2000" noProof="0" dirty="0"/>
-                            <a:t>≥ 0</a:t>
-                          </a:r>
-                        </a:p>
-                        <a:p>
-                          <a:pPr>
-                            <a:buNone/>
-                          </a:pPr>
-                          <a:r>
-                            <a:rPr lang="en-IN" sz="2000" noProof="0" dirty="0"/>
-                            <a:t> (lower = better)</a:t>
-                          </a:r>
-                        </a:p>
-                      </a:txBody>
-                      <a:tcPr anchor="ctr"/>
-                    </a:tc>
-                    <a:tc>
-                      <a:txBody>
-                        <a:bodyPr/>
-                        <a:lstStyle/>
-                        <a:p>
-                          <a:pPr>
-                            <a:buNone/>
-                          </a:pPr>
-                          <a:r>
-                            <a:rPr lang="en-IN" sz="2000" noProof="0" dirty="0"/>
-                            <a:t>Penalizes large errors more (since errors are squared)</a:t>
-                          </a:r>
-                        </a:p>
-                      </a:txBody>
-                      <a:tcPr anchor="ctr"/>
-                    </a:tc>
-                    <a:extLst>
-                      <a:ext uri="{0D108BD9-81ED-4DB2-BD59-A6C34878D82A}">
-                        <a16:rowId xmlns:a16="http://schemas.microsoft.com/office/drawing/2014/main" val="684812497"/>
-                      </a:ext>
-                    </a:extLst>
-                  </a:tr>
-                  <a:tr h="1324344">
-                    <a:tc>
-                      <a:txBody>
-                        <a:bodyPr/>
-                        <a:lstStyle/>
-                        <a:p>
-                          <a:pPr>
-                            <a:buNone/>
-                          </a:pPr>
-                          <a:r>
-                            <a:rPr lang="en-IN" sz="2000" b="1" noProof="0" dirty="0"/>
-                            <a:t>RMSE</a:t>
-                          </a:r>
-                          <a:endParaRPr lang="en-IN" sz="2000" noProof="0" dirty="0"/>
-                        </a:p>
-                      </a:txBody>
-                      <a:tcPr anchor="ctr"/>
-                    </a:tc>
-                    <a:tc>
-                      <a:txBody>
-                        <a:bodyPr/>
-                        <a:lstStyle/>
-                        <a:p>
-                          <a:pPr>
-                            <a:buNone/>
-                          </a:pPr>
-                          <a:r>
-                            <a:rPr lang="en-IN" sz="2000" noProof="0" dirty="0"/>
-                            <a:t>Root Mean Squared Error</a:t>
-                          </a:r>
-                        </a:p>
-                      </a:txBody>
-                      <a:tcPr anchor="ctr"/>
-                    </a:tc>
-                    <a:tc>
-                      <a:txBody>
-                        <a:bodyPr/>
-                        <a:lstStyle/>
-                        <a:p>
-                          <a:endParaRPr lang="en-US"/>
-                        </a:p>
-                      </a:txBody>
-                      <a:tcPr anchor="ctr">
-                        <a:blipFill>
-                          <a:blip r:embed="rId2"/>
-                          <a:stretch>
-                            <a:fillRect l="-106836" t="-353456" r="-157422" b="-922"/>
-                          </a:stretch>
-                        </a:blipFill>
-                      </a:tcPr>
-                    </a:tc>
-                    <a:tc>
-                      <a:txBody>
-                        <a:bodyPr/>
-                        <a:lstStyle/>
-                        <a:p>
-                          <a:pPr>
-                            <a:buNone/>
-                          </a:pPr>
-                          <a:r>
-                            <a:rPr lang="en-IN" sz="2000" noProof="0" dirty="0"/>
-                            <a:t>≥ 0 </a:t>
-                          </a:r>
-                        </a:p>
-                        <a:p>
-                          <a:pPr>
-                            <a:buNone/>
-                          </a:pPr>
-                          <a:r>
-                            <a:rPr lang="en-IN" sz="2000" noProof="0" dirty="0"/>
-                            <a:t>(lower = better)</a:t>
-                          </a:r>
-                        </a:p>
-                      </a:txBody>
-                      <a:tcPr anchor="ctr"/>
-                    </a:tc>
-                    <a:tc>
-                      <a:txBody>
-                        <a:bodyPr/>
-                        <a:lstStyle/>
-                        <a:p>
-                          <a:pPr>
-                            <a:buNone/>
-                          </a:pPr>
-                          <a:r>
-                            <a:rPr lang="en-IN" sz="2000" noProof="0" dirty="0"/>
-                            <a:t>Same as MSE but in original units of Y — easier to interpret</a:t>
-                          </a:r>
-                        </a:p>
-                      </a:txBody>
-                      <a:tcPr anchor="ctr"/>
-                    </a:tc>
-                    <a:extLst>
-                      <a:ext uri="{0D108BD9-81ED-4DB2-BD59-A6C34878D82A}">
-                        <a16:rowId xmlns:a16="http://schemas.microsoft.com/office/drawing/2014/main" val="1445459520"/>
-                      </a:ext>
-                    </a:extLst>
-                  </a:tr>
-                </a:tbl>
-              </a:graphicData>
-            </a:graphic>
-          </p:graphicFrame>
-        </mc:Fallback>
-      </mc:AlternateContent>
-    </p:spTree>
-    <p:extLst>
-      <p:ext uri="{BB962C8B-B14F-4D97-AF65-F5344CB8AC3E}">
-        <p14:creationId xmlns:p14="http://schemas.microsoft.com/office/powerpoint/2010/main" val="3764689461"/>
-      </p:ext>
-    </p:extLst>
-  </p:cSld>
-  <p:clrMapOvr>
-    <a:masterClrMapping/>
-  </p:clrMapOvr>
-</p:sld>
-</file>
-
-<file path=ppt/slides/slide9.xml><?xml version="1.0" encoding="utf-8"?>
-<p:sld xmlns:a="http://schemas.openxmlformats.org/drawingml/2006/main" xmlns:r="http://schemas.openxmlformats.org/officeDocument/2006/relationships" xmlns:p="http://schemas.openxmlformats.org/presentationml/2006/main">
-  <p:cSld>
-    <p:spTree>
-      <p:nvGrpSpPr>
-        <p:cNvPr id="1" name=""/>
-        <p:cNvGrpSpPr/>
-        <p:nvPr/>
-      </p:nvGrpSpPr>
-      <p:grpSpPr>
-        <a:xfrm>
-          <a:off x="0" y="0"/>
-          <a:ext cx="0" cy="0"/>
-          <a:chOff x="0" y="0"/>
-          <a:chExt cx="0" cy="0"/>
-        </a:xfrm>
-      </p:grpSpPr>
-      <p:sp>
-        <p:nvSpPr>
-          <p:cNvPr id="2" name="Title 1">
-            <a:extLst>
-              <a:ext uri="{FF2B5EF4-FFF2-40B4-BE49-F238E27FC236}">
-                <a16:creationId xmlns:a16="http://schemas.microsoft.com/office/drawing/2014/main" id="{3785D5AC-0F57-C3CC-9558-E2D2F14F69E3}"/>
-              </a:ext>
-            </a:extLst>
-          </p:cNvPr>
-          <p:cNvSpPr>
-            <a:spLocks noGrp="1"/>
-          </p:cNvSpPr>
-          <p:nvPr>
-            <p:ph type="title"/>
-          </p:nvPr>
-        </p:nvSpPr>
-        <p:spPr/>
-        <p:txBody>
-          <a:bodyPr/>
-          <a:lstStyle/>
-          <a:p>
-            <a:r>
-              <a:rPr lang="en-IN" noProof="0" dirty="0"/>
-              <a:t>Example</a:t>
-            </a:r>
-          </a:p>
-        </p:txBody>
-      </p:sp>
-      <mc:AlternateContent xmlns:mc="http://schemas.openxmlformats.org/markup-compatibility/2006" xmlns:a14="http://schemas.microsoft.com/office/drawing/2010/main">
-        <mc:Choice Requires="a14">
-          <p:sp>
-            <p:nvSpPr>
-              <p:cNvPr id="3" name="Content Placeholder 2">
-                <a:extLst>
-                  <a:ext uri="{FF2B5EF4-FFF2-40B4-BE49-F238E27FC236}">
-                    <a16:creationId xmlns:a16="http://schemas.microsoft.com/office/drawing/2014/main" id="{07E7A4CE-2A86-BB70-0F15-0BC19C6D756D}"/>
-                  </a:ext>
-                </a:extLst>
-              </p:cNvPr>
-              <p:cNvSpPr>
-                <a:spLocks noGrp="1"/>
-              </p:cNvSpPr>
-              <p:nvPr>
-                <p:ph idx="1"/>
-              </p:nvPr>
-            </p:nvSpPr>
-            <p:spPr/>
-            <p:txBody>
-              <a:bodyPr>
-                <a:normAutofit fontScale="85000" lnSpcReduction="20000"/>
-              </a:bodyPr>
-              <a:lstStyle/>
-              <a:p>
-                <a:r>
-                  <a:rPr lang="en-IN" noProof="0" dirty="0"/>
-                  <a:t>R</a:t>
-                </a:r>
-                <a:r>
-                  <a:rPr lang="en-IN" baseline="30000" noProof="0" dirty="0"/>
-                  <a:t>2</a:t>
-                </a:r>
-                <a:r>
-                  <a:rPr lang="en-IN" noProof="0" dirty="0"/>
-                  <a:t> = </a:t>
-                </a:r>
-                <a14:m>
-                  <m:oMath xmlns:m="http://schemas.openxmlformats.org/officeDocument/2006/math">
-                    <m:r>
-                      <a:rPr lang="en-IN" i="1" noProof="0">
-                        <a:latin typeface="Cambria Math" panose="02040503050406030204" pitchFamily="18" charset="0"/>
-                      </a:rPr>
-                      <m:t>1 − </m:t>
-                    </m:r>
-                    <m:f>
-                      <m:fPr>
-                        <m:ctrlPr>
-                          <a:rPr lang="en-IN" i="1" noProof="0">
-                            <a:latin typeface="Cambria Math" panose="02040503050406030204" pitchFamily="18" charset="0"/>
-                          </a:rPr>
-                        </m:ctrlPr>
-                      </m:fPr>
-                      <m:num>
-                        <m:r>
-                          <a:rPr lang="en-IN" i="1" noProof="0">
-                            <a:latin typeface="Cambria Math" panose="02040503050406030204" pitchFamily="18" charset="0"/>
-                          </a:rPr>
-                          <m:t>𝑆𝑆𝐸</m:t>
-                        </m:r>
-                      </m:num>
-                      <m:den>
-                        <m:r>
-                          <a:rPr lang="en-IN" i="1" noProof="0">
-                            <a:latin typeface="Cambria Math" panose="02040503050406030204" pitchFamily="18" charset="0"/>
-                          </a:rPr>
-                          <m:t>𝑇𝑆𝑆</m:t>
-                        </m:r>
-                        <m:r>
-                          <a:rPr lang="en-IN" b="0" i="1" noProof="0" smtClean="0">
-                            <a:latin typeface="Cambria Math" panose="02040503050406030204" pitchFamily="18" charset="0"/>
-                          </a:rPr>
-                          <m:t>∗</m:t>
-                        </m:r>
-                      </m:den>
-                    </m:f>
-                  </m:oMath>
-                </a14:m>
-                <a:endParaRPr lang="en-IN" noProof="0" dirty="0"/>
-              </a:p>
-              <a:p>
-                <a:endParaRPr lang="en-IN" noProof="0" dirty="0"/>
-              </a:p>
-              <a:p>
-                <a14:m>
-                  <m:oMath xmlns:m="http://schemas.openxmlformats.org/officeDocument/2006/math">
-                    <m:r>
-                      <m:rPr>
-                        <m:nor/>
-                      </m:rPr>
-                      <a:rPr lang="en-IN" noProof="0"/>
-                      <m:t>R</m:t>
-                    </m:r>
-                    <m:r>
-                      <m:rPr>
-                        <m:nor/>
-                      </m:rPr>
-                      <a:rPr lang="en-IN" baseline="30000" noProof="0"/>
-                      <m:t>2</m:t>
-                    </m:r>
-                    <m:r>
-                      <m:rPr>
-                        <m:nor/>
-                      </m:rPr>
-                      <a:rPr lang="en-IN" noProof="0"/>
-                      <m:t> =</m:t>
-                    </m:r>
-                    <m:r>
-                      <m:rPr>
-                        <m:nor/>
-                      </m:rPr>
-                      <a:rPr lang="en-IN" b="0" i="0" noProof="0" smtClean="0"/>
-                      <m:t> </m:t>
-                    </m:r>
-                    <m:r>
-                      <a:rPr lang="en-IN" i="1" noProof="0">
-                        <a:latin typeface="Cambria Math" panose="02040503050406030204" pitchFamily="18" charset="0"/>
-                      </a:rPr>
-                      <m:t>1 − </m:t>
-                    </m:r>
-                    <m:f>
-                      <m:fPr>
-                        <m:ctrlPr>
-                          <a:rPr lang="en-IN" i="1" noProof="0">
-                            <a:latin typeface="Cambria Math" panose="02040503050406030204" pitchFamily="18" charset="0"/>
-                          </a:rPr>
-                        </m:ctrlPr>
-                      </m:fPr>
-                      <m:num>
-                        <m:r>
-                          <a:rPr lang="en-IN" i="1" noProof="0">
-                            <a:latin typeface="Cambria Math" panose="02040503050406030204" pitchFamily="18" charset="0"/>
-                          </a:rPr>
-                          <m:t>722</m:t>
-                        </m:r>
-                      </m:num>
-                      <m:den>
-                        <m:r>
-                          <a:rPr lang="en-IN" i="1" noProof="0">
-                            <a:latin typeface="Cambria Math" panose="02040503050406030204" pitchFamily="18" charset="0"/>
-                          </a:rPr>
-                          <m:t>1450</m:t>
-                        </m:r>
-                      </m:den>
-                    </m:f>
-                    <m:r>
-                      <a:rPr lang="en-IN" i="1" noProof="0">
-                        <a:latin typeface="Cambria Math" panose="02040503050406030204" pitchFamily="18" charset="0"/>
-                      </a:rPr>
-                      <m:t> </m:t>
-                    </m:r>
-                  </m:oMath>
-                </a14:m>
-                <a:r>
-                  <a:rPr lang="en-IN" noProof="0" dirty="0"/>
-                  <a:t> = 0.502</a:t>
-                </a:r>
-              </a:p>
-              <a:p>
-                <a:endParaRPr lang="en-IN" noProof="0" dirty="0"/>
-              </a:p>
-              <a:p>
-                <a:r>
-                  <a:rPr lang="en-IN" noProof="0" dirty="0"/>
-                  <a:t>MSE =</a:t>
-                </a:r>
-                <a14:m>
-                  <m:oMath xmlns:m="http://schemas.openxmlformats.org/officeDocument/2006/math">
-                    <m:r>
-                      <a:rPr lang="en-IN" b="0" i="0" noProof="0" smtClean="0">
-                        <a:latin typeface="Cambria Math" panose="02040503050406030204" pitchFamily="18" charset="0"/>
-                      </a:rPr>
-                      <m:t> </m:t>
-                    </m:r>
-                    <m:f>
-                      <m:fPr>
-                        <m:ctrlPr>
-                          <a:rPr lang="en-IN" i="1" noProof="0">
-                            <a:latin typeface="Cambria Math" panose="02040503050406030204" pitchFamily="18" charset="0"/>
-                          </a:rPr>
-                        </m:ctrlPr>
-                      </m:fPr>
-                      <m:num>
-                        <m:r>
-                          <a:rPr lang="en-IN" i="1" noProof="0">
-                            <a:latin typeface="Cambria Math" panose="02040503050406030204" pitchFamily="18" charset="0"/>
-                          </a:rPr>
-                          <m:t>𝑆𝑆𝐸</m:t>
-                        </m:r>
-                      </m:num>
-                      <m:den>
-                        <m:r>
-                          <a:rPr lang="en-IN" b="0" i="1" noProof="0" smtClean="0">
-                            <a:latin typeface="Cambria Math" panose="02040503050406030204" pitchFamily="18" charset="0"/>
-                          </a:rPr>
-                          <m:t>𝑛</m:t>
-                        </m:r>
-                      </m:den>
-                    </m:f>
-                  </m:oMath>
-                </a14:m>
-                <a:r>
-                  <a:rPr lang="en-IN" noProof="0" dirty="0"/>
-                  <a:t> = </a:t>
-                </a:r>
-                <a14:m>
-                  <m:oMath xmlns:m="http://schemas.openxmlformats.org/officeDocument/2006/math">
-                    <m:f>
-                      <m:fPr>
-                        <m:ctrlPr>
-                          <a:rPr lang="en-IN" i="1" noProof="0">
-                            <a:latin typeface="Cambria Math" panose="02040503050406030204" pitchFamily="18" charset="0"/>
-                          </a:rPr>
-                        </m:ctrlPr>
-                      </m:fPr>
-                      <m:num>
-                        <m:r>
-                          <a:rPr lang="en-IN" b="0" i="1" noProof="0" smtClean="0">
-                            <a:latin typeface="Cambria Math" panose="02040503050406030204" pitchFamily="18" charset="0"/>
-                          </a:rPr>
-                          <m:t>722</m:t>
-                        </m:r>
-                      </m:num>
-                      <m:den>
-                        <m:r>
-                          <a:rPr lang="en-IN" b="0" i="1" noProof="0" smtClean="0">
-                            <a:latin typeface="Cambria Math" panose="02040503050406030204" pitchFamily="18" charset="0"/>
-                          </a:rPr>
-                          <m:t>10</m:t>
-                        </m:r>
-                      </m:den>
-                    </m:f>
-                  </m:oMath>
-                </a14:m>
-                <a:r>
-                  <a:rPr lang="en-IN" noProof="0" dirty="0"/>
-                  <a:t> = 72.2</a:t>
-                </a:r>
-              </a:p>
-              <a:p>
-                <a:endParaRPr lang="en-IN" noProof="0" dirty="0"/>
-              </a:p>
-              <a:p>
-                <a:endParaRPr lang="en-IN" noProof="0" dirty="0"/>
-              </a:p>
-              <a:p>
-                <a:r>
-                  <a:rPr lang="en-IN" noProof="0" dirty="0"/>
-                  <a:t>RMSE = </a:t>
-                </a:r>
-                <a14:m>
-                  <m:oMath xmlns:m="http://schemas.openxmlformats.org/officeDocument/2006/math">
-                    <m:rad>
-                      <m:radPr>
-                        <m:degHide m:val="on"/>
-                        <m:ctrlPr>
-                          <a:rPr lang="en-IN" i="1" noProof="0" smtClean="0">
-                            <a:latin typeface="Cambria Math" panose="02040503050406030204" pitchFamily="18" charset="0"/>
-                          </a:rPr>
-                        </m:ctrlPr>
-                      </m:radPr>
-                      <m:deg/>
-                      <m:e>
-                        <m:r>
-                          <a:rPr lang="en-IN" i="1" noProof="0">
-                            <a:latin typeface="Cambria Math" panose="02040503050406030204" pitchFamily="18" charset="0"/>
-                          </a:rPr>
-                          <m:t>𝑀𝑆𝐸</m:t>
-                        </m:r>
-                      </m:e>
-                    </m:rad>
-                  </m:oMath>
-                </a14:m>
-                <a:r>
-                  <a:rPr lang="en-IN" noProof="0" dirty="0"/>
-                  <a:t> = </a:t>
-                </a:r>
-                <a14:m>
-                  <m:oMath xmlns:m="http://schemas.openxmlformats.org/officeDocument/2006/math">
-                    <m:rad>
-                      <m:radPr>
-                        <m:degHide m:val="on"/>
-                        <m:ctrlPr>
-                          <a:rPr lang="en-IN" i="1" noProof="0">
-                            <a:latin typeface="Cambria Math" panose="02040503050406030204" pitchFamily="18" charset="0"/>
-                          </a:rPr>
-                        </m:ctrlPr>
-                      </m:radPr>
-                      <m:deg/>
-                      <m:e>
-                        <m:r>
-                          <a:rPr lang="en-IN" b="0" i="1" noProof="0" smtClean="0">
-                            <a:latin typeface="Cambria Math" panose="02040503050406030204" pitchFamily="18" charset="0"/>
-                          </a:rPr>
-                          <m:t>72.2</m:t>
-                        </m:r>
-                      </m:e>
-                    </m:rad>
-                  </m:oMath>
-                </a14:m>
-                <a:r>
-                  <a:rPr lang="en-IN" noProof="0" dirty="0"/>
-                  <a:t> = 8.49</a:t>
-                </a:r>
-              </a:p>
-              <a:p>
-                <a:endParaRPr lang="en-IN" noProof="0" dirty="0"/>
-              </a:p>
-              <a:p>
-                <a:r>
-                  <a:rPr lang="en-IN" noProof="0" dirty="0"/>
-                  <a:t>MAE = </a:t>
-                </a:r>
-                <a14:m>
-                  <m:oMath xmlns:m="http://schemas.openxmlformats.org/officeDocument/2006/math">
-                    <m:f>
-                      <m:fPr>
-                        <m:ctrlPr>
-                          <a:rPr lang="en-IN" i="1" noProof="0">
-                            <a:latin typeface="Cambria Math" panose="02040503050406030204" pitchFamily="18" charset="0"/>
-                          </a:rPr>
-                        </m:ctrlPr>
-                      </m:fPr>
-                      <m:num>
-                        <m:r>
-                          <m:rPr>
-                            <m:nor/>
-                          </m:rPr>
-                          <a:rPr lang="en-IN" noProof="0"/>
-                          <m:t>Sum</m:t>
-                        </m:r>
-                        <m:r>
-                          <m:rPr>
-                            <m:nor/>
-                          </m:rPr>
-                          <a:rPr lang="en-IN" noProof="0"/>
-                          <m:t> (</m:t>
-                        </m:r>
-                        <m:sSub>
-                          <m:sSubPr>
-                            <m:ctrlPr>
-                              <a:rPr lang="en-IN" i="1" noProof="0">
-                                <a:solidFill>
-                                  <a:srgbClr val="836967"/>
-                                </a:solidFill>
-                                <a:latin typeface="Cambria Math" panose="02040503050406030204" pitchFamily="18" charset="0"/>
-                              </a:rPr>
-                            </m:ctrlPr>
-                          </m:sSubPr>
-                          <m:e>
-                            <m:r>
-                              <a:rPr lang="en-IN" noProof="0">
-                                <a:latin typeface="Cambria Math" panose="02040503050406030204" pitchFamily="18" charset="0"/>
-                              </a:rPr>
-                              <m:t>𝑦</m:t>
-                            </m:r>
-                          </m:e>
-                          <m:sub>
-                            <m:r>
-                              <a:rPr lang="en-IN" noProof="0">
-                                <a:latin typeface="Cambria Math" panose="02040503050406030204" pitchFamily="18" charset="0"/>
-                              </a:rPr>
-                              <m:t>𝑖</m:t>
-                            </m:r>
-                          </m:sub>
-                        </m:sSub>
-                        <m:r>
-                          <a:rPr lang="en-IN" noProof="0">
-                            <a:latin typeface="Cambria Math" panose="02040503050406030204" pitchFamily="18" charset="0"/>
-                          </a:rPr>
-                          <m:t>−</m:t>
-                        </m:r>
-                        <m:sSub>
-                          <m:sSubPr>
-                            <m:ctrlPr>
-                              <a:rPr lang="en-IN" i="1" noProof="0">
-                                <a:solidFill>
-                                  <a:srgbClr val="836967"/>
-                                </a:solidFill>
-                                <a:latin typeface="Cambria Math" panose="02040503050406030204" pitchFamily="18" charset="0"/>
-                              </a:rPr>
-                            </m:ctrlPr>
-                          </m:sSubPr>
-                          <m:e>
-                            <m:acc>
-                              <m:accPr>
-                                <m:chr m:val="̂"/>
-                                <m:ctrlPr>
-                                  <a:rPr lang="en-IN" i="1" noProof="0">
-                                    <a:solidFill>
-                                      <a:srgbClr val="836967"/>
-                                    </a:solidFill>
-                                    <a:latin typeface="Cambria Math" panose="02040503050406030204" pitchFamily="18" charset="0"/>
-                                  </a:rPr>
-                                </m:ctrlPr>
-                              </m:accPr>
-                              <m:e>
-                                <m:r>
-                                  <a:rPr lang="en-IN" noProof="0">
-                                    <a:latin typeface="Cambria Math" panose="02040503050406030204" pitchFamily="18" charset="0"/>
-                                  </a:rPr>
-                                  <m:t>𝑦</m:t>
-                                </m:r>
-                              </m:e>
-                            </m:acc>
-                          </m:e>
-                          <m:sub>
-                            <m:r>
-                              <a:rPr lang="en-IN" noProof="0">
-                                <a:latin typeface="Cambria Math" panose="02040503050406030204" pitchFamily="18" charset="0"/>
-                              </a:rPr>
-                              <m:t>𝑖</m:t>
-                            </m:r>
-                          </m:sub>
-                        </m:sSub>
-                        <m:r>
-                          <m:rPr>
-                            <m:nor/>
-                          </m:rPr>
-                          <a:rPr lang="en-IN" noProof="0" smtClean="0"/>
-                          <m:t>)</m:t>
-                        </m:r>
-                      </m:num>
-                      <m:den>
-                        <m:r>
-                          <m:rPr>
-                            <m:sty m:val="p"/>
-                          </m:rPr>
-                          <a:rPr lang="en-IN" noProof="0">
-                            <a:latin typeface="Cambria Math" panose="02040503050406030204" pitchFamily="18" charset="0"/>
-                          </a:rPr>
-                          <m:t>n</m:t>
-                        </m:r>
-                      </m:den>
-                    </m:f>
-                  </m:oMath>
-                </a14:m>
-                <a:r>
-                  <a:rPr lang="en-IN" noProof="0" dirty="0"/>
-                  <a:t> = </a:t>
-                </a:r>
-                <a14:m>
-                  <m:oMath xmlns:m="http://schemas.openxmlformats.org/officeDocument/2006/math">
-                    <m:f>
-                      <m:fPr>
-                        <m:ctrlPr>
-                          <a:rPr lang="en-IN" i="1" noProof="0">
-                            <a:latin typeface="Cambria Math" panose="02040503050406030204" pitchFamily="18" charset="0"/>
-                          </a:rPr>
-                        </m:ctrlPr>
-                      </m:fPr>
-                      <m:num>
-                        <m:r>
-                          <a:rPr lang="en-IN" i="1" noProof="0">
-                            <a:latin typeface="Cambria Math" panose="02040503050406030204" pitchFamily="18" charset="0"/>
-                          </a:rPr>
-                          <m:t>7</m:t>
-                        </m:r>
-                        <m:r>
-                          <a:rPr lang="en-IN" b="0" i="1" noProof="0" smtClean="0">
-                            <a:latin typeface="Cambria Math" panose="02040503050406030204" pitchFamily="18" charset="0"/>
-                          </a:rPr>
-                          <m:t>4</m:t>
-                        </m:r>
-                      </m:num>
-                      <m:den>
-                        <m:r>
-                          <a:rPr lang="en-IN" i="1" noProof="0">
-                            <a:latin typeface="Cambria Math" panose="02040503050406030204" pitchFamily="18" charset="0"/>
-                          </a:rPr>
-                          <m:t>10</m:t>
-                        </m:r>
-                      </m:den>
-                    </m:f>
-                  </m:oMath>
-                </a14:m>
-                <a:r>
-                  <a:rPr lang="en-IN" noProof="0" dirty="0"/>
-                  <a:t> = 7.4 </a:t>
-                </a:r>
-              </a:p>
-              <a:p>
-                <a:endParaRPr lang="en-IN" noProof="0" dirty="0"/>
-              </a:p>
-            </p:txBody>
-          </p:sp>
-        </mc:Choice>
-        <mc:Fallback xmlns="">
-          <p:sp>
-            <p:nvSpPr>
-              <p:cNvPr id="3" name="Content Placeholder 2">
-                <a:extLst>
-                  <a:ext uri="{FF2B5EF4-FFF2-40B4-BE49-F238E27FC236}">
-                    <a16:creationId xmlns:a16="http://schemas.microsoft.com/office/drawing/2014/main" id="{07E7A4CE-2A86-BB70-0F15-0BC19C6D756D}"/>
-                  </a:ext>
-                </a:extLst>
-              </p:cNvPr>
-              <p:cNvSpPr>
-                <a:spLocks noGrp="1" noRot="1" noChangeAspect="1" noMove="1" noResize="1" noEditPoints="1" noAdjustHandles="1" noChangeArrowheads="1" noChangeShapeType="1" noTextEdit="1"/>
-              </p:cNvSpPr>
-              <p:nvPr>
-                <p:ph idx="1"/>
-              </p:nvPr>
-            </p:nvSpPr>
-            <p:spPr>
-              <a:blipFill>
-                <a:blip r:embed="rId2"/>
-                <a:stretch>
-                  <a:fillRect l="-812" t="-1961" b="-1261"/>
-                </a:stretch>
-              </a:blipFill>
-            </p:spPr>
-            <p:txBody>
-              <a:bodyPr/>
-              <a:lstStyle/>
-              <a:p>
-                <a:r>
-                  <a:rPr lang="en-IN">
-                    <a:noFill/>
-                  </a:rPr>
-                  <a:t> </a:t>
-                </a:r>
-              </a:p>
-            </p:txBody>
-          </p:sp>
-        </mc:Fallback>
-      </mc:AlternateContent>
-      <mc:AlternateContent xmlns:mc="http://schemas.openxmlformats.org/markup-compatibility/2006" xmlns:a14="http://schemas.microsoft.com/office/drawing/2010/main">
-        <mc:Choice Requires="a14">
-          <p:graphicFrame>
-            <p:nvGraphicFramePr>
-              <p:cNvPr id="4" name="Table 3">
-                <a:extLst>
-                  <a:ext uri="{FF2B5EF4-FFF2-40B4-BE49-F238E27FC236}">
-                    <a16:creationId xmlns:a16="http://schemas.microsoft.com/office/drawing/2014/main" id="{9E9E5444-0BE3-3CFD-4F2A-19EFACD76697}"/>
-                  </a:ext>
-                </a:extLst>
-              </p:cNvPr>
-              <p:cNvGraphicFramePr>
-                <a:graphicFrameLocks noGrp="1"/>
-              </p:cNvGraphicFramePr>
-              <p:nvPr/>
-            </p:nvGraphicFramePr>
-            <p:xfrm>
-              <a:off x="5082364" y="96918"/>
-              <a:ext cx="6613452" cy="4467625"/>
-            </p:xfrm>
-            <a:graphic>
-              <a:graphicData uri="http://schemas.openxmlformats.org/drawingml/2006/table">
-                <a:tbl>
-                  <a:tblPr firstRow="1" bandRow="1">
-                    <a:tableStyleId>{21E4AEA4-8DFA-4A89-87EB-49C32662AFE0}</a:tableStyleId>
-                  </a:tblPr>
-                  <a:tblGrid>
-                    <a:gridCol w="877295">
-                      <a:extLst>
-                        <a:ext uri="{9D8B030D-6E8A-4147-A177-3AD203B41FA5}">
-                          <a16:colId xmlns:a16="http://schemas.microsoft.com/office/drawing/2014/main" val="2297429349"/>
-                        </a:ext>
-                      </a:extLst>
-                    </a:gridCol>
-                    <a:gridCol w="1206685">
-                      <a:extLst>
-                        <a:ext uri="{9D8B030D-6E8A-4147-A177-3AD203B41FA5}">
-                          <a16:colId xmlns:a16="http://schemas.microsoft.com/office/drawing/2014/main" val="1337358672"/>
-                        </a:ext>
-                      </a:extLst>
-                    </a:gridCol>
-                    <a:gridCol w="1275907">
-                      <a:extLst>
-                        <a:ext uri="{9D8B030D-6E8A-4147-A177-3AD203B41FA5}">
-                          <a16:colId xmlns:a16="http://schemas.microsoft.com/office/drawing/2014/main" val="1757071119"/>
-                        </a:ext>
-                      </a:extLst>
-                    </a:gridCol>
-                    <a:gridCol w="1402569">
-                      <a:extLst>
-                        <a:ext uri="{9D8B030D-6E8A-4147-A177-3AD203B41FA5}">
-                          <a16:colId xmlns:a16="http://schemas.microsoft.com/office/drawing/2014/main" val="830366366"/>
-                        </a:ext>
-                      </a:extLst>
-                    </a:gridCol>
-                    <a:gridCol w="1850996">
-                      <a:extLst>
-                        <a:ext uri="{9D8B030D-6E8A-4147-A177-3AD203B41FA5}">
-                          <a16:colId xmlns:a16="http://schemas.microsoft.com/office/drawing/2014/main" val="2765552350"/>
-                        </a:ext>
-                      </a:extLst>
-                    </a:gridCol>
-                  </a:tblGrid>
-                  <a:tr h="779545">
-                    <a:tc>
-                      <a:txBody>
-                        <a:bodyPr/>
-                        <a:lstStyle/>
-                        <a:p>
-                          <a:pPr algn="ctr"/>
-                          <a:r>
-                            <a:rPr lang="en-IN" sz="1600" noProof="0" dirty="0"/>
-                            <a:t>x</a:t>
-                          </a:r>
-                        </a:p>
-                      </a:txBody>
-                      <a:tcPr/>
-                    </a:tc>
-                    <a:tc>
-                      <a:txBody>
-                        <a:bodyPr/>
-                        <a:lstStyle/>
-                        <a:p>
-                          <a:pPr algn="ctr"/>
-                          <a:r>
-                            <a:rPr lang="en-IN" sz="1600" noProof="0" dirty="0"/>
-                            <a:t>Y (Actual)</a:t>
-                          </a:r>
-                        </a:p>
-                      </a:txBody>
-                      <a:tcPr/>
-                    </a:tc>
-                    <a:tc>
-                      <a:txBody>
-                        <a:bodyPr/>
-                        <a:lstStyle/>
-                        <a:p>
-                          <a:pPr algn="ctr"/>
-                          <a14:m>
-                            <m:oMath xmlns:m="http://schemas.openxmlformats.org/officeDocument/2006/math">
-                              <m:r>
-                                <m:rPr>
-                                  <m:nor/>
-                                </m:rPr>
-                                <a:rPr lang="en-IN" sz="1600" noProof="0" smtClean="0"/>
-                                <m:t>ẏ</m:t>
-                              </m:r>
-                            </m:oMath>
-                          </a14:m>
-                          <a:r>
-                            <a:rPr lang="en-IN" sz="1600" noProof="0" dirty="0"/>
-                            <a:t> (Predicted)</a:t>
-                          </a:r>
-                        </a:p>
-                      </a:txBody>
-                      <a:tcPr/>
-                    </a:tc>
-                    <a:tc>
-                      <a:txBody>
-                        <a:bodyPr/>
-                        <a:lstStyle/>
-                        <a:p>
-                          <a:pPr algn="ctr"/>
-                          <a:r>
-                            <a:rPr lang="en-IN" sz="1600" noProof="0" dirty="0"/>
-                            <a:t>|y -</a:t>
-                          </a:r>
-                          <a14:m>
-                            <m:oMath xmlns:m="http://schemas.openxmlformats.org/officeDocument/2006/math">
-                              <m:r>
-                                <m:rPr>
-                                  <m:nor/>
-                                </m:rPr>
-                                <a:rPr lang="en-IN" sz="1600" noProof="0" smtClean="0"/>
-                                <m:t>ẏ</m:t>
-                              </m:r>
-                              <m:r>
-                                <m:rPr>
-                                  <m:nor/>
-                                </m:rPr>
-                                <a:rPr lang="en-IN" sz="1600" b="1" i="0" noProof="0" smtClean="0"/>
-                                <m:t>|</m:t>
-                              </m:r>
-                            </m:oMath>
-                          </a14:m>
-                          <a:endParaRPr lang="en-IN" sz="1600" baseline="30000" noProof="0" dirty="0"/>
-                        </a:p>
-                      </a:txBody>
-                      <a:tcPr/>
-                    </a:tc>
-                    <a:tc>
-                      <a:txBody>
-                        <a:bodyPr/>
-                        <a:lstStyle/>
-                        <a:p>
-                          <a:pPr algn="ctr"/>
-                          <a:r>
-                            <a:rPr lang="en-IN" sz="1600" noProof="0" dirty="0"/>
-                            <a:t>(y – </a:t>
-                          </a:r>
-                          <a14:m>
-                            <m:oMath xmlns:m="http://schemas.openxmlformats.org/officeDocument/2006/math">
-                              <m:r>
-                                <m:rPr>
-                                  <m:nor/>
-                                </m:rPr>
-                                <a:rPr lang="en-IN" sz="1600" noProof="0" smtClean="0"/>
-                                <m:t>ẏ</m:t>
-                              </m:r>
-                            </m:oMath>
-                          </a14:m>
-                          <a:r>
-                            <a:rPr lang="en-IN" sz="1600" noProof="0" dirty="0"/>
-                            <a:t> )</a:t>
-                          </a:r>
-                          <a:r>
-                            <a:rPr lang="en-IN" sz="1600" baseline="30000" noProof="0" dirty="0"/>
-                            <a:t>2</a:t>
-                          </a:r>
-                        </a:p>
-                      </a:txBody>
-                      <a:tcPr/>
-                    </a:tc>
-                    <a:extLst>
-                      <a:ext uri="{0D108BD9-81ED-4DB2-BD59-A6C34878D82A}">
-                        <a16:rowId xmlns:a16="http://schemas.microsoft.com/office/drawing/2014/main" val="375836248"/>
-                      </a:ext>
-                    </a:extLst>
-                  </a:tr>
-                  <a:tr h="317593">
-                    <a:tc>
-                      <a:txBody>
-                        <a:bodyPr/>
-                        <a:lstStyle/>
-                        <a:p>
-                          <a:pPr algn="ctr"/>
-                          <a:r>
-                            <a:rPr lang="en-IN" sz="1600" noProof="0" dirty="0"/>
-                            <a:t>10</a:t>
-                          </a:r>
-                        </a:p>
-                      </a:txBody>
-                      <a:tcPr/>
-                    </a:tc>
-                    <a:tc>
-                      <a:txBody>
-                        <a:bodyPr/>
-                        <a:lstStyle/>
-                        <a:p>
-                          <a:pPr algn="ctr"/>
-                          <a:r>
-                            <a:rPr lang="en-IN" sz="1600" noProof="0" dirty="0"/>
-                            <a:t>10</a:t>
-                          </a:r>
-                        </a:p>
-                      </a:txBody>
-                      <a:tcPr/>
-                    </a:tc>
-                    <a:tc>
-                      <a:txBody>
-                        <a:bodyPr/>
-                        <a:lstStyle/>
-                        <a:p>
-                          <a:pPr algn="ctr"/>
-                          <a:r>
-                            <a:rPr lang="en-IN" sz="1600" noProof="0" dirty="0"/>
-                            <a:t>16</a:t>
-                          </a:r>
-                        </a:p>
-                      </a:txBody>
-                      <a:tcPr/>
-                    </a:tc>
-                    <a:tc>
-                      <a:txBody>
-                        <a:bodyPr/>
-                        <a:lstStyle/>
-                        <a:p>
-                          <a:pPr algn="ctr"/>
-                          <a:r>
-                            <a:rPr lang="en-IN" sz="1600" noProof="0" dirty="0"/>
-                            <a:t>6</a:t>
-                          </a:r>
-                        </a:p>
-                      </a:txBody>
-                      <a:tcPr/>
-                    </a:tc>
-                    <a:tc>
-                      <a:txBody>
-                        <a:bodyPr/>
-                        <a:lstStyle/>
-                        <a:p>
-                          <a:pPr algn="ctr"/>
-                          <a:r>
-                            <a:rPr lang="en-IN" sz="1600" noProof="0" dirty="0"/>
-                            <a:t>36</a:t>
-                          </a:r>
-                        </a:p>
-                      </a:txBody>
-                      <a:tcPr/>
-                    </a:tc>
-                    <a:extLst>
-                      <a:ext uri="{0D108BD9-81ED-4DB2-BD59-A6C34878D82A}">
-                        <a16:rowId xmlns:a16="http://schemas.microsoft.com/office/drawing/2014/main" val="330859248"/>
-                      </a:ext>
-                    </a:extLst>
-                  </a:tr>
-                  <a:tr h="317593">
-                    <a:tc>
-                      <a:txBody>
-                        <a:bodyPr/>
-                        <a:lstStyle/>
-                        <a:p>
-                          <a:pPr algn="ctr"/>
-                          <a:r>
-                            <a:rPr lang="en-IN" sz="1600" noProof="0" dirty="0"/>
-                            <a:t>20</a:t>
-                          </a:r>
-                        </a:p>
-                      </a:txBody>
-                      <a:tcPr/>
-                    </a:tc>
-                    <a:tc>
-                      <a:txBody>
-                        <a:bodyPr/>
-                        <a:lstStyle/>
-                        <a:p>
-                          <a:pPr algn="ctr"/>
-                          <a:r>
-                            <a:rPr lang="en-IN" sz="1600" noProof="0" dirty="0"/>
-                            <a:t>25</a:t>
-                          </a:r>
-                        </a:p>
-                      </a:txBody>
-                      <a:tcPr/>
-                    </a:tc>
-                    <a:tc>
-                      <a:txBody>
-                        <a:bodyPr/>
-                        <a:lstStyle/>
-                        <a:p>
-                          <a:pPr algn="ctr"/>
-                          <a:r>
-                            <a:rPr lang="en-IN" sz="1600" noProof="0" dirty="0"/>
-                            <a:t>20</a:t>
-                          </a:r>
-                        </a:p>
-                      </a:txBody>
-                      <a:tcPr/>
-                    </a:tc>
-                    <a:tc>
-                      <a:txBody>
-                        <a:bodyPr/>
-                        <a:lstStyle/>
-                        <a:p>
-                          <a:pPr algn="ctr"/>
-                          <a:r>
-                            <a:rPr lang="en-IN" sz="1600" noProof="0" dirty="0"/>
-                            <a:t>5</a:t>
-                          </a:r>
-                        </a:p>
-                      </a:txBody>
-                      <a:tcPr/>
-                    </a:tc>
-                    <a:tc>
-                      <a:txBody>
-                        <a:bodyPr/>
-                        <a:lstStyle/>
-                        <a:p>
-                          <a:pPr algn="ctr"/>
-                          <a:r>
-                            <a:rPr lang="en-IN" sz="1600" noProof="0" dirty="0"/>
-                            <a:t>25</a:t>
-                          </a:r>
-                        </a:p>
-                      </a:txBody>
-                      <a:tcPr/>
-                    </a:tc>
-                    <a:extLst>
-                      <a:ext uri="{0D108BD9-81ED-4DB2-BD59-A6C34878D82A}">
-                        <a16:rowId xmlns:a16="http://schemas.microsoft.com/office/drawing/2014/main" val="1088471177"/>
-                      </a:ext>
-                    </a:extLst>
-                  </a:tr>
-                  <a:tr h="317593">
-                    <a:tc>
-                      <a:txBody>
-                        <a:bodyPr/>
-                        <a:lstStyle/>
-                        <a:p>
-                          <a:pPr algn="ctr"/>
-                          <a:r>
-                            <a:rPr lang="en-IN" sz="1600" noProof="0" dirty="0"/>
-                            <a:t>30</a:t>
-                          </a:r>
-                        </a:p>
-                      </a:txBody>
-                      <a:tcPr/>
-                    </a:tc>
-                    <a:tc>
-                      <a:txBody>
-                        <a:bodyPr/>
-                        <a:lstStyle/>
-                        <a:p>
-                          <a:pPr algn="ctr"/>
-                          <a:r>
-                            <a:rPr lang="en-IN" sz="1600" noProof="0" dirty="0"/>
-                            <a:t>20</a:t>
-                          </a:r>
-                        </a:p>
-                      </a:txBody>
-                      <a:tcPr/>
-                    </a:tc>
-                    <a:tc>
-                      <a:txBody>
-                        <a:bodyPr/>
-                        <a:lstStyle/>
-                        <a:p>
-                          <a:pPr algn="ctr"/>
-                          <a:r>
-                            <a:rPr lang="en-IN" sz="1600" noProof="0" dirty="0"/>
-                            <a:t>24</a:t>
-                          </a:r>
-                        </a:p>
-                      </a:txBody>
-                      <a:tcPr/>
-                    </a:tc>
-                    <a:tc>
-                      <a:txBody>
-                        <a:bodyPr/>
-                        <a:lstStyle/>
-                        <a:p>
-                          <a:pPr algn="ctr"/>
-                          <a:r>
-                            <a:rPr lang="en-IN" sz="1600" noProof="0" dirty="0"/>
-                            <a:t>4</a:t>
-                          </a:r>
-                        </a:p>
-                      </a:txBody>
-                      <a:tcPr/>
-                    </a:tc>
-                    <a:tc>
-                      <a:txBody>
-                        <a:bodyPr/>
-                        <a:lstStyle/>
-                        <a:p>
-                          <a:pPr algn="ctr"/>
-                          <a:r>
-                            <a:rPr lang="en-IN" sz="1600" noProof="0" dirty="0"/>
-                            <a:t>16</a:t>
-                          </a:r>
-                        </a:p>
-                      </a:txBody>
-                      <a:tcPr/>
-                    </a:tc>
-                    <a:extLst>
-                      <a:ext uri="{0D108BD9-81ED-4DB2-BD59-A6C34878D82A}">
-                        <a16:rowId xmlns:a16="http://schemas.microsoft.com/office/drawing/2014/main" val="1625659414"/>
-                      </a:ext>
-                    </a:extLst>
-                  </a:tr>
-                  <a:tr h="317593">
-                    <a:tc>
-                      <a:txBody>
-                        <a:bodyPr/>
-                        <a:lstStyle/>
-                        <a:p>
-                          <a:pPr algn="ctr"/>
-                          <a:r>
-                            <a:rPr lang="en-IN" sz="1600" noProof="0" dirty="0"/>
-                            <a:t>35</a:t>
-                          </a:r>
-                        </a:p>
-                      </a:txBody>
-                      <a:tcPr/>
-                    </a:tc>
-                    <a:tc>
-                      <a:txBody>
-                        <a:bodyPr/>
-                        <a:lstStyle/>
-                        <a:p>
-                          <a:pPr algn="ctr"/>
-                          <a:r>
-                            <a:rPr lang="en-IN" sz="1600" noProof="0" dirty="0"/>
-                            <a:t>30</a:t>
-                          </a:r>
-                        </a:p>
-                      </a:txBody>
-                      <a:tcPr/>
-                    </a:tc>
-                    <a:tc>
-                      <a:txBody>
-                        <a:bodyPr/>
-                        <a:lstStyle/>
-                        <a:p>
-                          <a:pPr algn="ctr"/>
-                          <a:r>
-                            <a:rPr lang="en-IN" sz="1600" noProof="0" dirty="0"/>
-                            <a:t>26</a:t>
-                          </a:r>
-                        </a:p>
-                      </a:txBody>
-                      <a:tcPr/>
-                    </a:tc>
-                    <a:tc>
-                      <a:txBody>
-                        <a:bodyPr/>
-                        <a:lstStyle/>
-                        <a:p>
-                          <a:pPr algn="ctr"/>
-                          <a:r>
-                            <a:rPr lang="en-IN" sz="1600" noProof="0" dirty="0"/>
-                            <a:t>4</a:t>
-                          </a:r>
-                        </a:p>
-                      </a:txBody>
-                      <a:tcPr/>
-                    </a:tc>
-                    <a:tc>
-                      <a:txBody>
-                        <a:bodyPr/>
-                        <a:lstStyle/>
-                        <a:p>
-                          <a:pPr algn="ctr"/>
-                          <a:r>
-                            <a:rPr lang="en-IN" sz="1600" noProof="0" dirty="0"/>
-                            <a:t>16</a:t>
-                          </a:r>
-                        </a:p>
-                      </a:txBody>
-                      <a:tcPr/>
-                    </a:tc>
-                    <a:extLst>
-                      <a:ext uri="{0D108BD9-81ED-4DB2-BD59-A6C34878D82A}">
-                        <a16:rowId xmlns:a16="http://schemas.microsoft.com/office/drawing/2014/main" val="2191306571"/>
-                      </a:ext>
-                    </a:extLst>
-                  </a:tr>
-                  <a:tr h="317593">
-                    <a:tc>
-                      <a:txBody>
-                        <a:bodyPr/>
-                        <a:lstStyle/>
-                        <a:p>
-                          <a:pPr algn="ctr"/>
-                          <a:r>
-                            <a:rPr lang="en-IN" sz="1600" noProof="0" dirty="0"/>
-                            <a:t>40</a:t>
-                          </a:r>
-                        </a:p>
-                      </a:txBody>
-                      <a:tcPr/>
-                    </a:tc>
-                    <a:tc>
-                      <a:txBody>
-                        <a:bodyPr/>
-                        <a:lstStyle/>
-                        <a:p>
-                          <a:pPr algn="ctr"/>
-                          <a:r>
-                            <a:rPr lang="en-IN" sz="1600" noProof="0" dirty="0"/>
-                            <a:t>40</a:t>
-                          </a:r>
-                        </a:p>
-                      </a:txBody>
-                      <a:tcPr/>
-                    </a:tc>
-                    <a:tc>
-                      <a:txBody>
-                        <a:bodyPr/>
-                        <a:lstStyle/>
-                        <a:p>
-                          <a:pPr algn="ctr"/>
-                          <a:r>
-                            <a:rPr lang="en-IN" sz="1600" noProof="0" dirty="0"/>
-                            <a:t>28</a:t>
-                          </a:r>
-                        </a:p>
-                      </a:txBody>
-                      <a:tcPr/>
-                    </a:tc>
-                    <a:tc>
-                      <a:txBody>
-                        <a:bodyPr/>
-                        <a:lstStyle/>
-                        <a:p>
-                          <a:pPr algn="ctr"/>
-                          <a:r>
-                            <a:rPr lang="en-IN" sz="1600" noProof="0" dirty="0"/>
-                            <a:t>12</a:t>
-                          </a:r>
-                        </a:p>
-                      </a:txBody>
-                      <a:tcPr/>
-                    </a:tc>
-                    <a:tc>
-                      <a:txBody>
-                        <a:bodyPr/>
-                        <a:lstStyle/>
-                        <a:p>
-                          <a:pPr algn="ctr"/>
-                          <a:r>
-                            <a:rPr lang="en-IN" sz="1600" noProof="0" dirty="0"/>
-                            <a:t>144</a:t>
-                          </a:r>
-                        </a:p>
-                      </a:txBody>
-                      <a:tcPr/>
-                    </a:tc>
-                    <a:extLst>
-                      <a:ext uri="{0D108BD9-81ED-4DB2-BD59-A6C34878D82A}">
-                        <a16:rowId xmlns:a16="http://schemas.microsoft.com/office/drawing/2014/main" val="2375024489"/>
-                      </a:ext>
-                    </a:extLst>
-                  </a:tr>
-                  <a:tr h="317593">
-                    <a:tc>
-                      <a:txBody>
-                        <a:bodyPr/>
-                        <a:lstStyle/>
-                        <a:p>
-                          <a:pPr algn="ctr"/>
-                          <a:r>
-                            <a:rPr lang="en-IN" sz="1600" noProof="0" dirty="0"/>
-                            <a:t>50</a:t>
-                          </a:r>
-                        </a:p>
-                      </a:txBody>
-                      <a:tcPr/>
-                    </a:tc>
-                    <a:tc>
-                      <a:txBody>
-                        <a:bodyPr/>
-                        <a:lstStyle/>
-                        <a:p>
-                          <a:pPr algn="ctr"/>
-                          <a:r>
-                            <a:rPr lang="en-IN" sz="1600" noProof="0" dirty="0"/>
-                            <a:t>15</a:t>
-                          </a:r>
-                        </a:p>
-                      </a:txBody>
-                      <a:tcPr/>
-                    </a:tc>
-                    <a:tc>
-                      <a:txBody>
-                        <a:bodyPr/>
-                        <a:lstStyle/>
-                        <a:p>
-                          <a:pPr algn="ctr"/>
-                          <a:r>
-                            <a:rPr lang="en-IN" sz="1600" noProof="0" dirty="0"/>
-                            <a:t>32</a:t>
-                          </a:r>
-                        </a:p>
-                      </a:txBody>
-                      <a:tcPr/>
-                    </a:tc>
-                    <a:tc>
-                      <a:txBody>
-                        <a:bodyPr/>
-                        <a:lstStyle/>
-                        <a:p>
-                          <a:pPr algn="ctr"/>
-                          <a:r>
-                            <a:rPr lang="en-IN" sz="1600" noProof="0" dirty="0"/>
-                            <a:t>17</a:t>
-                          </a:r>
-                        </a:p>
-                      </a:txBody>
-                      <a:tcPr/>
-                    </a:tc>
-                    <a:tc>
-                      <a:txBody>
-                        <a:bodyPr/>
-                        <a:lstStyle/>
-                        <a:p>
-                          <a:pPr algn="ctr"/>
-                          <a:r>
-                            <a:rPr lang="en-IN" sz="1600" noProof="0" dirty="0"/>
-                            <a:t>289</a:t>
-                          </a:r>
-                        </a:p>
-                      </a:txBody>
-                      <a:tcPr/>
-                    </a:tc>
-                    <a:extLst>
-                      <a:ext uri="{0D108BD9-81ED-4DB2-BD59-A6C34878D82A}">
-                        <a16:rowId xmlns:a16="http://schemas.microsoft.com/office/drawing/2014/main" val="2374833442"/>
-                      </a:ext>
-                    </a:extLst>
-                  </a:tr>
-                  <a:tr h="317593">
-                    <a:tc>
-                      <a:txBody>
-                        <a:bodyPr/>
-                        <a:lstStyle/>
-                        <a:p>
-                          <a:pPr algn="ctr"/>
-                          <a:r>
-                            <a:rPr lang="en-IN" sz="1600" noProof="0" dirty="0"/>
-                            <a:t>60</a:t>
-                          </a:r>
-                        </a:p>
-                      </a:txBody>
-                      <a:tcPr/>
-                    </a:tc>
-                    <a:tc>
-                      <a:txBody>
-                        <a:bodyPr/>
-                        <a:lstStyle/>
-                        <a:p>
-                          <a:pPr algn="ctr"/>
-                          <a:r>
-                            <a:rPr lang="en-IN" sz="1600" noProof="0" dirty="0"/>
-                            <a:t>40</a:t>
-                          </a:r>
-                        </a:p>
-                      </a:txBody>
-                      <a:tcPr/>
-                    </a:tc>
-                    <a:tc>
-                      <a:txBody>
-                        <a:bodyPr/>
-                        <a:lstStyle/>
-                        <a:p>
-                          <a:pPr algn="ctr"/>
-                          <a:r>
-                            <a:rPr lang="en-IN" sz="1600" noProof="0" dirty="0"/>
-                            <a:t>36</a:t>
-                          </a:r>
-                        </a:p>
-                      </a:txBody>
-                      <a:tcPr/>
-                    </a:tc>
-                    <a:tc>
-                      <a:txBody>
-                        <a:bodyPr/>
-                        <a:lstStyle/>
-                        <a:p>
-                          <a:pPr algn="ctr"/>
-                          <a:r>
-                            <a:rPr lang="en-IN" sz="1600" noProof="0" dirty="0"/>
-                            <a:t>4</a:t>
-                          </a:r>
-                        </a:p>
-                      </a:txBody>
-                      <a:tcPr/>
-                    </a:tc>
-                    <a:tc>
-                      <a:txBody>
-                        <a:bodyPr/>
-                        <a:lstStyle/>
-                        <a:p>
-                          <a:pPr algn="ctr"/>
-                          <a:r>
-                            <a:rPr lang="en-IN" sz="1600" noProof="0" dirty="0"/>
-                            <a:t>16</a:t>
-                          </a:r>
-                        </a:p>
-                      </a:txBody>
-                      <a:tcPr/>
-                    </a:tc>
-                    <a:extLst>
-                      <a:ext uri="{0D108BD9-81ED-4DB2-BD59-A6C34878D82A}">
-                        <a16:rowId xmlns:a16="http://schemas.microsoft.com/office/drawing/2014/main" val="2662212881"/>
-                      </a:ext>
-                    </a:extLst>
-                  </a:tr>
-                  <a:tr h="317593">
-                    <a:tc>
-                      <a:txBody>
-                        <a:bodyPr/>
-                        <a:lstStyle/>
-                        <a:p>
-                          <a:pPr algn="ctr"/>
-                          <a:r>
-                            <a:rPr lang="en-IN" sz="1600" noProof="0" dirty="0"/>
-                            <a:t>65</a:t>
-                          </a:r>
-                        </a:p>
-                      </a:txBody>
-                      <a:tcPr/>
-                    </a:tc>
-                    <a:tc>
-                      <a:txBody>
-                        <a:bodyPr/>
-                        <a:lstStyle/>
-                        <a:p>
-                          <a:pPr algn="ctr"/>
-                          <a:r>
-                            <a:rPr lang="en-IN" sz="1600" noProof="0" dirty="0"/>
-                            <a:t>30</a:t>
-                          </a:r>
-                        </a:p>
-                      </a:txBody>
-                      <a:tcPr/>
-                    </a:tc>
-                    <a:tc>
-                      <a:txBody>
-                        <a:bodyPr/>
-                        <a:lstStyle/>
-                        <a:p>
-                          <a:pPr algn="ctr"/>
-                          <a:r>
-                            <a:rPr lang="en-IN" sz="1600" noProof="0" dirty="0"/>
-                            <a:t>38</a:t>
-                          </a:r>
-                        </a:p>
-                      </a:txBody>
-                      <a:tcPr/>
-                    </a:tc>
-                    <a:tc>
-                      <a:txBody>
-                        <a:bodyPr/>
-                        <a:lstStyle/>
-                        <a:p>
-                          <a:pPr algn="ctr"/>
-                          <a:r>
-                            <a:rPr lang="en-IN" sz="1600" noProof="0" dirty="0"/>
-                            <a:t>8</a:t>
-                          </a:r>
-                        </a:p>
-                      </a:txBody>
-                      <a:tcPr/>
-                    </a:tc>
-                    <a:tc>
-                      <a:txBody>
-                        <a:bodyPr/>
-                        <a:lstStyle/>
-                        <a:p>
-                          <a:pPr algn="ctr"/>
-                          <a:r>
-                            <a:rPr lang="en-IN" sz="1600" noProof="0" dirty="0"/>
-                            <a:t>64</a:t>
-                          </a:r>
-                        </a:p>
-                      </a:txBody>
-                      <a:tcPr/>
-                    </a:tc>
-                    <a:extLst>
-                      <a:ext uri="{0D108BD9-81ED-4DB2-BD59-A6C34878D82A}">
-                        <a16:rowId xmlns:a16="http://schemas.microsoft.com/office/drawing/2014/main" val="4272864123"/>
-                      </a:ext>
-                    </a:extLst>
-                  </a:tr>
-                  <a:tr h="317593">
-                    <a:tc>
-                      <a:txBody>
-                        <a:bodyPr/>
-                        <a:lstStyle/>
-                        <a:p>
-                          <a:pPr algn="ctr"/>
-                          <a:r>
-                            <a:rPr lang="en-IN" sz="1600" noProof="0" dirty="0"/>
-                            <a:t>70</a:t>
-                          </a:r>
-                        </a:p>
-                      </a:txBody>
-                      <a:tcPr/>
-                    </a:tc>
-                    <a:tc>
-                      <a:txBody>
-                        <a:bodyPr/>
-                        <a:lstStyle/>
-                        <a:p>
-                          <a:pPr algn="ctr"/>
-                          <a:r>
-                            <a:rPr lang="en-IN" sz="1600" noProof="0" dirty="0"/>
-                            <a:t>50</a:t>
-                          </a:r>
-                        </a:p>
-                      </a:txBody>
-                      <a:tcPr/>
-                    </a:tc>
-                    <a:tc>
-                      <a:txBody>
-                        <a:bodyPr/>
-                        <a:lstStyle/>
-                        <a:p>
-                          <a:pPr algn="ctr"/>
-                          <a:r>
-                            <a:rPr lang="en-IN" sz="1600" noProof="0" dirty="0"/>
-                            <a:t>40</a:t>
-                          </a:r>
-                        </a:p>
-                      </a:txBody>
-                      <a:tcPr/>
-                    </a:tc>
-                    <a:tc>
-                      <a:txBody>
-                        <a:bodyPr/>
-                        <a:lstStyle/>
-                        <a:p>
-                          <a:pPr algn="ctr"/>
-                          <a:r>
-                            <a:rPr lang="en-IN" sz="1600" noProof="0" dirty="0"/>
-                            <a:t>10</a:t>
-                          </a:r>
-                        </a:p>
-                      </a:txBody>
-                      <a:tcPr/>
-                    </a:tc>
-                    <a:tc>
-                      <a:txBody>
-                        <a:bodyPr/>
-                        <a:lstStyle/>
-                        <a:p>
-                          <a:pPr algn="ctr"/>
-                          <a:r>
-                            <a:rPr lang="en-IN" sz="1600" noProof="0" dirty="0"/>
-                            <a:t>100</a:t>
-                          </a:r>
-                        </a:p>
-                      </a:txBody>
-                      <a:tcPr/>
-                    </a:tc>
-                    <a:extLst>
-                      <a:ext uri="{0D108BD9-81ED-4DB2-BD59-A6C34878D82A}">
-                        <a16:rowId xmlns:a16="http://schemas.microsoft.com/office/drawing/2014/main" val="778314671"/>
-                      </a:ext>
-                    </a:extLst>
-                  </a:tr>
-                  <a:tr h="317593">
-                    <a:tc>
-                      <a:txBody>
-                        <a:bodyPr/>
-                        <a:lstStyle/>
-                        <a:p>
-                          <a:pPr algn="ctr"/>
-                          <a:r>
-                            <a:rPr lang="en-IN" sz="1600" noProof="0" dirty="0"/>
-                            <a:t>80</a:t>
-                          </a:r>
-                        </a:p>
-                      </a:txBody>
-                      <a:tcPr/>
-                    </a:tc>
-                    <a:tc>
-                      <a:txBody>
-                        <a:bodyPr/>
-                        <a:lstStyle/>
-                        <a:p>
-                          <a:pPr algn="ctr"/>
-                          <a:r>
-                            <a:rPr lang="en-IN" sz="1600" noProof="0" dirty="0"/>
-                            <a:t>40</a:t>
-                          </a:r>
-                        </a:p>
-                      </a:txBody>
-                      <a:tcPr/>
-                    </a:tc>
-                    <a:tc>
-                      <a:txBody>
-                        <a:bodyPr/>
-                        <a:lstStyle/>
-                        <a:p>
-                          <a:pPr algn="ctr"/>
-                          <a:r>
-                            <a:rPr lang="en-IN" sz="1600" noProof="0" dirty="0"/>
-                            <a:t>44</a:t>
-                          </a:r>
-                        </a:p>
-                      </a:txBody>
-                      <a:tcPr/>
-                    </a:tc>
-                    <a:tc>
-                      <a:txBody>
-                        <a:bodyPr/>
-                        <a:lstStyle/>
-                        <a:p>
-                          <a:pPr algn="ctr"/>
-                          <a:r>
-                            <a:rPr lang="en-IN" sz="1600" noProof="0" dirty="0"/>
-                            <a:t>4</a:t>
-                          </a:r>
-                        </a:p>
-                      </a:txBody>
-                      <a:tcPr/>
-                    </a:tc>
-                    <a:tc>
-                      <a:txBody>
-                        <a:bodyPr/>
-                        <a:lstStyle/>
-                        <a:p>
-                          <a:pPr algn="ctr"/>
-                          <a:r>
-                            <a:rPr lang="en-IN" sz="1600" noProof="0" dirty="0"/>
-                            <a:t>16</a:t>
-                          </a:r>
-                        </a:p>
-                      </a:txBody>
-                      <a:tcPr/>
-                    </a:tc>
-                    <a:extLst>
-                      <a:ext uri="{0D108BD9-81ED-4DB2-BD59-A6C34878D82A}">
-                        <a16:rowId xmlns:a16="http://schemas.microsoft.com/office/drawing/2014/main" val="2188934142"/>
-                      </a:ext>
-                    </a:extLst>
-                  </a:tr>
-                  <a:tr h="317593">
-                    <a:tc>
-                      <a:txBody>
-                        <a:bodyPr/>
-                        <a:lstStyle/>
-                        <a:p>
-                          <a:pPr algn="ctr"/>
-                          <a:r>
-                            <a:rPr lang="en-IN" sz="1600" b="1" noProof="0" dirty="0"/>
-                            <a:t>Total</a:t>
-                          </a:r>
-                        </a:p>
-                      </a:txBody>
-                      <a:tcPr/>
-                    </a:tc>
-                    <a:tc>
-                      <a:txBody>
-                        <a:bodyPr/>
-                        <a:lstStyle/>
-                        <a:p>
-                          <a:pPr algn="ctr"/>
-                          <a:r>
-                            <a:rPr lang="en-IN" sz="1600" b="1" noProof="0" dirty="0"/>
-                            <a:t>NA</a:t>
-                          </a:r>
-                        </a:p>
-                      </a:txBody>
-                      <a:tcPr/>
-                    </a:tc>
-                    <a:tc>
-                      <a:txBody>
-                        <a:bodyPr/>
-                        <a:lstStyle/>
-                        <a:p>
-                          <a:pPr algn="ctr"/>
-                          <a:r>
-                            <a:rPr lang="en-IN" sz="1600" b="1" noProof="0" dirty="0"/>
-                            <a:t>NA</a:t>
-                          </a:r>
-                        </a:p>
-                      </a:txBody>
-                      <a:tcPr/>
-                    </a:tc>
-                    <a:tc>
-                      <a:txBody>
-                        <a:bodyPr/>
-                        <a:lstStyle/>
-                        <a:p>
-                          <a:pPr algn="ctr"/>
-                          <a:r>
-                            <a:rPr lang="en-IN" sz="1600" b="1" noProof="0" dirty="0"/>
-                            <a:t>74</a:t>
-                          </a:r>
-                        </a:p>
-                      </a:txBody>
-                      <a:tcPr/>
-                    </a:tc>
-                    <a:tc>
-                      <a:txBody>
-                        <a:bodyPr/>
-                        <a:lstStyle/>
-                        <a:p>
-                          <a:pPr algn="ctr"/>
-                          <a:r>
-                            <a:rPr lang="en-IN" sz="1600" b="1" noProof="0" dirty="0"/>
-                            <a:t>722 (SSE)</a:t>
-                          </a:r>
-                        </a:p>
-                      </a:txBody>
-                      <a:tcPr/>
-                    </a:tc>
-                    <a:extLst>
-                      <a:ext uri="{0D108BD9-81ED-4DB2-BD59-A6C34878D82A}">
-                        <a16:rowId xmlns:a16="http://schemas.microsoft.com/office/drawing/2014/main" val="3293582667"/>
-                      </a:ext>
-                    </a:extLst>
-                  </a:tr>
-                </a:tbl>
-              </a:graphicData>
-            </a:graphic>
-          </p:graphicFrame>
-        </mc:Choice>
-        <mc:Fallback xmlns="">
-          <p:graphicFrame>
-            <p:nvGraphicFramePr>
-              <p:cNvPr id="4" name="Table 3">
-                <a:extLst>
-                  <a:ext uri="{FF2B5EF4-FFF2-40B4-BE49-F238E27FC236}">
-                    <a16:creationId xmlns:a16="http://schemas.microsoft.com/office/drawing/2014/main" id="{9E9E5444-0BE3-3CFD-4F2A-19EFACD76697}"/>
-                  </a:ext>
-                </a:extLst>
-              </p:cNvPr>
-              <p:cNvGraphicFramePr>
-                <a:graphicFrameLocks noGrp="1"/>
-              </p:cNvGraphicFramePr>
-              <p:nvPr>
-                <p:extLst>
-                  <p:ext uri="{D42A27DB-BD31-4B8C-83A1-F6EECF244321}">
-                    <p14:modId xmlns:p14="http://schemas.microsoft.com/office/powerpoint/2010/main" val="2774842288"/>
-                  </p:ext>
-                </p:extLst>
-              </p:nvPr>
-            </p:nvGraphicFramePr>
-            <p:xfrm>
-              <a:off x="5082364" y="96918"/>
-              <a:ext cx="6613452" cy="4467625"/>
-            </p:xfrm>
-            <a:graphic>
-              <a:graphicData uri="http://schemas.openxmlformats.org/drawingml/2006/table">
-                <a:tbl>
-                  <a:tblPr firstRow="1" bandRow="1">
-                    <a:tableStyleId>{21E4AEA4-8DFA-4A89-87EB-49C32662AFE0}</a:tableStyleId>
-                  </a:tblPr>
-                  <a:tblGrid>
-                    <a:gridCol w="877295">
-                      <a:extLst>
-                        <a:ext uri="{9D8B030D-6E8A-4147-A177-3AD203B41FA5}">
-                          <a16:colId xmlns:a16="http://schemas.microsoft.com/office/drawing/2014/main" val="2297429349"/>
-                        </a:ext>
-                      </a:extLst>
-                    </a:gridCol>
-                    <a:gridCol w="1206685">
-                      <a:extLst>
-                        <a:ext uri="{9D8B030D-6E8A-4147-A177-3AD203B41FA5}">
-                          <a16:colId xmlns:a16="http://schemas.microsoft.com/office/drawing/2014/main" val="1337358672"/>
-                        </a:ext>
-                      </a:extLst>
-                    </a:gridCol>
-                    <a:gridCol w="1275907">
-                      <a:extLst>
-                        <a:ext uri="{9D8B030D-6E8A-4147-A177-3AD203B41FA5}">
-                          <a16:colId xmlns:a16="http://schemas.microsoft.com/office/drawing/2014/main" val="1757071119"/>
-                        </a:ext>
-                      </a:extLst>
-                    </a:gridCol>
-                    <a:gridCol w="1402569">
-                      <a:extLst>
-                        <a:ext uri="{9D8B030D-6E8A-4147-A177-3AD203B41FA5}">
-                          <a16:colId xmlns:a16="http://schemas.microsoft.com/office/drawing/2014/main" val="830366366"/>
-                        </a:ext>
-                      </a:extLst>
-                    </a:gridCol>
-                    <a:gridCol w="1850996">
-                      <a:extLst>
-                        <a:ext uri="{9D8B030D-6E8A-4147-A177-3AD203B41FA5}">
-                          <a16:colId xmlns:a16="http://schemas.microsoft.com/office/drawing/2014/main" val="2765552350"/>
-                        </a:ext>
-                      </a:extLst>
-                    </a:gridCol>
-                  </a:tblGrid>
-                  <a:tr h="779545">
-                    <a:tc>
-                      <a:txBody>
-                        <a:bodyPr/>
-                        <a:lstStyle/>
-                        <a:p>
-                          <a:pPr algn="ctr"/>
-                          <a:r>
-                            <a:rPr lang="en-IN" sz="1600" noProof="0" dirty="0"/>
-                            <a:t>x</a:t>
-                          </a:r>
-                        </a:p>
-                      </a:txBody>
-                      <a:tcPr/>
-                    </a:tc>
-                    <a:tc>
-                      <a:txBody>
-                        <a:bodyPr/>
-                        <a:lstStyle/>
-                        <a:p>
-                          <a:pPr algn="ctr"/>
-                          <a:r>
-                            <a:rPr lang="en-IN" sz="1600" noProof="0" dirty="0"/>
-                            <a:t>Y (Actual)</a:t>
-                          </a:r>
-                        </a:p>
-                      </a:txBody>
-                      <a:tcPr/>
-                    </a:tc>
-                    <a:tc>
-                      <a:txBody>
-                        <a:bodyPr/>
-                        <a:lstStyle/>
-                        <a:p>
-                          <a:endParaRPr lang="en-US"/>
-                        </a:p>
-                      </a:txBody>
-                      <a:tcPr>
-                        <a:blipFill>
-                          <a:blip r:embed="rId3"/>
-                          <a:stretch>
-                            <a:fillRect l="-163333" t="-1563" r="-256190" b="-483594"/>
-                          </a:stretch>
-                        </a:blipFill>
-                      </a:tcPr>
-                    </a:tc>
-                    <a:tc>
-                      <a:txBody>
-                        <a:bodyPr/>
-                        <a:lstStyle/>
-                        <a:p>
-                          <a:endParaRPr lang="en-US"/>
-                        </a:p>
-                      </a:txBody>
-                      <a:tcPr>
-                        <a:blipFill>
-                          <a:blip r:embed="rId3"/>
-                          <a:stretch>
-                            <a:fillRect l="-240435" t="-1563" r="-133913" b="-483594"/>
-                          </a:stretch>
-                        </a:blipFill>
-                      </a:tcPr>
-                    </a:tc>
-                    <a:tc>
-                      <a:txBody>
-                        <a:bodyPr/>
-                        <a:lstStyle/>
-                        <a:p>
-                          <a:endParaRPr lang="en-US"/>
-                        </a:p>
-                      </a:txBody>
-                      <a:tcPr>
-                        <a:blipFill>
-                          <a:blip r:embed="rId3"/>
-                          <a:stretch>
-                            <a:fillRect l="-257566" t="-1563" r="-1316" b="-483594"/>
-                          </a:stretch>
-                        </a:blipFill>
-                      </a:tcPr>
-                    </a:tc>
-                    <a:extLst>
-                      <a:ext uri="{0D108BD9-81ED-4DB2-BD59-A6C34878D82A}">
-                        <a16:rowId xmlns:a16="http://schemas.microsoft.com/office/drawing/2014/main" val="375836248"/>
-                      </a:ext>
-                    </a:extLst>
-                  </a:tr>
-                  <a:tr h="335280">
-                    <a:tc>
-                      <a:txBody>
-                        <a:bodyPr/>
-                        <a:lstStyle/>
-                        <a:p>
-                          <a:pPr algn="ctr"/>
-                          <a:r>
-                            <a:rPr lang="en-IN" sz="1600" noProof="0" dirty="0"/>
-                            <a:t>10</a:t>
-                          </a:r>
-                        </a:p>
-                      </a:txBody>
-                      <a:tcPr/>
-                    </a:tc>
-                    <a:tc>
-                      <a:txBody>
-                        <a:bodyPr/>
-                        <a:lstStyle/>
-                        <a:p>
-                          <a:pPr algn="ctr"/>
-                          <a:r>
-                            <a:rPr lang="en-IN" sz="1600" noProof="0" dirty="0"/>
-                            <a:t>10</a:t>
-                          </a:r>
-                        </a:p>
-                      </a:txBody>
-                      <a:tcPr/>
-                    </a:tc>
-                    <a:tc>
-                      <a:txBody>
-                        <a:bodyPr/>
-                        <a:lstStyle/>
-                        <a:p>
-                          <a:pPr algn="ctr"/>
-                          <a:r>
-                            <a:rPr lang="en-IN" sz="1600" noProof="0" dirty="0"/>
-                            <a:t>16</a:t>
-                          </a:r>
-                        </a:p>
-                      </a:txBody>
-                      <a:tcPr/>
-                    </a:tc>
-                    <a:tc>
-                      <a:txBody>
-                        <a:bodyPr/>
-                        <a:lstStyle/>
-                        <a:p>
-                          <a:pPr algn="ctr"/>
-                          <a:r>
-                            <a:rPr lang="en-IN" sz="1600" noProof="0" dirty="0"/>
-                            <a:t>6</a:t>
-                          </a:r>
-                        </a:p>
-                      </a:txBody>
-                      <a:tcPr/>
-                    </a:tc>
-                    <a:tc>
-                      <a:txBody>
-                        <a:bodyPr/>
-                        <a:lstStyle/>
-                        <a:p>
-                          <a:pPr algn="ctr"/>
-                          <a:r>
-                            <a:rPr lang="en-IN" sz="1600" noProof="0" dirty="0"/>
-                            <a:t>36</a:t>
-                          </a:r>
-                        </a:p>
-                      </a:txBody>
-                      <a:tcPr/>
-                    </a:tc>
-                    <a:extLst>
-                      <a:ext uri="{0D108BD9-81ED-4DB2-BD59-A6C34878D82A}">
-                        <a16:rowId xmlns:a16="http://schemas.microsoft.com/office/drawing/2014/main" val="330859248"/>
-                      </a:ext>
-                    </a:extLst>
-                  </a:tr>
-                  <a:tr h="335280">
-                    <a:tc>
-                      <a:txBody>
-                        <a:bodyPr/>
-                        <a:lstStyle/>
-                        <a:p>
-                          <a:pPr algn="ctr"/>
-                          <a:r>
-                            <a:rPr lang="en-IN" sz="1600" noProof="0" dirty="0"/>
-                            <a:t>20</a:t>
-                          </a:r>
-                        </a:p>
-                      </a:txBody>
-                      <a:tcPr/>
-                    </a:tc>
-                    <a:tc>
-                      <a:txBody>
-                        <a:bodyPr/>
-                        <a:lstStyle/>
-                        <a:p>
-                          <a:pPr algn="ctr"/>
-                          <a:r>
-                            <a:rPr lang="en-IN" sz="1600" noProof="0" dirty="0"/>
-                            <a:t>25</a:t>
-                          </a:r>
-                        </a:p>
-                      </a:txBody>
-                      <a:tcPr/>
-                    </a:tc>
-                    <a:tc>
-                      <a:txBody>
-                        <a:bodyPr/>
-                        <a:lstStyle/>
-                        <a:p>
-                          <a:pPr algn="ctr"/>
-                          <a:r>
-                            <a:rPr lang="en-IN" sz="1600" noProof="0" dirty="0"/>
-                            <a:t>20</a:t>
-                          </a:r>
-                        </a:p>
-                      </a:txBody>
-                      <a:tcPr/>
-                    </a:tc>
-                    <a:tc>
-                      <a:txBody>
-                        <a:bodyPr/>
-                        <a:lstStyle/>
-                        <a:p>
-                          <a:pPr algn="ctr"/>
-                          <a:r>
-                            <a:rPr lang="en-IN" sz="1600" noProof="0" dirty="0"/>
-                            <a:t>5</a:t>
-                          </a:r>
-                        </a:p>
-                      </a:txBody>
-                      <a:tcPr/>
-                    </a:tc>
-                    <a:tc>
-                      <a:txBody>
-                        <a:bodyPr/>
-                        <a:lstStyle/>
-                        <a:p>
-                          <a:pPr algn="ctr"/>
-                          <a:r>
-                            <a:rPr lang="en-IN" sz="1600" noProof="0" dirty="0"/>
-                            <a:t>25</a:t>
-                          </a:r>
-                        </a:p>
-                      </a:txBody>
-                      <a:tcPr/>
-                    </a:tc>
-                    <a:extLst>
-                      <a:ext uri="{0D108BD9-81ED-4DB2-BD59-A6C34878D82A}">
-                        <a16:rowId xmlns:a16="http://schemas.microsoft.com/office/drawing/2014/main" val="1088471177"/>
-                      </a:ext>
-                    </a:extLst>
-                  </a:tr>
-                  <a:tr h="335280">
-                    <a:tc>
-                      <a:txBody>
-                        <a:bodyPr/>
-                        <a:lstStyle/>
-                        <a:p>
-                          <a:pPr algn="ctr"/>
-                          <a:r>
-                            <a:rPr lang="en-IN" sz="1600" noProof="0" dirty="0"/>
-                            <a:t>30</a:t>
-                          </a:r>
-                        </a:p>
-                      </a:txBody>
-                      <a:tcPr/>
-                    </a:tc>
-                    <a:tc>
-                      <a:txBody>
-                        <a:bodyPr/>
-                        <a:lstStyle/>
-                        <a:p>
-                          <a:pPr algn="ctr"/>
-                          <a:r>
-                            <a:rPr lang="en-IN" sz="1600" noProof="0" dirty="0"/>
-                            <a:t>20</a:t>
-                          </a:r>
-                        </a:p>
-                      </a:txBody>
-                      <a:tcPr/>
-                    </a:tc>
-                    <a:tc>
-                      <a:txBody>
-                        <a:bodyPr/>
-                        <a:lstStyle/>
-                        <a:p>
-                          <a:pPr algn="ctr"/>
-                          <a:r>
-                            <a:rPr lang="en-IN" sz="1600" noProof="0" dirty="0"/>
-                            <a:t>24</a:t>
-                          </a:r>
-                        </a:p>
-                      </a:txBody>
-                      <a:tcPr/>
-                    </a:tc>
-                    <a:tc>
-                      <a:txBody>
-                        <a:bodyPr/>
-                        <a:lstStyle/>
-                        <a:p>
-                          <a:pPr algn="ctr"/>
-                          <a:r>
-                            <a:rPr lang="en-IN" sz="1600" noProof="0" dirty="0"/>
-                            <a:t>4</a:t>
-                          </a:r>
-                        </a:p>
-                      </a:txBody>
-                      <a:tcPr/>
-                    </a:tc>
-                    <a:tc>
-                      <a:txBody>
-                        <a:bodyPr/>
-                        <a:lstStyle/>
-                        <a:p>
-                          <a:pPr algn="ctr"/>
-                          <a:r>
-                            <a:rPr lang="en-IN" sz="1600" noProof="0" dirty="0"/>
-                            <a:t>16</a:t>
-                          </a:r>
-                        </a:p>
-                      </a:txBody>
-                      <a:tcPr/>
-                    </a:tc>
-                    <a:extLst>
-                      <a:ext uri="{0D108BD9-81ED-4DB2-BD59-A6C34878D82A}">
-                        <a16:rowId xmlns:a16="http://schemas.microsoft.com/office/drawing/2014/main" val="1625659414"/>
-                      </a:ext>
-                    </a:extLst>
-                  </a:tr>
-                  <a:tr h="335280">
-                    <a:tc>
-                      <a:txBody>
-                        <a:bodyPr/>
-                        <a:lstStyle/>
-                        <a:p>
-                          <a:pPr algn="ctr"/>
-                          <a:r>
-                            <a:rPr lang="en-IN" sz="1600" noProof="0" dirty="0"/>
-                            <a:t>35</a:t>
-                          </a:r>
-                        </a:p>
-                      </a:txBody>
-                      <a:tcPr/>
-                    </a:tc>
-                    <a:tc>
-                      <a:txBody>
-                        <a:bodyPr/>
-                        <a:lstStyle/>
-                        <a:p>
-                          <a:pPr algn="ctr"/>
-                          <a:r>
-                            <a:rPr lang="en-IN" sz="1600" noProof="0" dirty="0"/>
-                            <a:t>30</a:t>
-                          </a:r>
-                        </a:p>
-                      </a:txBody>
-                      <a:tcPr/>
-                    </a:tc>
-                    <a:tc>
-                      <a:txBody>
-                        <a:bodyPr/>
-                        <a:lstStyle/>
-                        <a:p>
-                          <a:pPr algn="ctr"/>
-                          <a:r>
-                            <a:rPr lang="en-IN" sz="1600" noProof="0" dirty="0"/>
-                            <a:t>26</a:t>
-                          </a:r>
-                        </a:p>
-                      </a:txBody>
-                      <a:tcPr/>
-                    </a:tc>
-                    <a:tc>
-                      <a:txBody>
-                        <a:bodyPr/>
-                        <a:lstStyle/>
-                        <a:p>
-                          <a:pPr algn="ctr"/>
-                          <a:r>
-                            <a:rPr lang="en-IN" sz="1600" noProof="0" dirty="0"/>
-                            <a:t>4</a:t>
-                          </a:r>
-                        </a:p>
-                      </a:txBody>
-                      <a:tcPr/>
-                    </a:tc>
-                    <a:tc>
-                      <a:txBody>
-                        <a:bodyPr/>
-                        <a:lstStyle/>
-                        <a:p>
-                          <a:pPr algn="ctr"/>
-                          <a:r>
-                            <a:rPr lang="en-IN" sz="1600" noProof="0" dirty="0"/>
-                            <a:t>16</a:t>
-                          </a:r>
-                        </a:p>
-                      </a:txBody>
-                      <a:tcPr/>
-                    </a:tc>
-                    <a:extLst>
-                      <a:ext uri="{0D108BD9-81ED-4DB2-BD59-A6C34878D82A}">
-                        <a16:rowId xmlns:a16="http://schemas.microsoft.com/office/drawing/2014/main" val="2191306571"/>
-                      </a:ext>
-                    </a:extLst>
-                  </a:tr>
-                  <a:tr h="335280">
-                    <a:tc>
-                      <a:txBody>
-                        <a:bodyPr/>
-                        <a:lstStyle/>
-                        <a:p>
-                          <a:pPr algn="ctr"/>
-                          <a:r>
-                            <a:rPr lang="en-IN" sz="1600" noProof="0" dirty="0"/>
-                            <a:t>40</a:t>
-                          </a:r>
-                        </a:p>
-                      </a:txBody>
-                      <a:tcPr/>
-                    </a:tc>
-                    <a:tc>
-                      <a:txBody>
-                        <a:bodyPr/>
-                        <a:lstStyle/>
-                        <a:p>
-                          <a:pPr algn="ctr"/>
-                          <a:r>
-                            <a:rPr lang="en-IN" sz="1600" noProof="0" dirty="0"/>
-                            <a:t>40</a:t>
-                          </a:r>
-                        </a:p>
-                      </a:txBody>
-                      <a:tcPr/>
-                    </a:tc>
-                    <a:tc>
-                      <a:txBody>
-                        <a:bodyPr/>
-                        <a:lstStyle/>
-                        <a:p>
-                          <a:pPr algn="ctr"/>
-                          <a:r>
-                            <a:rPr lang="en-IN" sz="1600" noProof="0" dirty="0"/>
-                            <a:t>28</a:t>
-                          </a:r>
-                        </a:p>
-                      </a:txBody>
-                      <a:tcPr/>
-                    </a:tc>
-                    <a:tc>
-                      <a:txBody>
-                        <a:bodyPr/>
-                        <a:lstStyle/>
-                        <a:p>
-                          <a:pPr algn="ctr"/>
-                          <a:r>
-                            <a:rPr lang="en-IN" sz="1600" noProof="0" dirty="0"/>
-                            <a:t>12</a:t>
-                          </a:r>
-                        </a:p>
-                      </a:txBody>
-                      <a:tcPr/>
-                    </a:tc>
-                    <a:tc>
-                      <a:txBody>
-                        <a:bodyPr/>
-                        <a:lstStyle/>
-                        <a:p>
-                          <a:pPr algn="ctr"/>
-                          <a:r>
-                            <a:rPr lang="en-IN" sz="1600" noProof="0" dirty="0"/>
-                            <a:t>144</a:t>
-                          </a:r>
-                        </a:p>
-                      </a:txBody>
-                      <a:tcPr/>
-                    </a:tc>
-                    <a:extLst>
-                      <a:ext uri="{0D108BD9-81ED-4DB2-BD59-A6C34878D82A}">
-                        <a16:rowId xmlns:a16="http://schemas.microsoft.com/office/drawing/2014/main" val="2375024489"/>
-                      </a:ext>
-                    </a:extLst>
-                  </a:tr>
-                  <a:tr h="335280">
-                    <a:tc>
-                      <a:txBody>
-                        <a:bodyPr/>
-                        <a:lstStyle/>
-                        <a:p>
-                          <a:pPr algn="ctr"/>
-                          <a:r>
-                            <a:rPr lang="en-IN" sz="1600" noProof="0" dirty="0"/>
-                            <a:t>50</a:t>
-                          </a:r>
-                        </a:p>
-                      </a:txBody>
-                      <a:tcPr/>
-                    </a:tc>
-                    <a:tc>
-                      <a:txBody>
-                        <a:bodyPr/>
-                        <a:lstStyle/>
-                        <a:p>
-                          <a:pPr algn="ctr"/>
-                          <a:r>
-                            <a:rPr lang="en-IN" sz="1600" noProof="0" dirty="0"/>
-                            <a:t>15</a:t>
-                          </a:r>
-                        </a:p>
-                      </a:txBody>
-                      <a:tcPr/>
-                    </a:tc>
-                    <a:tc>
-                      <a:txBody>
-                        <a:bodyPr/>
-                        <a:lstStyle/>
-                        <a:p>
-                          <a:pPr algn="ctr"/>
-                          <a:r>
-                            <a:rPr lang="en-IN" sz="1600" noProof="0" dirty="0"/>
-                            <a:t>32</a:t>
-                          </a:r>
-                        </a:p>
-                      </a:txBody>
-                      <a:tcPr/>
-                    </a:tc>
-                    <a:tc>
-                      <a:txBody>
-                        <a:bodyPr/>
-                        <a:lstStyle/>
-                        <a:p>
-                          <a:pPr algn="ctr"/>
-                          <a:r>
-                            <a:rPr lang="en-IN" sz="1600" noProof="0" dirty="0"/>
-                            <a:t>17</a:t>
-                          </a:r>
-                        </a:p>
-                      </a:txBody>
-                      <a:tcPr/>
-                    </a:tc>
-                    <a:tc>
-                      <a:txBody>
-                        <a:bodyPr/>
-                        <a:lstStyle/>
-                        <a:p>
-                          <a:pPr algn="ctr"/>
-                          <a:r>
-                            <a:rPr lang="en-IN" sz="1600" noProof="0" dirty="0"/>
-                            <a:t>289</a:t>
-                          </a:r>
-                        </a:p>
-                      </a:txBody>
-                      <a:tcPr/>
-                    </a:tc>
-                    <a:extLst>
-                      <a:ext uri="{0D108BD9-81ED-4DB2-BD59-A6C34878D82A}">
-                        <a16:rowId xmlns:a16="http://schemas.microsoft.com/office/drawing/2014/main" val="2374833442"/>
-                      </a:ext>
-                    </a:extLst>
-                  </a:tr>
-                  <a:tr h="335280">
-                    <a:tc>
-                      <a:txBody>
-                        <a:bodyPr/>
-                        <a:lstStyle/>
-                        <a:p>
-                          <a:pPr algn="ctr"/>
-                          <a:r>
-                            <a:rPr lang="en-IN" sz="1600" noProof="0" dirty="0"/>
-                            <a:t>60</a:t>
-                          </a:r>
-                        </a:p>
-                      </a:txBody>
-                      <a:tcPr/>
-                    </a:tc>
-                    <a:tc>
-                      <a:txBody>
-                        <a:bodyPr/>
-                        <a:lstStyle/>
-                        <a:p>
-                          <a:pPr algn="ctr"/>
-                          <a:r>
-                            <a:rPr lang="en-IN" sz="1600" noProof="0" dirty="0"/>
-                            <a:t>40</a:t>
-                          </a:r>
-                        </a:p>
-                      </a:txBody>
-                      <a:tcPr/>
-                    </a:tc>
-                    <a:tc>
-                      <a:txBody>
-                        <a:bodyPr/>
-                        <a:lstStyle/>
-                        <a:p>
-                          <a:pPr algn="ctr"/>
-                          <a:r>
-                            <a:rPr lang="en-IN" sz="1600" noProof="0" dirty="0"/>
-                            <a:t>36</a:t>
-                          </a:r>
-                        </a:p>
-                      </a:txBody>
-                      <a:tcPr/>
-                    </a:tc>
-                    <a:tc>
-                      <a:txBody>
-                        <a:bodyPr/>
-                        <a:lstStyle/>
-                        <a:p>
-                          <a:pPr algn="ctr"/>
-                          <a:r>
-                            <a:rPr lang="en-IN" sz="1600" noProof="0" dirty="0"/>
-                            <a:t>4</a:t>
-                          </a:r>
-                        </a:p>
-                      </a:txBody>
-                      <a:tcPr/>
-                    </a:tc>
-                    <a:tc>
-                      <a:txBody>
-                        <a:bodyPr/>
-                        <a:lstStyle/>
-                        <a:p>
-                          <a:pPr algn="ctr"/>
-                          <a:r>
-                            <a:rPr lang="en-IN" sz="1600" noProof="0" dirty="0"/>
-                            <a:t>16</a:t>
-                          </a:r>
-                        </a:p>
-                      </a:txBody>
-                      <a:tcPr/>
-                    </a:tc>
-                    <a:extLst>
-                      <a:ext uri="{0D108BD9-81ED-4DB2-BD59-A6C34878D82A}">
-                        <a16:rowId xmlns:a16="http://schemas.microsoft.com/office/drawing/2014/main" val="2662212881"/>
-                      </a:ext>
-                    </a:extLst>
-                  </a:tr>
-                  <a:tr h="335280">
-                    <a:tc>
-                      <a:txBody>
-                        <a:bodyPr/>
-                        <a:lstStyle/>
-                        <a:p>
-                          <a:pPr algn="ctr"/>
-                          <a:r>
-                            <a:rPr lang="en-IN" sz="1600" noProof="0" dirty="0"/>
-                            <a:t>65</a:t>
-                          </a:r>
-                        </a:p>
-                      </a:txBody>
-                      <a:tcPr/>
-                    </a:tc>
-                    <a:tc>
-                      <a:txBody>
-                        <a:bodyPr/>
-                        <a:lstStyle/>
-                        <a:p>
-                          <a:pPr algn="ctr"/>
-                          <a:r>
-                            <a:rPr lang="en-IN" sz="1600" noProof="0" dirty="0"/>
-                            <a:t>30</a:t>
-                          </a:r>
-                        </a:p>
-                      </a:txBody>
-                      <a:tcPr/>
-                    </a:tc>
-                    <a:tc>
-                      <a:txBody>
-                        <a:bodyPr/>
-                        <a:lstStyle/>
-                        <a:p>
-                          <a:pPr algn="ctr"/>
-                          <a:r>
-                            <a:rPr lang="en-IN" sz="1600" noProof="0" dirty="0"/>
-                            <a:t>38</a:t>
-                          </a:r>
-                        </a:p>
-                      </a:txBody>
-                      <a:tcPr/>
-                    </a:tc>
-                    <a:tc>
-                      <a:txBody>
-                        <a:bodyPr/>
-                        <a:lstStyle/>
-                        <a:p>
-                          <a:pPr algn="ctr"/>
-                          <a:r>
-                            <a:rPr lang="en-IN" sz="1600" noProof="0" dirty="0"/>
-                            <a:t>8</a:t>
-                          </a:r>
-                        </a:p>
-                      </a:txBody>
-                      <a:tcPr/>
-                    </a:tc>
-                    <a:tc>
-                      <a:txBody>
-                        <a:bodyPr/>
-                        <a:lstStyle/>
-                        <a:p>
-                          <a:pPr algn="ctr"/>
-                          <a:r>
-                            <a:rPr lang="en-IN" sz="1600" noProof="0" dirty="0"/>
-                            <a:t>64</a:t>
-                          </a:r>
-                        </a:p>
-                      </a:txBody>
-                      <a:tcPr/>
-                    </a:tc>
-                    <a:extLst>
-                      <a:ext uri="{0D108BD9-81ED-4DB2-BD59-A6C34878D82A}">
-                        <a16:rowId xmlns:a16="http://schemas.microsoft.com/office/drawing/2014/main" val="4272864123"/>
-                      </a:ext>
-                    </a:extLst>
-                  </a:tr>
-                  <a:tr h="335280">
-                    <a:tc>
-                      <a:txBody>
-                        <a:bodyPr/>
-                        <a:lstStyle/>
-                        <a:p>
-                          <a:pPr algn="ctr"/>
-                          <a:r>
-                            <a:rPr lang="en-IN" sz="1600" noProof="0" dirty="0"/>
-                            <a:t>70</a:t>
-                          </a:r>
-                        </a:p>
-                      </a:txBody>
-                      <a:tcPr/>
-                    </a:tc>
-                    <a:tc>
-                      <a:txBody>
-                        <a:bodyPr/>
-                        <a:lstStyle/>
-                        <a:p>
-                          <a:pPr algn="ctr"/>
-                          <a:r>
-                            <a:rPr lang="en-IN" sz="1600" noProof="0" dirty="0"/>
-                            <a:t>50</a:t>
-                          </a:r>
-                        </a:p>
-                      </a:txBody>
-                      <a:tcPr/>
-                    </a:tc>
-                    <a:tc>
-                      <a:txBody>
-                        <a:bodyPr/>
-                        <a:lstStyle/>
-                        <a:p>
-                          <a:pPr algn="ctr"/>
-                          <a:r>
-                            <a:rPr lang="en-IN" sz="1600" noProof="0" dirty="0"/>
-                            <a:t>40</a:t>
-                          </a:r>
-                        </a:p>
-                      </a:txBody>
-                      <a:tcPr/>
-                    </a:tc>
-                    <a:tc>
-                      <a:txBody>
-                        <a:bodyPr/>
-                        <a:lstStyle/>
-                        <a:p>
-                          <a:pPr algn="ctr"/>
-                          <a:r>
-                            <a:rPr lang="en-IN" sz="1600" noProof="0" dirty="0"/>
-                            <a:t>10</a:t>
-                          </a:r>
-                        </a:p>
-                      </a:txBody>
-                      <a:tcPr/>
-                    </a:tc>
-                    <a:tc>
-                      <a:txBody>
-                        <a:bodyPr/>
-                        <a:lstStyle/>
-                        <a:p>
-                          <a:pPr algn="ctr"/>
-                          <a:r>
-                            <a:rPr lang="en-IN" sz="1600" noProof="0" dirty="0"/>
-                            <a:t>100</a:t>
-                          </a:r>
-                        </a:p>
-                      </a:txBody>
-                      <a:tcPr/>
-                    </a:tc>
-                    <a:extLst>
-                      <a:ext uri="{0D108BD9-81ED-4DB2-BD59-A6C34878D82A}">
-                        <a16:rowId xmlns:a16="http://schemas.microsoft.com/office/drawing/2014/main" val="778314671"/>
-                      </a:ext>
-                    </a:extLst>
-                  </a:tr>
-                  <a:tr h="335280">
-                    <a:tc>
-                      <a:txBody>
-                        <a:bodyPr/>
-                        <a:lstStyle/>
-                        <a:p>
-                          <a:pPr algn="ctr"/>
-                          <a:r>
-                            <a:rPr lang="en-IN" sz="1600" noProof="0" dirty="0"/>
-                            <a:t>80</a:t>
-                          </a:r>
-                        </a:p>
-                      </a:txBody>
-                      <a:tcPr/>
-                    </a:tc>
-                    <a:tc>
-                      <a:txBody>
-                        <a:bodyPr/>
-                        <a:lstStyle/>
-                        <a:p>
-                          <a:pPr algn="ctr"/>
-                          <a:r>
-                            <a:rPr lang="en-IN" sz="1600" noProof="0" dirty="0"/>
-                            <a:t>40</a:t>
-                          </a:r>
-                        </a:p>
-                      </a:txBody>
-                      <a:tcPr/>
-                    </a:tc>
-                    <a:tc>
-                      <a:txBody>
-                        <a:bodyPr/>
-                        <a:lstStyle/>
-                        <a:p>
-                          <a:pPr algn="ctr"/>
-                          <a:r>
-                            <a:rPr lang="en-IN" sz="1600" noProof="0" dirty="0"/>
-                            <a:t>44</a:t>
-                          </a:r>
-                        </a:p>
-                      </a:txBody>
-                      <a:tcPr/>
-                    </a:tc>
-                    <a:tc>
-                      <a:txBody>
-                        <a:bodyPr/>
-                        <a:lstStyle/>
-                        <a:p>
-                          <a:pPr algn="ctr"/>
-                          <a:r>
-                            <a:rPr lang="en-IN" sz="1600" noProof="0" dirty="0"/>
-                            <a:t>4</a:t>
-                          </a:r>
-                        </a:p>
-                      </a:txBody>
-                      <a:tcPr/>
-                    </a:tc>
-                    <a:tc>
-                      <a:txBody>
-                        <a:bodyPr/>
-                        <a:lstStyle/>
-                        <a:p>
-                          <a:pPr algn="ctr"/>
-                          <a:r>
-                            <a:rPr lang="en-IN" sz="1600" noProof="0" dirty="0"/>
-                            <a:t>16</a:t>
-                          </a:r>
-                        </a:p>
-                      </a:txBody>
-                      <a:tcPr/>
-                    </a:tc>
-                    <a:extLst>
-                      <a:ext uri="{0D108BD9-81ED-4DB2-BD59-A6C34878D82A}">
-                        <a16:rowId xmlns:a16="http://schemas.microsoft.com/office/drawing/2014/main" val="2188934142"/>
-                      </a:ext>
-                    </a:extLst>
-                  </a:tr>
-                  <a:tr h="335280">
-                    <a:tc>
-                      <a:txBody>
-                        <a:bodyPr/>
-                        <a:lstStyle/>
-                        <a:p>
-                          <a:pPr algn="ctr"/>
-                          <a:r>
-                            <a:rPr lang="en-IN" sz="1600" b="1" noProof="0" dirty="0"/>
-                            <a:t>Total</a:t>
-                          </a:r>
-                        </a:p>
-                      </a:txBody>
-                      <a:tcPr/>
-                    </a:tc>
-                    <a:tc>
-                      <a:txBody>
-                        <a:bodyPr/>
-                        <a:lstStyle/>
-                        <a:p>
-                          <a:pPr algn="ctr"/>
-                          <a:r>
-                            <a:rPr lang="en-IN" sz="1600" b="1" noProof="0" dirty="0"/>
-                            <a:t>NA</a:t>
-                          </a:r>
-                        </a:p>
-                      </a:txBody>
-                      <a:tcPr/>
-                    </a:tc>
-                    <a:tc>
-                      <a:txBody>
-                        <a:bodyPr/>
-                        <a:lstStyle/>
-                        <a:p>
-                          <a:pPr algn="ctr"/>
-                          <a:r>
-                            <a:rPr lang="en-IN" sz="1600" b="1" noProof="0" dirty="0"/>
-                            <a:t>NA</a:t>
-                          </a:r>
-                        </a:p>
-                      </a:txBody>
-                      <a:tcPr/>
-                    </a:tc>
-                    <a:tc>
-                      <a:txBody>
-                        <a:bodyPr/>
-                        <a:lstStyle/>
-                        <a:p>
-                          <a:pPr algn="ctr"/>
-                          <a:r>
-                            <a:rPr lang="en-IN" sz="1600" b="1" noProof="0" dirty="0"/>
-                            <a:t>74</a:t>
-                          </a:r>
-                        </a:p>
-                      </a:txBody>
-                      <a:tcPr/>
-                    </a:tc>
-                    <a:tc>
-                      <a:txBody>
-                        <a:bodyPr/>
-                        <a:lstStyle/>
-                        <a:p>
-                          <a:pPr algn="ctr"/>
-                          <a:r>
-                            <a:rPr lang="en-IN" sz="1600" b="1" noProof="0" dirty="0"/>
-                            <a:t>722 (SSE)</a:t>
-                          </a:r>
-                        </a:p>
-                      </a:txBody>
-                      <a:tcPr/>
-                    </a:tc>
-                    <a:extLst>
-                      <a:ext uri="{0D108BD9-81ED-4DB2-BD59-A6C34878D82A}">
-                        <a16:rowId xmlns:a16="http://schemas.microsoft.com/office/drawing/2014/main" val="3293582667"/>
-                      </a:ext>
-                    </a:extLst>
-                  </a:tr>
-                </a:tbl>
-              </a:graphicData>
-            </a:graphic>
-          </p:graphicFrame>
-        </mc:Fallback>
-      </mc:AlternateContent>
-      <mc:AlternateContent xmlns:mc="http://schemas.openxmlformats.org/markup-compatibility/2006" xmlns:a14="http://schemas.microsoft.com/office/drawing/2010/main">
-        <mc:Choice Requires="a14">
-          <p:sp>
-            <p:nvSpPr>
-              <p:cNvPr id="5" name="TextBox 4">
-                <a:extLst>
-                  <a:ext uri="{FF2B5EF4-FFF2-40B4-BE49-F238E27FC236}">
-                    <a16:creationId xmlns:a16="http://schemas.microsoft.com/office/drawing/2014/main" id="{333DCF0E-2AB0-3085-EC21-F201B741B172}"/>
-                  </a:ext>
-                </a:extLst>
-              </p:cNvPr>
-              <p:cNvSpPr txBox="1"/>
-              <p:nvPr/>
-            </p:nvSpPr>
-            <p:spPr>
-              <a:xfrm>
-                <a:off x="5550195" y="4699480"/>
-                <a:ext cx="6347638" cy="1477649"/>
-              </a:xfrm>
-              <a:prstGeom prst="rect">
-                <a:avLst/>
-              </a:prstGeom>
-              <a:solidFill>
-                <a:schemeClr val="accent4">
-                  <a:lumMod val="20000"/>
-                  <a:lumOff val="80000"/>
-                </a:schemeClr>
-              </a:solidFill>
-            </p:spPr>
-            <p:txBody>
-              <a:bodyPr wrap="square" rtlCol="0">
-                <a:spAutoFit/>
-              </a:bodyPr>
-              <a:lstStyle/>
-              <a:p>
-                <a:r>
-                  <a:rPr lang="en-IN" noProof="0" dirty="0"/>
-                  <a:t>*TSS = Total Sum of Squares </a:t>
-                </a:r>
-              </a:p>
-              <a:p>
-                <a:r>
-                  <a:rPr lang="en-IN" noProof="0" dirty="0"/>
-                  <a:t>Total distance between each y value and mean of y, squared) </a:t>
-                </a:r>
-              </a:p>
-              <a:p>
-                <a:endParaRPr lang="en-IN" noProof="0" dirty="0"/>
-              </a:p>
-              <a:p>
-                <a:r>
-                  <a:rPr lang="en-IN" noProof="0" dirty="0"/>
-                  <a:t>= </a:t>
-                </a:r>
-                <a14:m>
-                  <m:oMath xmlns:m="http://schemas.openxmlformats.org/officeDocument/2006/math">
-                    <m:nary>
-                      <m:naryPr>
-                        <m:chr m:val="∑"/>
-                        <m:supHide m:val="on"/>
-                        <m:ctrlPr>
-                          <a:rPr lang="en-IN" i="1" noProof="0">
-                            <a:latin typeface="Cambria Math" panose="02040503050406030204" pitchFamily="18" charset="0"/>
-                          </a:rPr>
-                        </m:ctrlPr>
-                      </m:naryPr>
-                      <m:sub>
-                        <m:r>
-                          <m:rPr>
-                            <m:brk m:alnAt="7"/>
-                          </m:rPr>
-                          <a:rPr lang="en-IN" i="1" noProof="0">
-                            <a:latin typeface="Cambria Math" panose="02040503050406030204" pitchFamily="18" charset="0"/>
-                          </a:rPr>
-                          <m:t>𝑖</m:t>
-                        </m:r>
-                      </m:sub>
-                      <m:sup/>
-                      <m:e>
-                        <m:d>
-                          <m:dPr>
-                            <m:ctrlPr>
-                              <a:rPr lang="en-IN" i="1" noProof="0">
-                                <a:latin typeface="Cambria Math" panose="02040503050406030204" pitchFamily="18" charset="0"/>
-                              </a:rPr>
-                            </m:ctrlPr>
-                          </m:dPr>
-                          <m:e>
-                            <m:r>
-                              <a:rPr lang="en-IN" i="1" noProof="0">
-                                <a:latin typeface="Cambria Math" panose="02040503050406030204" pitchFamily="18" charset="0"/>
-                              </a:rPr>
-                              <m:t>𝑦</m:t>
-                            </m:r>
-                            <m:r>
-                              <a:rPr lang="en-IN" i="1" baseline="-25000" noProof="0">
-                                <a:latin typeface="Cambria Math" panose="02040503050406030204" pitchFamily="18" charset="0"/>
-                              </a:rPr>
-                              <m:t>𝑖</m:t>
-                            </m:r>
-                            <m:r>
-                              <a:rPr lang="en-IN" i="1" noProof="0">
-                                <a:latin typeface="Cambria Math" panose="02040503050406030204" pitchFamily="18" charset="0"/>
-                              </a:rPr>
-                              <m:t> − </m:t>
-                            </m:r>
-                            <m:acc>
-                              <m:accPr>
-                                <m:chr m:val="̅"/>
-                                <m:ctrlPr>
-                                  <a:rPr lang="en-IN" i="1" noProof="0">
-                                    <a:solidFill>
-                                      <a:srgbClr val="836967"/>
-                                    </a:solidFill>
-                                    <a:latin typeface="Cambria Math" panose="02040503050406030204" pitchFamily="18" charset="0"/>
-                                  </a:rPr>
-                                </m:ctrlPr>
-                              </m:accPr>
-                              <m:e>
-                                <m:r>
-                                  <a:rPr lang="en-IN" i="1" noProof="0">
-                                    <a:latin typeface="Cambria Math" panose="02040503050406030204" pitchFamily="18" charset="0"/>
-                                  </a:rPr>
-                                  <m:t>𝑦</m:t>
-                                </m:r>
-                              </m:e>
-                            </m:acc>
-                          </m:e>
-                        </m:d>
-                        <m:r>
-                          <a:rPr lang="en-IN" i="1" baseline="30000" noProof="0">
-                            <a:latin typeface="Cambria Math" panose="02040503050406030204" pitchFamily="18" charset="0"/>
-                          </a:rPr>
-                          <m:t>2</m:t>
-                        </m:r>
-                      </m:e>
-                    </m:nary>
-                  </m:oMath>
-                </a14:m>
-                <a:endParaRPr lang="en-IN" noProof="0" dirty="0"/>
-              </a:p>
-              <a:p>
-                <a:r>
-                  <a:rPr lang="en-IN" noProof="0" dirty="0"/>
-                  <a:t>= [(10-30) + (25-30) + (20-30) + … (50-30) + (40-30)]</a:t>
-                </a:r>
-                <a:r>
-                  <a:rPr lang="en-IN" baseline="30000" noProof="0" dirty="0"/>
-                  <a:t>2 </a:t>
-                </a:r>
-                <a:r>
-                  <a:rPr lang="en-IN" noProof="0" dirty="0"/>
-                  <a:t>= 1450</a:t>
-                </a:r>
-              </a:p>
-            </p:txBody>
-          </p:sp>
-        </mc:Choice>
-        <mc:Fallback xmlns="">
-          <p:sp>
-            <p:nvSpPr>
-              <p:cNvPr id="5" name="TextBox 4">
-                <a:extLst>
-                  <a:ext uri="{FF2B5EF4-FFF2-40B4-BE49-F238E27FC236}">
-                    <a16:creationId xmlns:a16="http://schemas.microsoft.com/office/drawing/2014/main" id="{333DCF0E-2AB0-3085-EC21-F201B741B172}"/>
-                  </a:ext>
-                </a:extLst>
-              </p:cNvPr>
-              <p:cNvSpPr txBox="1">
-                <a:spLocks noRot="1" noChangeAspect="1" noMove="1" noResize="1" noEditPoints="1" noAdjustHandles="1" noChangeArrowheads="1" noChangeShapeType="1" noTextEdit="1"/>
-              </p:cNvSpPr>
-              <p:nvPr/>
-            </p:nvSpPr>
-            <p:spPr>
-              <a:xfrm>
-                <a:off x="5550195" y="4699480"/>
-                <a:ext cx="6347638" cy="1477649"/>
-              </a:xfrm>
-              <a:prstGeom prst="rect">
-                <a:avLst/>
-              </a:prstGeom>
-              <a:blipFill>
-                <a:blip r:embed="rId4"/>
-                <a:stretch>
-                  <a:fillRect l="-2687" t="-2479" b="-27273"/>
-                </a:stretch>
-              </a:blipFill>
-            </p:spPr>
-            <p:txBody>
-              <a:bodyPr/>
-              <a:lstStyle/>
-              <a:p>
-                <a:r>
-                  <a:rPr lang="en-IN">
-                    <a:noFill/>
-                  </a:rPr>
-                  <a:t> </a:t>
-                </a:r>
-              </a:p>
-            </p:txBody>
-          </p:sp>
-        </mc:Fallback>
-      </mc:AlternateContent>
-    </p:spTree>
-    <p:extLst>
-      <p:ext uri="{BB962C8B-B14F-4D97-AF65-F5344CB8AC3E}">
-        <p14:creationId xmlns:p14="http://schemas.microsoft.com/office/powerpoint/2010/main" val="4185342650"/>
-      </p:ext>
-    </p:extLst>
-  </p:cSld>
-  <p:clrMapOvr>
-    <a:masterClrMapping/>
-  </p:clrMapOvr>
-</p:sld>
-</file>
-
 <file path=ppt/theme/theme1.xml><?xml version="1.0" encoding="utf-8"?>
 <a:theme xmlns:a="http://schemas.openxmlformats.org/drawingml/2006/main" name="Office Theme">
   <a:themeElements>
